--- a/Dokumente/Masken Mock-Ups.pptx
+++ b/Dokumente/Masken Mock-Ups.pptx
@@ -3959,8 +3959,12 @@
           <a:lstStyle/>
           <a:p>
             <a:r>
-              <a:rPr lang="de-DE" dirty="0" smtClean="0"/>
-              <a:t>Benutzerregistrieren, Daten anzeigen/ändern</a:t>
+              <a:rPr lang="de-DE" smtClean="0"/>
+              <a:t>Benutzer registrieren</a:t>
+            </a:r>
+            <a:r>
+              <a:rPr lang="de-DE" dirty="0" smtClean="0"/>
+              <a:t>, Daten anzeigen/ändern</a:t>
             </a:r>
             <a:endParaRPr lang="de-DE" dirty="0"/>
           </a:p>

--- a/Dokumente/Masken Mock-Ups.pptx
+++ b/Dokumente/Masken Mock-Ups.pptx
@@ -298,7 +298,7 @@
             <a:fld id="{F8681D05-51E3-4B22-B9DA-00A49617C588}" type="datetimeFigureOut">
               <a:rPr lang="de-DE" smtClean="0"/>
               <a:pPr/>
-              <a:t>20.04.2012</a:t>
+              <a:t>21.04.2012</a:t>
             </a:fld>
             <a:endParaRPr lang="de-DE"/>
           </a:p>
@@ -465,7 +465,7 @@
             <a:fld id="{F8681D05-51E3-4B22-B9DA-00A49617C588}" type="datetimeFigureOut">
               <a:rPr lang="de-DE" smtClean="0"/>
               <a:pPr/>
-              <a:t>20.04.2012</a:t>
+              <a:t>21.04.2012</a:t>
             </a:fld>
             <a:endParaRPr lang="de-DE"/>
           </a:p>
@@ -642,7 +642,7 @@
             <a:fld id="{F8681D05-51E3-4B22-B9DA-00A49617C588}" type="datetimeFigureOut">
               <a:rPr lang="de-DE" smtClean="0"/>
               <a:pPr/>
-              <a:t>20.04.2012</a:t>
+              <a:t>21.04.2012</a:t>
             </a:fld>
             <a:endParaRPr lang="de-DE"/>
           </a:p>
@@ -809,7 +809,7 @@
             <a:fld id="{F8681D05-51E3-4B22-B9DA-00A49617C588}" type="datetimeFigureOut">
               <a:rPr lang="de-DE" smtClean="0"/>
               <a:pPr/>
-              <a:t>20.04.2012</a:t>
+              <a:t>21.04.2012</a:t>
             </a:fld>
             <a:endParaRPr lang="de-DE"/>
           </a:p>
@@ -1052,7 +1052,7 @@
             <a:fld id="{F8681D05-51E3-4B22-B9DA-00A49617C588}" type="datetimeFigureOut">
               <a:rPr lang="de-DE" smtClean="0"/>
               <a:pPr/>
-              <a:t>20.04.2012</a:t>
+              <a:t>21.04.2012</a:t>
             </a:fld>
             <a:endParaRPr lang="de-DE"/>
           </a:p>
@@ -1337,7 +1337,7 @@
             <a:fld id="{F8681D05-51E3-4B22-B9DA-00A49617C588}" type="datetimeFigureOut">
               <a:rPr lang="de-DE" smtClean="0"/>
               <a:pPr/>
-              <a:t>20.04.2012</a:t>
+              <a:t>21.04.2012</a:t>
             </a:fld>
             <a:endParaRPr lang="de-DE"/>
           </a:p>
@@ -1756,7 +1756,7 @@
             <a:fld id="{F8681D05-51E3-4B22-B9DA-00A49617C588}" type="datetimeFigureOut">
               <a:rPr lang="de-DE" smtClean="0"/>
               <a:pPr/>
-              <a:t>20.04.2012</a:t>
+              <a:t>21.04.2012</a:t>
             </a:fld>
             <a:endParaRPr lang="de-DE"/>
           </a:p>
@@ -1871,7 +1871,7 @@
             <a:fld id="{F8681D05-51E3-4B22-B9DA-00A49617C588}" type="datetimeFigureOut">
               <a:rPr lang="de-DE" smtClean="0"/>
               <a:pPr/>
-              <a:t>20.04.2012</a:t>
+              <a:t>21.04.2012</a:t>
             </a:fld>
             <a:endParaRPr lang="de-DE"/>
           </a:p>
@@ -1963,7 +1963,7 @@
             <a:fld id="{F8681D05-51E3-4B22-B9DA-00A49617C588}" type="datetimeFigureOut">
               <a:rPr lang="de-DE" smtClean="0"/>
               <a:pPr/>
-              <a:t>20.04.2012</a:t>
+              <a:t>21.04.2012</a:t>
             </a:fld>
             <a:endParaRPr lang="de-DE"/>
           </a:p>
@@ -2237,7 +2237,7 @@
             <a:fld id="{F8681D05-51E3-4B22-B9DA-00A49617C588}" type="datetimeFigureOut">
               <a:rPr lang="de-DE" smtClean="0"/>
               <a:pPr/>
-              <a:t>20.04.2012</a:t>
+              <a:t>21.04.2012</a:t>
             </a:fld>
             <a:endParaRPr lang="de-DE"/>
           </a:p>
@@ -2487,7 +2487,7 @@
             <a:fld id="{F8681D05-51E3-4B22-B9DA-00A49617C588}" type="datetimeFigureOut">
               <a:rPr lang="de-DE" smtClean="0"/>
               <a:pPr/>
-              <a:t>20.04.2012</a:t>
+              <a:t>21.04.2012</a:t>
             </a:fld>
             <a:endParaRPr lang="de-DE"/>
           </a:p>
@@ -2697,7 +2697,7 @@
             <a:fld id="{F8681D05-51E3-4B22-B9DA-00A49617C588}" type="datetimeFigureOut">
               <a:rPr lang="de-DE" smtClean="0"/>
               <a:pPr/>
-              <a:t>20.04.2012</a:t>
+              <a:t>21.04.2012</a:t>
             </a:fld>
             <a:endParaRPr lang="de-DE"/>
           </a:p>
@@ -4003,8 +4003,8 @@
         </p:nvSpPr>
         <p:spPr>
           <a:xfrm>
-            <a:off x="2051720" y="2708920"/>
-            <a:ext cx="3960440" cy="1224136"/>
+            <a:off x="2051720" y="2718000"/>
+            <a:ext cx="3960440" cy="1233428"/>
           </a:xfrm>
           <a:prstGeom prst="rect">
             <a:avLst/>
@@ -4043,7 +4043,15 @@
                   <a:schemeClr val="tx1"/>
                 </a:solidFill>
               </a:rPr>
-              <a:t>Nur bei Registrierung</a:t>
+              <a:t>Nur bei </a:t>
+            </a:r>
+            <a:r>
+              <a:rPr lang="de-DE" dirty="0" smtClean="0">
+                <a:solidFill>
+                  <a:schemeClr val="tx1"/>
+                </a:solidFill>
+              </a:rPr>
+              <a:t>Registrierung / Änderung</a:t>
             </a:r>
             <a:endParaRPr lang="de-DE" dirty="0">
               <a:solidFill>

--- a/Dokumente/Masken Mock-Ups.pptx
+++ b/Dokumente/Masken Mock-Ups.pptx
@@ -298,7 +298,7 @@
             <a:fld id="{F8681D05-51E3-4B22-B9DA-00A49617C588}" type="datetimeFigureOut">
               <a:rPr lang="de-DE" smtClean="0"/>
               <a:pPr/>
-              <a:t>21.04.2012</a:t>
+              <a:t>24.04.2012</a:t>
             </a:fld>
             <a:endParaRPr lang="de-DE"/>
           </a:p>
@@ -465,7 +465,7 @@
             <a:fld id="{F8681D05-51E3-4B22-B9DA-00A49617C588}" type="datetimeFigureOut">
               <a:rPr lang="de-DE" smtClean="0"/>
               <a:pPr/>
-              <a:t>21.04.2012</a:t>
+              <a:t>24.04.2012</a:t>
             </a:fld>
             <a:endParaRPr lang="de-DE"/>
           </a:p>
@@ -642,7 +642,7 @@
             <a:fld id="{F8681D05-51E3-4B22-B9DA-00A49617C588}" type="datetimeFigureOut">
               <a:rPr lang="de-DE" smtClean="0"/>
               <a:pPr/>
-              <a:t>21.04.2012</a:t>
+              <a:t>24.04.2012</a:t>
             </a:fld>
             <a:endParaRPr lang="de-DE"/>
           </a:p>
@@ -809,7 +809,7 @@
             <a:fld id="{F8681D05-51E3-4B22-B9DA-00A49617C588}" type="datetimeFigureOut">
               <a:rPr lang="de-DE" smtClean="0"/>
               <a:pPr/>
-              <a:t>21.04.2012</a:t>
+              <a:t>24.04.2012</a:t>
             </a:fld>
             <a:endParaRPr lang="de-DE"/>
           </a:p>
@@ -1052,7 +1052,7 @@
             <a:fld id="{F8681D05-51E3-4B22-B9DA-00A49617C588}" type="datetimeFigureOut">
               <a:rPr lang="de-DE" smtClean="0"/>
               <a:pPr/>
-              <a:t>21.04.2012</a:t>
+              <a:t>24.04.2012</a:t>
             </a:fld>
             <a:endParaRPr lang="de-DE"/>
           </a:p>
@@ -1337,7 +1337,7 @@
             <a:fld id="{F8681D05-51E3-4B22-B9DA-00A49617C588}" type="datetimeFigureOut">
               <a:rPr lang="de-DE" smtClean="0"/>
               <a:pPr/>
-              <a:t>21.04.2012</a:t>
+              <a:t>24.04.2012</a:t>
             </a:fld>
             <a:endParaRPr lang="de-DE"/>
           </a:p>
@@ -1756,7 +1756,7 @@
             <a:fld id="{F8681D05-51E3-4B22-B9DA-00A49617C588}" type="datetimeFigureOut">
               <a:rPr lang="de-DE" smtClean="0"/>
               <a:pPr/>
-              <a:t>21.04.2012</a:t>
+              <a:t>24.04.2012</a:t>
             </a:fld>
             <a:endParaRPr lang="de-DE"/>
           </a:p>
@@ -1871,7 +1871,7 @@
             <a:fld id="{F8681D05-51E3-4B22-B9DA-00A49617C588}" type="datetimeFigureOut">
               <a:rPr lang="de-DE" smtClean="0"/>
               <a:pPr/>
-              <a:t>21.04.2012</a:t>
+              <a:t>24.04.2012</a:t>
             </a:fld>
             <a:endParaRPr lang="de-DE"/>
           </a:p>
@@ -1963,7 +1963,7 @@
             <a:fld id="{F8681D05-51E3-4B22-B9DA-00A49617C588}" type="datetimeFigureOut">
               <a:rPr lang="de-DE" smtClean="0"/>
               <a:pPr/>
-              <a:t>21.04.2012</a:t>
+              <a:t>24.04.2012</a:t>
             </a:fld>
             <a:endParaRPr lang="de-DE"/>
           </a:p>
@@ -2237,7 +2237,7 @@
             <a:fld id="{F8681D05-51E3-4B22-B9DA-00A49617C588}" type="datetimeFigureOut">
               <a:rPr lang="de-DE" smtClean="0"/>
               <a:pPr/>
-              <a:t>21.04.2012</a:t>
+              <a:t>24.04.2012</a:t>
             </a:fld>
             <a:endParaRPr lang="de-DE"/>
           </a:p>
@@ -2487,7 +2487,7 @@
             <a:fld id="{F8681D05-51E3-4B22-B9DA-00A49617C588}" type="datetimeFigureOut">
               <a:rPr lang="de-DE" smtClean="0"/>
               <a:pPr/>
-              <a:t>21.04.2012</a:t>
+              <a:t>24.04.2012</a:t>
             </a:fld>
             <a:endParaRPr lang="de-DE"/>
           </a:p>
@@ -2697,7 +2697,7 @@
             <a:fld id="{F8681D05-51E3-4B22-B9DA-00A49617C588}" type="datetimeFigureOut">
               <a:rPr lang="de-DE" smtClean="0"/>
               <a:pPr/>
-              <a:t>21.04.2012</a:t>
+              <a:t>24.04.2012</a:t>
             </a:fld>
             <a:endParaRPr lang="de-DE"/>
           </a:p>
@@ -4003,8 +4003,8 @@
         </p:nvSpPr>
         <p:spPr>
           <a:xfrm>
-            <a:off x="2051720" y="2718000"/>
-            <a:ext cx="3960440" cy="1233428"/>
+            <a:off x="2051720" y="3140968"/>
+            <a:ext cx="3960440" cy="810460"/>
           </a:xfrm>
           <a:prstGeom prst="rect">
             <a:avLst/>
@@ -4043,15 +4043,7 @@
                   <a:schemeClr val="tx1"/>
                 </a:solidFill>
               </a:rPr>
-              <a:t>Nur bei </a:t>
-            </a:r>
-            <a:r>
-              <a:rPr lang="de-DE" dirty="0" smtClean="0">
-                <a:solidFill>
-                  <a:schemeClr val="tx1"/>
-                </a:solidFill>
-              </a:rPr>
-              <a:t>Registrierung / Änderung</a:t>
+              <a:t>Nur bei Registrierung / Änderung</a:t>
             </a:r>
             <a:endParaRPr lang="de-DE" dirty="0">
               <a:solidFill>
@@ -4139,7 +4131,7 @@
         </p:nvSpPr>
         <p:spPr>
           <a:xfrm>
-            <a:off x="4427984" y="3131676"/>
+            <a:off x="4427984" y="2699628"/>
             <a:ext cx="1440160" cy="360040"/>
           </a:xfrm>
           <a:prstGeom prst="rect">
@@ -4179,7 +4171,7 @@
         </p:nvSpPr>
         <p:spPr>
           <a:xfrm>
-            <a:off x="2123728" y="3131676"/>
+            <a:off x="2123728" y="2699628"/>
             <a:ext cx="1091774" cy="369332"/>
           </a:xfrm>
           <a:prstGeom prst="rect">
@@ -4598,8 +4590,8 @@
         </p:nvSpPr>
         <p:spPr>
           <a:xfrm>
-            <a:off x="4211960" y="5805264"/>
-            <a:ext cx="1656184" cy="576064"/>
+            <a:off x="3851920" y="5805264"/>
+            <a:ext cx="2016224" cy="576064"/>
           </a:xfrm>
           <a:prstGeom prst="rect">
             <a:avLst/>
@@ -4640,7 +4632,11 @@
             <a:pPr algn="ctr"/>
             <a:r>
               <a:rPr lang="de-DE" dirty="0" smtClean="0"/>
-              <a:t>Benutzer registrieren</a:t>
+              <a:t>Benutzer </a:t>
+            </a:r>
+            <a:r>
+              <a:rPr lang="de-DE" dirty="0" smtClean="0"/>
+              <a:t>registrieren/ändern</a:t>
             </a:r>
             <a:endParaRPr lang="de-DE" dirty="0"/>
           </a:p>
@@ -7989,31 +7985,6 @@
       </p:grpSpPr>
       <p:sp>
         <p:nvSpPr>
-          <p:cNvPr id="4" name="Titel 3"/>
-          <p:cNvSpPr>
-            <a:spLocks noGrp="1"/>
-          </p:cNvSpPr>
-          <p:nvPr>
-            <p:ph type="title"/>
-          </p:nvPr>
-        </p:nvSpPr>
-        <p:spPr/>
-        <p:txBody>
-          <a:bodyPr>
-            <a:normAutofit/>
-          </a:bodyPr>
-          <a:lstStyle/>
-          <a:p>
-            <a:r>
-              <a:rPr lang="de-DE" dirty="0" smtClean="0"/>
-              <a:t>Event</a:t>
-            </a:r>
-            <a:endParaRPr lang="de-DE" dirty="0"/>
-          </a:p>
-        </p:txBody>
-      </p:sp>
-      <p:sp>
-        <p:nvSpPr>
           <p:cNvPr id="5" name="Inhaltsplatzhalter 4"/>
           <p:cNvSpPr>
             <a:spLocks noGrp="1"/>
@@ -8042,474 +8013,14 @@
       </p:sp>
       <p:sp>
         <p:nvSpPr>
-          <p:cNvPr id="12" name="Rechteck 11"/>
+          <p:cNvPr id="32" name="Rechteck 31"/>
           <p:cNvSpPr/>
           <p:nvPr/>
         </p:nvSpPr>
         <p:spPr>
           <a:xfrm>
-            <a:off x="3059832" y="2780928"/>
-            <a:ext cx="1440160" cy="360040"/>
-          </a:xfrm>
-          <a:prstGeom prst="rect">
-            <a:avLst/>
-          </a:prstGeom>
-        </p:spPr>
-        <p:style>
-          <a:lnRef idx="2">
-            <a:schemeClr val="accent1">
-              <a:shade val="50000"/>
-            </a:schemeClr>
-          </a:lnRef>
-          <a:fillRef idx="1">
-            <a:schemeClr val="accent1"/>
-          </a:fillRef>
-          <a:effectRef idx="0">
-            <a:schemeClr val="accent1"/>
-          </a:effectRef>
-          <a:fontRef idx="minor">
-            <a:schemeClr val="lt1"/>
-          </a:fontRef>
-        </p:style>
-        <p:txBody>
-          <a:bodyPr rtlCol="0" anchor="ctr"/>
-          <a:lstStyle/>
-          <a:p>
-            <a:pPr algn="ctr"/>
-            <a:endParaRPr lang="de-DE"/>
-          </a:p>
-        </p:txBody>
-      </p:sp>
-      <p:sp>
-        <p:nvSpPr>
-          <p:cNvPr id="17" name="Rechteck 16"/>
-          <p:cNvSpPr/>
-          <p:nvPr/>
-        </p:nvSpPr>
-        <p:spPr>
-          <a:xfrm>
-            <a:off x="3059832" y="3203684"/>
-            <a:ext cx="1440160" cy="801380"/>
-          </a:xfrm>
-          <a:prstGeom prst="rect">
-            <a:avLst/>
-          </a:prstGeom>
-        </p:spPr>
-        <p:style>
-          <a:lnRef idx="2">
-            <a:schemeClr val="accent1">
-              <a:shade val="50000"/>
-            </a:schemeClr>
-          </a:lnRef>
-          <a:fillRef idx="1">
-            <a:schemeClr val="accent1"/>
-          </a:fillRef>
-          <a:effectRef idx="0">
-            <a:schemeClr val="accent1"/>
-          </a:effectRef>
-          <a:fontRef idx="minor">
-            <a:schemeClr val="lt1"/>
-          </a:fontRef>
-        </p:style>
-        <p:txBody>
-          <a:bodyPr rtlCol="0" anchor="ctr"/>
-          <a:lstStyle/>
-          <a:p>
-            <a:pPr algn="ctr"/>
-            <a:endParaRPr lang="de-DE"/>
-          </a:p>
-        </p:txBody>
-      </p:sp>
-      <p:sp>
-        <p:nvSpPr>
-          <p:cNvPr id="13" name="Textfeld 12"/>
-          <p:cNvSpPr txBox="1"/>
-          <p:nvPr/>
-        </p:nvSpPr>
-        <p:spPr>
-          <a:xfrm>
-            <a:off x="755576" y="2780928"/>
-            <a:ext cx="655051" cy="369332"/>
-          </a:xfrm>
-          <a:prstGeom prst="rect">
-            <a:avLst/>
-          </a:prstGeom>
-          <a:noFill/>
-        </p:spPr>
-        <p:txBody>
-          <a:bodyPr wrap="none" rtlCol="0">
-            <a:spAutoFit/>
-          </a:bodyPr>
-          <a:lstStyle/>
-          <a:p>
-            <a:r>
-              <a:rPr lang="de-DE" dirty="0" smtClean="0"/>
-              <a:t>Titel:</a:t>
-            </a:r>
-            <a:endParaRPr lang="de-DE" dirty="0"/>
-          </a:p>
-        </p:txBody>
-      </p:sp>
-      <p:sp>
-        <p:nvSpPr>
-          <p:cNvPr id="18" name="Textfeld 17"/>
-          <p:cNvSpPr txBox="1"/>
-          <p:nvPr/>
-        </p:nvSpPr>
-        <p:spPr>
-          <a:xfrm>
-            <a:off x="755576" y="3203684"/>
-            <a:ext cx="1516954" cy="369332"/>
-          </a:xfrm>
-          <a:prstGeom prst="rect">
-            <a:avLst/>
-          </a:prstGeom>
-          <a:noFill/>
-        </p:spPr>
-        <p:txBody>
-          <a:bodyPr wrap="none" rtlCol="0">
-            <a:spAutoFit/>
-          </a:bodyPr>
-          <a:lstStyle/>
-          <a:p>
-            <a:r>
-              <a:rPr lang="de-DE" dirty="0" smtClean="0"/>
-              <a:t>Beschreibung:</a:t>
-            </a:r>
-            <a:endParaRPr lang="de-DE" dirty="0"/>
-          </a:p>
-        </p:txBody>
-      </p:sp>
-      <p:sp>
-        <p:nvSpPr>
-          <p:cNvPr id="21" name="Rechteck 20"/>
-          <p:cNvSpPr/>
-          <p:nvPr/>
-        </p:nvSpPr>
-        <p:spPr>
-          <a:xfrm>
-            <a:off x="3059832" y="4067780"/>
-            <a:ext cx="1440160" cy="360040"/>
-          </a:xfrm>
-          <a:prstGeom prst="rect">
-            <a:avLst/>
-          </a:prstGeom>
-        </p:spPr>
-        <p:style>
-          <a:lnRef idx="2">
-            <a:schemeClr val="accent1">
-              <a:shade val="50000"/>
-            </a:schemeClr>
-          </a:lnRef>
-          <a:fillRef idx="1">
-            <a:schemeClr val="accent1"/>
-          </a:fillRef>
-          <a:effectRef idx="0">
-            <a:schemeClr val="accent1"/>
-          </a:effectRef>
-          <a:fontRef idx="minor">
-            <a:schemeClr val="lt1"/>
-          </a:fontRef>
-        </p:style>
-        <p:txBody>
-          <a:bodyPr rtlCol="0" anchor="ctr"/>
-          <a:lstStyle/>
-          <a:p>
-            <a:pPr algn="ctr"/>
-            <a:endParaRPr lang="de-DE"/>
-          </a:p>
-        </p:txBody>
-      </p:sp>
-      <p:sp>
-        <p:nvSpPr>
-          <p:cNvPr id="22" name="Textfeld 21"/>
-          <p:cNvSpPr txBox="1"/>
-          <p:nvPr/>
-        </p:nvSpPr>
-        <p:spPr>
-          <a:xfrm>
-            <a:off x="755576" y="4067780"/>
-            <a:ext cx="1139607" cy="369332"/>
-          </a:xfrm>
-          <a:prstGeom prst="rect">
-            <a:avLst/>
-          </a:prstGeom>
-          <a:noFill/>
-        </p:spPr>
-        <p:txBody>
-          <a:bodyPr wrap="none" rtlCol="0">
-            <a:spAutoFit/>
-          </a:bodyPr>
-          <a:lstStyle/>
-          <a:p>
-            <a:r>
-              <a:rPr lang="de-DE" dirty="0" smtClean="0"/>
-              <a:t>Kategorie:</a:t>
-            </a:r>
-            <a:endParaRPr lang="de-DE" dirty="0"/>
-          </a:p>
-        </p:txBody>
-      </p:sp>
-      <p:sp>
-        <p:nvSpPr>
-          <p:cNvPr id="23" name="Rechteck 22"/>
-          <p:cNvSpPr/>
-          <p:nvPr/>
-        </p:nvSpPr>
-        <p:spPr>
-          <a:xfrm>
-            <a:off x="3059832" y="4499828"/>
-            <a:ext cx="1440160" cy="360040"/>
-          </a:xfrm>
-          <a:prstGeom prst="rect">
-            <a:avLst/>
-          </a:prstGeom>
-        </p:spPr>
-        <p:style>
-          <a:lnRef idx="2">
-            <a:schemeClr val="accent1">
-              <a:shade val="50000"/>
-            </a:schemeClr>
-          </a:lnRef>
-          <a:fillRef idx="1">
-            <a:schemeClr val="accent1"/>
-          </a:fillRef>
-          <a:effectRef idx="0">
-            <a:schemeClr val="accent1"/>
-          </a:effectRef>
-          <a:fontRef idx="minor">
-            <a:schemeClr val="lt1"/>
-          </a:fontRef>
-        </p:style>
-        <p:txBody>
-          <a:bodyPr rtlCol="0" anchor="ctr"/>
-          <a:lstStyle/>
-          <a:p>
-            <a:pPr algn="ctr"/>
-            <a:endParaRPr lang="de-DE"/>
-          </a:p>
-        </p:txBody>
-      </p:sp>
-      <p:sp>
-        <p:nvSpPr>
-          <p:cNvPr id="24" name="Textfeld 23"/>
-          <p:cNvSpPr txBox="1"/>
-          <p:nvPr/>
-        </p:nvSpPr>
-        <p:spPr>
-          <a:xfrm>
-            <a:off x="755576" y="4499828"/>
-            <a:ext cx="1660647" cy="369332"/>
-          </a:xfrm>
-          <a:prstGeom prst="rect">
-            <a:avLst/>
-          </a:prstGeom>
-          <a:noFill/>
-        </p:spPr>
-        <p:txBody>
-          <a:bodyPr wrap="none" rtlCol="0">
-            <a:spAutoFit/>
-          </a:bodyPr>
-          <a:lstStyle/>
-          <a:p>
-            <a:r>
-              <a:rPr lang="de-DE" dirty="0" smtClean="0"/>
-              <a:t>Unterkategorie:</a:t>
-            </a:r>
-            <a:endParaRPr lang="de-DE" dirty="0"/>
-          </a:p>
-        </p:txBody>
-      </p:sp>
-      <p:sp>
-        <p:nvSpPr>
-          <p:cNvPr id="25" name="Rechteck 24"/>
-          <p:cNvSpPr/>
-          <p:nvPr/>
-        </p:nvSpPr>
-        <p:spPr>
-          <a:xfrm>
-            <a:off x="3059832" y="4931876"/>
-            <a:ext cx="1440160" cy="360040"/>
-          </a:xfrm>
-          <a:prstGeom prst="rect">
-            <a:avLst/>
-          </a:prstGeom>
-        </p:spPr>
-        <p:style>
-          <a:lnRef idx="2">
-            <a:schemeClr val="accent1">
-              <a:shade val="50000"/>
-            </a:schemeClr>
-          </a:lnRef>
-          <a:fillRef idx="1">
-            <a:schemeClr val="accent1"/>
-          </a:fillRef>
-          <a:effectRef idx="0">
-            <a:schemeClr val="accent1"/>
-          </a:effectRef>
-          <a:fontRef idx="minor">
-            <a:schemeClr val="lt1"/>
-          </a:fontRef>
-        </p:style>
-        <p:txBody>
-          <a:bodyPr rtlCol="0" anchor="ctr"/>
-          <a:lstStyle/>
-          <a:p>
-            <a:pPr algn="ctr"/>
-            <a:endParaRPr lang="de-DE"/>
-          </a:p>
-        </p:txBody>
-      </p:sp>
-      <p:sp>
-        <p:nvSpPr>
-          <p:cNvPr id="26" name="Textfeld 25"/>
-          <p:cNvSpPr txBox="1"/>
-          <p:nvPr/>
-        </p:nvSpPr>
-        <p:spPr>
-          <a:xfrm>
-            <a:off x="755576" y="4931876"/>
-            <a:ext cx="701026" cy="369332"/>
-          </a:xfrm>
-          <a:prstGeom prst="rect">
-            <a:avLst/>
-          </a:prstGeom>
-          <a:noFill/>
-        </p:spPr>
-        <p:txBody>
-          <a:bodyPr wrap="none" rtlCol="0">
-            <a:spAutoFit/>
-          </a:bodyPr>
-          <a:lstStyle/>
-          <a:p>
-            <a:r>
-              <a:rPr lang="de-DE" dirty="0" smtClean="0"/>
-              <a:t>Preis:</a:t>
-            </a:r>
-            <a:endParaRPr lang="de-DE" dirty="0"/>
-          </a:p>
-        </p:txBody>
-      </p:sp>
-      <p:sp>
-        <p:nvSpPr>
-          <p:cNvPr id="27" name="Rechteck 26"/>
-          <p:cNvSpPr/>
-          <p:nvPr/>
-        </p:nvSpPr>
-        <p:spPr>
-          <a:xfrm>
-            <a:off x="7164288" y="2780928"/>
-            <a:ext cx="1440160" cy="360040"/>
-          </a:xfrm>
-          <a:prstGeom prst="rect">
-            <a:avLst/>
-          </a:prstGeom>
-        </p:spPr>
-        <p:style>
-          <a:lnRef idx="2">
-            <a:schemeClr val="accent1">
-              <a:shade val="50000"/>
-            </a:schemeClr>
-          </a:lnRef>
-          <a:fillRef idx="1">
-            <a:schemeClr val="accent1"/>
-          </a:fillRef>
-          <a:effectRef idx="0">
-            <a:schemeClr val="accent1"/>
-          </a:effectRef>
-          <a:fontRef idx="minor">
-            <a:schemeClr val="lt1"/>
-          </a:fontRef>
-        </p:style>
-        <p:txBody>
-          <a:bodyPr rtlCol="0" anchor="ctr"/>
-          <a:lstStyle/>
-          <a:p>
-            <a:pPr algn="ctr"/>
-            <a:endParaRPr lang="de-DE"/>
-          </a:p>
-        </p:txBody>
-      </p:sp>
-      <p:sp>
-        <p:nvSpPr>
-          <p:cNvPr id="28" name="Textfeld 27"/>
-          <p:cNvSpPr txBox="1"/>
-          <p:nvPr/>
-        </p:nvSpPr>
-        <p:spPr>
-          <a:xfrm>
-            <a:off x="4860032" y="2780928"/>
-            <a:ext cx="1325299" cy="369332"/>
-          </a:xfrm>
-          <a:prstGeom prst="rect">
-            <a:avLst/>
-          </a:prstGeom>
-          <a:noFill/>
-        </p:spPr>
-        <p:txBody>
-          <a:bodyPr wrap="none" rtlCol="0">
-            <a:spAutoFit/>
-          </a:bodyPr>
-          <a:lstStyle/>
-          <a:p>
-            <a:r>
-              <a:rPr lang="de-DE" dirty="0" smtClean="0"/>
-              <a:t>Freie Plätze:</a:t>
-            </a:r>
-            <a:endParaRPr lang="de-DE" dirty="0"/>
-          </a:p>
-        </p:txBody>
-      </p:sp>
-      <p:sp>
-        <p:nvSpPr>
-          <p:cNvPr id="33" name="Rechteck 32"/>
-          <p:cNvSpPr/>
-          <p:nvPr/>
-        </p:nvSpPr>
-        <p:spPr>
-          <a:xfrm>
-            <a:off x="7164288" y="3212976"/>
-            <a:ext cx="1440160" cy="360040"/>
-          </a:xfrm>
-          <a:prstGeom prst="rect">
-            <a:avLst/>
-          </a:prstGeom>
-        </p:spPr>
-        <p:style>
-          <a:lnRef idx="2">
-            <a:schemeClr val="accent1">
-              <a:shade val="50000"/>
-            </a:schemeClr>
-          </a:lnRef>
-          <a:fillRef idx="1">
-            <a:schemeClr val="accent1"/>
-          </a:fillRef>
-          <a:effectRef idx="0">
-            <a:schemeClr val="accent1"/>
-          </a:effectRef>
-          <a:fontRef idx="minor">
-            <a:schemeClr val="lt1"/>
-          </a:fontRef>
-        </p:style>
-        <p:txBody>
-          <a:bodyPr rtlCol="0" anchor="ctr"/>
-          <a:lstStyle/>
-          <a:p>
-            <a:pPr algn="ctr"/>
-            <a:endParaRPr lang="de-DE"/>
-          </a:p>
-        </p:txBody>
-      </p:sp>
-      <p:sp>
-        <p:nvSpPr>
-          <p:cNvPr id="47" name="Rechteck 46"/>
-          <p:cNvSpPr/>
-          <p:nvPr/>
-        </p:nvSpPr>
-        <p:spPr>
-          <a:xfrm>
-            <a:off x="5220072" y="5517232"/>
-            <a:ext cx="3528392" cy="1080120"/>
+            <a:off x="4716016" y="2132856"/>
+            <a:ext cx="2304256" cy="864096"/>
           </a:xfrm>
           <a:prstGeom prst="rect">
             <a:avLst/>
@@ -8567,29 +8078,24 @@
       </p:sp>
       <p:sp>
         <p:nvSpPr>
-          <p:cNvPr id="34" name="Textfeld 33"/>
-          <p:cNvSpPr txBox="1"/>
-          <p:nvPr/>
-        </p:nvSpPr>
-        <p:spPr>
-          <a:xfrm>
-            <a:off x="4860032" y="3212976"/>
-            <a:ext cx="556563" cy="369332"/>
-          </a:xfrm>
-          <a:prstGeom prst="rect">
-            <a:avLst/>
-          </a:prstGeom>
-          <a:noFill/>
-        </p:spPr>
-        <p:txBody>
-          <a:bodyPr wrap="none" rtlCol="0">
-            <a:spAutoFit/>
+          <p:cNvPr id="4" name="Titel 3"/>
+          <p:cNvSpPr>
+            <a:spLocks noGrp="1"/>
+          </p:cNvSpPr>
+          <p:nvPr>
+            <p:ph type="title"/>
+          </p:nvPr>
+        </p:nvSpPr>
+        <p:spPr/>
+        <p:txBody>
+          <a:bodyPr>
+            <a:normAutofit/>
           </a:bodyPr>
           <a:lstStyle/>
           <a:p>
             <a:r>
               <a:rPr lang="de-DE" dirty="0" smtClean="0"/>
-              <a:t>Ort:</a:t>
+              <a:t>Event</a:t>
             </a:r>
             <a:endParaRPr lang="de-DE" dirty="0"/>
           </a:p>
@@ -8597,13 +8103,13 @@
       </p:sp>
       <p:sp>
         <p:nvSpPr>
-          <p:cNvPr id="35" name="Rechteck 34"/>
+          <p:cNvPr id="12" name="Rechteck 11"/>
           <p:cNvSpPr/>
           <p:nvPr/>
         </p:nvSpPr>
         <p:spPr>
           <a:xfrm>
-            <a:off x="7164288" y="3635732"/>
+            <a:off x="3059832" y="2996952"/>
             <a:ext cx="1440160" cy="360040"/>
           </a:xfrm>
           <a:prstGeom prst="rect">
@@ -8637,44 +8143,14 @@
       </p:sp>
       <p:sp>
         <p:nvSpPr>
-          <p:cNvPr id="36" name="Textfeld 35"/>
-          <p:cNvSpPr txBox="1"/>
-          <p:nvPr/>
-        </p:nvSpPr>
-        <p:spPr>
-          <a:xfrm>
-            <a:off x="4860032" y="3635732"/>
-            <a:ext cx="596382" cy="369332"/>
-          </a:xfrm>
-          <a:prstGeom prst="rect">
-            <a:avLst/>
-          </a:prstGeom>
-          <a:noFill/>
-        </p:spPr>
-        <p:txBody>
-          <a:bodyPr wrap="none" rtlCol="0">
-            <a:spAutoFit/>
-          </a:bodyPr>
-          <a:lstStyle/>
-          <a:p>
-            <a:r>
-              <a:rPr lang="de-DE" dirty="0" smtClean="0"/>
-              <a:t>Zeit:</a:t>
-            </a:r>
-            <a:endParaRPr lang="de-DE" dirty="0"/>
-          </a:p>
-        </p:txBody>
-      </p:sp>
-      <p:sp>
-        <p:nvSpPr>
-          <p:cNvPr id="37" name="Rechteck 36"/>
+          <p:cNvPr id="17" name="Rechteck 16"/>
           <p:cNvSpPr/>
           <p:nvPr/>
         </p:nvSpPr>
         <p:spPr>
           <a:xfrm>
-            <a:off x="7164288" y="4067780"/>
-            <a:ext cx="1440160" cy="360040"/>
+            <a:off x="3059832" y="3419708"/>
+            <a:ext cx="1440160" cy="801380"/>
           </a:xfrm>
           <a:prstGeom prst="rect">
             <a:avLst/>
@@ -8707,14 +8183,14 @@
       </p:sp>
       <p:sp>
         <p:nvSpPr>
-          <p:cNvPr id="38" name="Textfeld 37"/>
+          <p:cNvPr id="13" name="Textfeld 12"/>
           <p:cNvSpPr txBox="1"/>
           <p:nvPr/>
         </p:nvSpPr>
         <p:spPr>
           <a:xfrm>
-            <a:off x="4860032" y="4067780"/>
-            <a:ext cx="2119555" cy="369332"/>
+            <a:off x="755576" y="2996952"/>
+            <a:ext cx="655051" cy="369332"/>
           </a:xfrm>
           <a:prstGeom prst="rect">
             <a:avLst/>
@@ -8729,7 +8205,7 @@
           <a:p>
             <a:r>
               <a:rPr lang="de-DE" dirty="0" smtClean="0"/>
-              <a:t>Event bestätigen bis:</a:t>
+              <a:t>Titel:</a:t>
             </a:r>
             <a:endParaRPr lang="de-DE" dirty="0"/>
           </a:p>
@@ -8737,13 +8213,43 @@
       </p:sp>
       <p:sp>
         <p:nvSpPr>
-          <p:cNvPr id="40" name="Rechteck 39"/>
+          <p:cNvPr id="18" name="Textfeld 17"/>
+          <p:cNvSpPr txBox="1"/>
+          <p:nvPr/>
+        </p:nvSpPr>
+        <p:spPr>
+          <a:xfrm>
+            <a:off x="755576" y="3419708"/>
+            <a:ext cx="1516954" cy="369332"/>
+          </a:xfrm>
+          <a:prstGeom prst="rect">
+            <a:avLst/>
+          </a:prstGeom>
+          <a:noFill/>
+        </p:spPr>
+        <p:txBody>
+          <a:bodyPr wrap="none" rtlCol="0">
+            <a:spAutoFit/>
+          </a:bodyPr>
+          <a:lstStyle/>
+          <a:p>
+            <a:r>
+              <a:rPr lang="de-DE" dirty="0" smtClean="0"/>
+              <a:t>Beschreibung:</a:t>
+            </a:r>
+            <a:endParaRPr lang="de-DE" dirty="0"/>
+          </a:p>
+        </p:txBody>
+      </p:sp>
+      <p:sp>
+        <p:nvSpPr>
+          <p:cNvPr id="21" name="Rechteck 20"/>
           <p:cNvSpPr/>
           <p:nvPr/>
         </p:nvSpPr>
         <p:spPr>
           <a:xfrm>
-            <a:off x="3059832" y="2348880"/>
+            <a:off x="3059832" y="4283804"/>
             <a:ext cx="1440160" cy="360040"/>
           </a:xfrm>
           <a:prstGeom prst="rect">
@@ -8777,14 +8283,14 @@
       </p:sp>
       <p:sp>
         <p:nvSpPr>
-          <p:cNvPr id="41" name="Textfeld 40"/>
+          <p:cNvPr id="22" name="Textfeld 21"/>
           <p:cNvSpPr txBox="1"/>
           <p:nvPr/>
         </p:nvSpPr>
         <p:spPr>
           <a:xfrm>
-            <a:off x="755576" y="2348880"/>
-            <a:ext cx="1341457" cy="369332"/>
+            <a:off x="755576" y="4283804"/>
+            <a:ext cx="1139607" cy="369332"/>
           </a:xfrm>
           <a:prstGeom prst="rect">
             <a:avLst/>
@@ -8799,7 +8305,7 @@
           <a:p>
             <a:r>
               <a:rPr lang="de-DE" dirty="0" smtClean="0"/>
-              <a:t>Organisator:</a:t>
+              <a:t>Kategorie:</a:t>
             </a:r>
             <a:endParaRPr lang="de-DE" dirty="0"/>
           </a:p>
@@ -8807,14 +8313,14 @@
       </p:sp>
       <p:sp>
         <p:nvSpPr>
-          <p:cNvPr id="42" name="Rechteck 41"/>
+          <p:cNvPr id="23" name="Rechteck 22"/>
           <p:cNvSpPr/>
           <p:nvPr/>
         </p:nvSpPr>
         <p:spPr>
           <a:xfrm>
-            <a:off x="7164288" y="4499828"/>
-            <a:ext cx="1440160" cy="801380"/>
+            <a:off x="3059832" y="4715852"/>
+            <a:ext cx="1440160" cy="360040"/>
           </a:xfrm>
           <a:prstGeom prst="rect">
             <a:avLst/>
@@ -8841,24 +8347,20 @@
           <a:lstStyle/>
           <a:p>
             <a:pPr algn="ctr"/>
-            <a:r>
-              <a:rPr lang="de-DE" dirty="0" smtClean="0"/>
-              <a:t>Details siehe nächste Folie</a:t>
-            </a:r>
-            <a:endParaRPr lang="de-DE" dirty="0"/>
-          </a:p>
-        </p:txBody>
-      </p:sp>
-      <p:sp>
-        <p:nvSpPr>
-          <p:cNvPr id="43" name="Textfeld 42"/>
+            <a:endParaRPr lang="de-DE"/>
+          </a:p>
+        </p:txBody>
+      </p:sp>
+      <p:sp>
+        <p:nvSpPr>
+          <p:cNvPr id="24" name="Textfeld 23"/>
           <p:cNvSpPr txBox="1"/>
           <p:nvPr/>
         </p:nvSpPr>
         <p:spPr>
           <a:xfrm>
-            <a:off x="4860032" y="4499828"/>
-            <a:ext cx="2212465" cy="369332"/>
+            <a:off x="755576" y="4715852"/>
+            <a:ext cx="1660647" cy="369332"/>
           </a:xfrm>
           <a:prstGeom prst="rect">
             <a:avLst/>
@@ -8873,6 +8375,565 @@
           <a:p>
             <a:r>
               <a:rPr lang="de-DE" dirty="0" smtClean="0"/>
+              <a:t>Unterkategorie:</a:t>
+            </a:r>
+            <a:endParaRPr lang="de-DE" dirty="0"/>
+          </a:p>
+        </p:txBody>
+      </p:sp>
+      <p:sp>
+        <p:nvSpPr>
+          <p:cNvPr id="25" name="Rechteck 24"/>
+          <p:cNvSpPr/>
+          <p:nvPr/>
+        </p:nvSpPr>
+        <p:spPr>
+          <a:xfrm>
+            <a:off x="3059832" y="5147900"/>
+            <a:ext cx="1440160" cy="360040"/>
+          </a:xfrm>
+          <a:prstGeom prst="rect">
+            <a:avLst/>
+          </a:prstGeom>
+        </p:spPr>
+        <p:style>
+          <a:lnRef idx="2">
+            <a:schemeClr val="accent1">
+              <a:shade val="50000"/>
+            </a:schemeClr>
+          </a:lnRef>
+          <a:fillRef idx="1">
+            <a:schemeClr val="accent1"/>
+          </a:fillRef>
+          <a:effectRef idx="0">
+            <a:schemeClr val="accent1"/>
+          </a:effectRef>
+          <a:fontRef idx="minor">
+            <a:schemeClr val="lt1"/>
+          </a:fontRef>
+        </p:style>
+        <p:txBody>
+          <a:bodyPr rtlCol="0" anchor="ctr"/>
+          <a:lstStyle/>
+          <a:p>
+            <a:pPr algn="ctr"/>
+            <a:endParaRPr lang="de-DE"/>
+          </a:p>
+        </p:txBody>
+      </p:sp>
+      <p:sp>
+        <p:nvSpPr>
+          <p:cNvPr id="26" name="Textfeld 25"/>
+          <p:cNvSpPr txBox="1"/>
+          <p:nvPr/>
+        </p:nvSpPr>
+        <p:spPr>
+          <a:xfrm>
+            <a:off x="755576" y="5147900"/>
+            <a:ext cx="701026" cy="369332"/>
+          </a:xfrm>
+          <a:prstGeom prst="rect">
+            <a:avLst/>
+          </a:prstGeom>
+          <a:noFill/>
+        </p:spPr>
+        <p:txBody>
+          <a:bodyPr wrap="none" rtlCol="0">
+            <a:spAutoFit/>
+          </a:bodyPr>
+          <a:lstStyle/>
+          <a:p>
+            <a:r>
+              <a:rPr lang="de-DE" dirty="0" smtClean="0"/>
+              <a:t>Preis:</a:t>
+            </a:r>
+            <a:endParaRPr lang="de-DE" dirty="0"/>
+          </a:p>
+        </p:txBody>
+      </p:sp>
+      <p:sp>
+        <p:nvSpPr>
+          <p:cNvPr id="27" name="Rechteck 26"/>
+          <p:cNvSpPr/>
+          <p:nvPr/>
+        </p:nvSpPr>
+        <p:spPr>
+          <a:xfrm>
+            <a:off x="7164288" y="2996952"/>
+            <a:ext cx="1440160" cy="360040"/>
+          </a:xfrm>
+          <a:prstGeom prst="rect">
+            <a:avLst/>
+          </a:prstGeom>
+        </p:spPr>
+        <p:style>
+          <a:lnRef idx="2">
+            <a:schemeClr val="accent1">
+              <a:shade val="50000"/>
+            </a:schemeClr>
+          </a:lnRef>
+          <a:fillRef idx="1">
+            <a:schemeClr val="accent1"/>
+          </a:fillRef>
+          <a:effectRef idx="0">
+            <a:schemeClr val="accent1"/>
+          </a:effectRef>
+          <a:fontRef idx="minor">
+            <a:schemeClr val="lt1"/>
+          </a:fontRef>
+        </p:style>
+        <p:txBody>
+          <a:bodyPr rtlCol="0" anchor="ctr"/>
+          <a:lstStyle/>
+          <a:p>
+            <a:pPr algn="ctr"/>
+            <a:endParaRPr lang="de-DE"/>
+          </a:p>
+        </p:txBody>
+      </p:sp>
+      <p:sp>
+        <p:nvSpPr>
+          <p:cNvPr id="28" name="Textfeld 27"/>
+          <p:cNvSpPr txBox="1"/>
+          <p:nvPr/>
+        </p:nvSpPr>
+        <p:spPr>
+          <a:xfrm>
+            <a:off x="4860032" y="2996952"/>
+            <a:ext cx="1325299" cy="369332"/>
+          </a:xfrm>
+          <a:prstGeom prst="rect">
+            <a:avLst/>
+          </a:prstGeom>
+          <a:noFill/>
+        </p:spPr>
+        <p:txBody>
+          <a:bodyPr wrap="none" rtlCol="0">
+            <a:spAutoFit/>
+          </a:bodyPr>
+          <a:lstStyle/>
+          <a:p>
+            <a:r>
+              <a:rPr lang="de-DE" dirty="0" smtClean="0"/>
+              <a:t>Freie Plätze:</a:t>
+            </a:r>
+            <a:endParaRPr lang="de-DE" dirty="0"/>
+          </a:p>
+        </p:txBody>
+      </p:sp>
+      <p:sp>
+        <p:nvSpPr>
+          <p:cNvPr id="33" name="Rechteck 32"/>
+          <p:cNvSpPr/>
+          <p:nvPr/>
+        </p:nvSpPr>
+        <p:spPr>
+          <a:xfrm>
+            <a:off x="7164288" y="3429000"/>
+            <a:ext cx="1440160" cy="360040"/>
+          </a:xfrm>
+          <a:prstGeom prst="rect">
+            <a:avLst/>
+          </a:prstGeom>
+        </p:spPr>
+        <p:style>
+          <a:lnRef idx="2">
+            <a:schemeClr val="accent1">
+              <a:shade val="50000"/>
+            </a:schemeClr>
+          </a:lnRef>
+          <a:fillRef idx="1">
+            <a:schemeClr val="accent1"/>
+          </a:fillRef>
+          <a:effectRef idx="0">
+            <a:schemeClr val="accent1"/>
+          </a:effectRef>
+          <a:fontRef idx="minor">
+            <a:schemeClr val="lt1"/>
+          </a:fontRef>
+        </p:style>
+        <p:txBody>
+          <a:bodyPr rtlCol="0" anchor="ctr"/>
+          <a:lstStyle/>
+          <a:p>
+            <a:pPr algn="ctr"/>
+            <a:endParaRPr lang="de-DE"/>
+          </a:p>
+        </p:txBody>
+      </p:sp>
+      <p:sp>
+        <p:nvSpPr>
+          <p:cNvPr id="47" name="Rechteck 46"/>
+          <p:cNvSpPr/>
+          <p:nvPr/>
+        </p:nvSpPr>
+        <p:spPr>
+          <a:xfrm>
+            <a:off x="5220072" y="5733256"/>
+            <a:ext cx="3528392" cy="1080120"/>
+          </a:xfrm>
+          <a:prstGeom prst="rect">
+            <a:avLst/>
+          </a:prstGeom>
+          <a:solidFill>
+            <a:schemeClr val="accent3">
+              <a:lumMod val="60000"/>
+              <a:lumOff val="40000"/>
+            </a:schemeClr>
+          </a:solidFill>
+          <a:ln>
+            <a:solidFill>
+              <a:schemeClr val="accent3">
+                <a:lumMod val="75000"/>
+              </a:schemeClr>
+            </a:solidFill>
+          </a:ln>
+        </p:spPr>
+        <p:style>
+          <a:lnRef idx="2">
+            <a:schemeClr val="accent1">
+              <a:shade val="50000"/>
+            </a:schemeClr>
+          </a:lnRef>
+          <a:fillRef idx="1">
+            <a:schemeClr val="accent1"/>
+          </a:fillRef>
+          <a:effectRef idx="0">
+            <a:schemeClr val="accent1"/>
+          </a:effectRef>
+          <a:fontRef idx="minor">
+            <a:schemeClr val="lt1"/>
+          </a:fontRef>
+        </p:style>
+        <p:txBody>
+          <a:bodyPr rtlCol="0" anchor="t" anchorCtr="0"/>
+          <a:lstStyle/>
+          <a:p>
+            <a:pPr algn="ctr"/>
+            <a:r>
+              <a:rPr lang="de-DE" dirty="0" smtClean="0">
+                <a:solidFill>
+                  <a:schemeClr val="tx1"/>
+                </a:solidFill>
+              </a:rPr>
+              <a:t>Teilnehmer</a:t>
+            </a:r>
+            <a:endParaRPr lang="de-DE" dirty="0">
+              <a:solidFill>
+                <a:schemeClr val="tx1"/>
+              </a:solidFill>
+            </a:endParaRPr>
+          </a:p>
+        </p:txBody>
+      </p:sp>
+      <p:sp>
+        <p:nvSpPr>
+          <p:cNvPr id="34" name="Textfeld 33"/>
+          <p:cNvSpPr txBox="1"/>
+          <p:nvPr/>
+        </p:nvSpPr>
+        <p:spPr>
+          <a:xfrm>
+            <a:off x="4860032" y="3429000"/>
+            <a:ext cx="556563" cy="369332"/>
+          </a:xfrm>
+          <a:prstGeom prst="rect">
+            <a:avLst/>
+          </a:prstGeom>
+          <a:noFill/>
+        </p:spPr>
+        <p:txBody>
+          <a:bodyPr wrap="none" rtlCol="0">
+            <a:spAutoFit/>
+          </a:bodyPr>
+          <a:lstStyle/>
+          <a:p>
+            <a:r>
+              <a:rPr lang="de-DE" dirty="0" smtClean="0"/>
+              <a:t>Ort:</a:t>
+            </a:r>
+            <a:endParaRPr lang="de-DE" dirty="0"/>
+          </a:p>
+        </p:txBody>
+      </p:sp>
+      <p:sp>
+        <p:nvSpPr>
+          <p:cNvPr id="35" name="Rechteck 34"/>
+          <p:cNvSpPr/>
+          <p:nvPr/>
+        </p:nvSpPr>
+        <p:spPr>
+          <a:xfrm>
+            <a:off x="7164288" y="3851756"/>
+            <a:ext cx="1440160" cy="360040"/>
+          </a:xfrm>
+          <a:prstGeom prst="rect">
+            <a:avLst/>
+          </a:prstGeom>
+        </p:spPr>
+        <p:style>
+          <a:lnRef idx="2">
+            <a:schemeClr val="accent1">
+              <a:shade val="50000"/>
+            </a:schemeClr>
+          </a:lnRef>
+          <a:fillRef idx="1">
+            <a:schemeClr val="accent1"/>
+          </a:fillRef>
+          <a:effectRef idx="0">
+            <a:schemeClr val="accent1"/>
+          </a:effectRef>
+          <a:fontRef idx="minor">
+            <a:schemeClr val="lt1"/>
+          </a:fontRef>
+        </p:style>
+        <p:txBody>
+          <a:bodyPr rtlCol="0" anchor="ctr"/>
+          <a:lstStyle/>
+          <a:p>
+            <a:pPr algn="ctr"/>
+            <a:endParaRPr lang="de-DE"/>
+          </a:p>
+        </p:txBody>
+      </p:sp>
+      <p:sp>
+        <p:nvSpPr>
+          <p:cNvPr id="36" name="Textfeld 35"/>
+          <p:cNvSpPr txBox="1"/>
+          <p:nvPr/>
+        </p:nvSpPr>
+        <p:spPr>
+          <a:xfrm>
+            <a:off x="4860032" y="3851756"/>
+            <a:ext cx="596382" cy="369332"/>
+          </a:xfrm>
+          <a:prstGeom prst="rect">
+            <a:avLst/>
+          </a:prstGeom>
+          <a:noFill/>
+        </p:spPr>
+        <p:txBody>
+          <a:bodyPr wrap="none" rtlCol="0">
+            <a:spAutoFit/>
+          </a:bodyPr>
+          <a:lstStyle/>
+          <a:p>
+            <a:r>
+              <a:rPr lang="de-DE" dirty="0" smtClean="0"/>
+              <a:t>Zeit:</a:t>
+            </a:r>
+            <a:endParaRPr lang="de-DE" dirty="0"/>
+          </a:p>
+        </p:txBody>
+      </p:sp>
+      <p:sp>
+        <p:nvSpPr>
+          <p:cNvPr id="37" name="Rechteck 36"/>
+          <p:cNvSpPr/>
+          <p:nvPr/>
+        </p:nvSpPr>
+        <p:spPr>
+          <a:xfrm>
+            <a:off x="7164288" y="4283804"/>
+            <a:ext cx="1440160" cy="360040"/>
+          </a:xfrm>
+          <a:prstGeom prst="rect">
+            <a:avLst/>
+          </a:prstGeom>
+        </p:spPr>
+        <p:style>
+          <a:lnRef idx="2">
+            <a:schemeClr val="accent1">
+              <a:shade val="50000"/>
+            </a:schemeClr>
+          </a:lnRef>
+          <a:fillRef idx="1">
+            <a:schemeClr val="accent1"/>
+          </a:fillRef>
+          <a:effectRef idx="0">
+            <a:schemeClr val="accent1"/>
+          </a:effectRef>
+          <a:fontRef idx="minor">
+            <a:schemeClr val="lt1"/>
+          </a:fontRef>
+        </p:style>
+        <p:txBody>
+          <a:bodyPr rtlCol="0" anchor="ctr"/>
+          <a:lstStyle/>
+          <a:p>
+            <a:pPr algn="ctr"/>
+            <a:endParaRPr lang="de-DE"/>
+          </a:p>
+        </p:txBody>
+      </p:sp>
+      <p:sp>
+        <p:nvSpPr>
+          <p:cNvPr id="38" name="Textfeld 37"/>
+          <p:cNvSpPr txBox="1"/>
+          <p:nvPr/>
+        </p:nvSpPr>
+        <p:spPr>
+          <a:xfrm>
+            <a:off x="4860032" y="4283804"/>
+            <a:ext cx="2119555" cy="369332"/>
+          </a:xfrm>
+          <a:prstGeom prst="rect">
+            <a:avLst/>
+          </a:prstGeom>
+          <a:noFill/>
+        </p:spPr>
+        <p:txBody>
+          <a:bodyPr wrap="none" rtlCol="0">
+            <a:spAutoFit/>
+          </a:bodyPr>
+          <a:lstStyle/>
+          <a:p>
+            <a:r>
+              <a:rPr lang="de-DE" dirty="0" smtClean="0"/>
+              <a:t>Event bestätigen bis:</a:t>
+            </a:r>
+            <a:endParaRPr lang="de-DE" dirty="0"/>
+          </a:p>
+        </p:txBody>
+      </p:sp>
+      <p:sp>
+        <p:nvSpPr>
+          <p:cNvPr id="40" name="Rechteck 39"/>
+          <p:cNvSpPr/>
+          <p:nvPr/>
+        </p:nvSpPr>
+        <p:spPr>
+          <a:xfrm>
+            <a:off x="3059832" y="2564904"/>
+            <a:ext cx="1440160" cy="360040"/>
+          </a:xfrm>
+          <a:prstGeom prst="rect">
+            <a:avLst/>
+          </a:prstGeom>
+        </p:spPr>
+        <p:style>
+          <a:lnRef idx="2">
+            <a:schemeClr val="accent1">
+              <a:shade val="50000"/>
+            </a:schemeClr>
+          </a:lnRef>
+          <a:fillRef idx="1">
+            <a:schemeClr val="accent1"/>
+          </a:fillRef>
+          <a:effectRef idx="0">
+            <a:schemeClr val="accent1"/>
+          </a:effectRef>
+          <a:fontRef idx="minor">
+            <a:schemeClr val="lt1"/>
+          </a:fontRef>
+        </p:style>
+        <p:txBody>
+          <a:bodyPr rtlCol="0" anchor="ctr"/>
+          <a:lstStyle/>
+          <a:p>
+            <a:pPr algn="ctr"/>
+            <a:endParaRPr lang="de-DE"/>
+          </a:p>
+        </p:txBody>
+      </p:sp>
+      <p:sp>
+        <p:nvSpPr>
+          <p:cNvPr id="41" name="Textfeld 40"/>
+          <p:cNvSpPr txBox="1"/>
+          <p:nvPr/>
+        </p:nvSpPr>
+        <p:spPr>
+          <a:xfrm>
+            <a:off x="755576" y="2564904"/>
+            <a:ext cx="1341457" cy="369332"/>
+          </a:xfrm>
+          <a:prstGeom prst="rect">
+            <a:avLst/>
+          </a:prstGeom>
+          <a:noFill/>
+        </p:spPr>
+        <p:txBody>
+          <a:bodyPr wrap="none" rtlCol="0">
+            <a:spAutoFit/>
+          </a:bodyPr>
+          <a:lstStyle/>
+          <a:p>
+            <a:r>
+              <a:rPr lang="de-DE" dirty="0" smtClean="0"/>
+              <a:t>Organisator:</a:t>
+            </a:r>
+            <a:endParaRPr lang="de-DE" dirty="0"/>
+          </a:p>
+        </p:txBody>
+      </p:sp>
+      <p:sp>
+        <p:nvSpPr>
+          <p:cNvPr id="42" name="Rechteck 41"/>
+          <p:cNvSpPr/>
+          <p:nvPr/>
+        </p:nvSpPr>
+        <p:spPr>
+          <a:xfrm>
+            <a:off x="7164288" y="4715852"/>
+            <a:ext cx="1440160" cy="801380"/>
+          </a:xfrm>
+          <a:prstGeom prst="rect">
+            <a:avLst/>
+          </a:prstGeom>
+        </p:spPr>
+        <p:style>
+          <a:lnRef idx="2">
+            <a:schemeClr val="accent1">
+              <a:shade val="50000"/>
+            </a:schemeClr>
+          </a:lnRef>
+          <a:fillRef idx="1">
+            <a:schemeClr val="accent1"/>
+          </a:fillRef>
+          <a:effectRef idx="0">
+            <a:schemeClr val="accent1"/>
+          </a:effectRef>
+          <a:fontRef idx="minor">
+            <a:schemeClr val="lt1"/>
+          </a:fontRef>
+        </p:style>
+        <p:txBody>
+          <a:bodyPr rtlCol="0" anchor="ctr"/>
+          <a:lstStyle/>
+          <a:p>
+            <a:pPr algn="ctr"/>
+            <a:r>
+              <a:rPr lang="de-DE" dirty="0" smtClean="0"/>
+              <a:t>Details siehe nächste Folie</a:t>
+            </a:r>
+            <a:endParaRPr lang="de-DE" dirty="0"/>
+          </a:p>
+        </p:txBody>
+      </p:sp>
+      <p:sp>
+        <p:nvSpPr>
+          <p:cNvPr id="43" name="Textfeld 42"/>
+          <p:cNvSpPr txBox="1"/>
+          <p:nvPr/>
+        </p:nvSpPr>
+        <p:spPr>
+          <a:xfrm>
+            <a:off x="4860032" y="4715852"/>
+            <a:ext cx="2212465" cy="369332"/>
+          </a:xfrm>
+          <a:prstGeom prst="rect">
+            <a:avLst/>
+          </a:prstGeom>
+          <a:noFill/>
+        </p:spPr>
+        <p:txBody>
+          <a:bodyPr wrap="none" rtlCol="0">
+            <a:spAutoFit/>
+          </a:bodyPr>
+          <a:lstStyle/>
+          <a:p>
+            <a:r>
+              <a:rPr lang="de-DE" dirty="0" smtClean="0"/>
               <a:t>Bisherige Teilnehmer:</a:t>
             </a:r>
             <a:endParaRPr lang="de-DE" dirty="0"/>
@@ -8887,7 +8948,7 @@
         </p:nvSpPr>
         <p:spPr>
           <a:xfrm>
-            <a:off x="5292080" y="5949280"/>
+            <a:off x="5292080" y="6165304"/>
             <a:ext cx="1656184" cy="576064"/>
           </a:xfrm>
           <a:prstGeom prst="rect">
@@ -8943,7 +9004,7 @@
         </p:nvSpPr>
         <p:spPr>
           <a:xfrm>
-            <a:off x="3347864" y="5517232"/>
+            <a:off x="3347864" y="5733256"/>
             <a:ext cx="1800200" cy="1080120"/>
           </a:xfrm>
           <a:prstGeom prst="rect">
@@ -9008,7 +9069,7 @@
         </p:nvSpPr>
         <p:spPr>
           <a:xfrm>
-            <a:off x="3419872" y="5949280"/>
+            <a:off x="3419872" y="6165304"/>
             <a:ext cx="1656184" cy="576064"/>
           </a:xfrm>
           <a:prstGeom prst="rect">
@@ -9064,7 +9125,7 @@
         </p:nvSpPr>
         <p:spPr>
           <a:xfrm>
-            <a:off x="7020272" y="5949280"/>
+            <a:off x="7020272" y="6165304"/>
             <a:ext cx="1656184" cy="576064"/>
           </a:xfrm>
           <a:prstGeom prst="rect">
@@ -9120,7 +9181,7 @@
         </p:nvSpPr>
         <p:spPr>
           <a:xfrm>
-            <a:off x="4860032" y="2348880"/>
+            <a:off x="4860032" y="2564904"/>
             <a:ext cx="2016224" cy="360040"/>
           </a:xfrm>
           <a:prstGeom prst="rect">

--- a/Dokumente/Masken Mock-Ups.pptx
+++ b/Dokumente/Masken Mock-Ups.pptx
@@ -11,10 +11,11 @@
     <p:sldId id="258" r:id="rId5"/>
     <p:sldId id="259" r:id="rId6"/>
     <p:sldId id="260" r:id="rId7"/>
-    <p:sldId id="262" r:id="rId8"/>
-    <p:sldId id="261" r:id="rId9"/>
-    <p:sldId id="264" r:id="rId10"/>
-    <p:sldId id="265" r:id="rId11"/>
+    <p:sldId id="266" r:id="rId8"/>
+    <p:sldId id="262" r:id="rId9"/>
+    <p:sldId id="267" r:id="rId10"/>
+    <p:sldId id="264" r:id="rId11"/>
+    <p:sldId id="265" r:id="rId12"/>
   </p:sldIdLst>
   <p:sldSz cx="9144000" cy="6858000" type="screen4x3"/>
   <p:notesSz cx="6794500" cy="9931400"/>
@@ -298,7 +299,7 @@
             <a:fld id="{F8681D05-51E3-4B22-B9DA-00A49617C588}" type="datetimeFigureOut">
               <a:rPr lang="de-DE" smtClean="0"/>
               <a:pPr/>
-              <a:t>24.04.2012</a:t>
+              <a:t>01.05.2012</a:t>
             </a:fld>
             <a:endParaRPr lang="de-DE"/>
           </a:p>
@@ -465,7 +466,7 @@
             <a:fld id="{F8681D05-51E3-4B22-B9DA-00A49617C588}" type="datetimeFigureOut">
               <a:rPr lang="de-DE" smtClean="0"/>
               <a:pPr/>
-              <a:t>24.04.2012</a:t>
+              <a:t>01.05.2012</a:t>
             </a:fld>
             <a:endParaRPr lang="de-DE"/>
           </a:p>
@@ -642,7 +643,7 @@
             <a:fld id="{F8681D05-51E3-4B22-B9DA-00A49617C588}" type="datetimeFigureOut">
               <a:rPr lang="de-DE" smtClean="0"/>
               <a:pPr/>
-              <a:t>24.04.2012</a:t>
+              <a:t>01.05.2012</a:t>
             </a:fld>
             <a:endParaRPr lang="de-DE"/>
           </a:p>
@@ -809,7 +810,7 @@
             <a:fld id="{F8681D05-51E3-4B22-B9DA-00A49617C588}" type="datetimeFigureOut">
               <a:rPr lang="de-DE" smtClean="0"/>
               <a:pPr/>
-              <a:t>24.04.2012</a:t>
+              <a:t>01.05.2012</a:t>
             </a:fld>
             <a:endParaRPr lang="de-DE"/>
           </a:p>
@@ -1052,7 +1053,7 @@
             <a:fld id="{F8681D05-51E3-4B22-B9DA-00A49617C588}" type="datetimeFigureOut">
               <a:rPr lang="de-DE" smtClean="0"/>
               <a:pPr/>
-              <a:t>24.04.2012</a:t>
+              <a:t>01.05.2012</a:t>
             </a:fld>
             <a:endParaRPr lang="de-DE"/>
           </a:p>
@@ -1337,7 +1338,7 @@
             <a:fld id="{F8681D05-51E3-4B22-B9DA-00A49617C588}" type="datetimeFigureOut">
               <a:rPr lang="de-DE" smtClean="0"/>
               <a:pPr/>
-              <a:t>24.04.2012</a:t>
+              <a:t>01.05.2012</a:t>
             </a:fld>
             <a:endParaRPr lang="de-DE"/>
           </a:p>
@@ -1756,7 +1757,7 @@
             <a:fld id="{F8681D05-51E3-4B22-B9DA-00A49617C588}" type="datetimeFigureOut">
               <a:rPr lang="de-DE" smtClean="0"/>
               <a:pPr/>
-              <a:t>24.04.2012</a:t>
+              <a:t>01.05.2012</a:t>
             </a:fld>
             <a:endParaRPr lang="de-DE"/>
           </a:p>
@@ -1871,7 +1872,7 @@
             <a:fld id="{F8681D05-51E3-4B22-B9DA-00A49617C588}" type="datetimeFigureOut">
               <a:rPr lang="de-DE" smtClean="0"/>
               <a:pPr/>
-              <a:t>24.04.2012</a:t>
+              <a:t>01.05.2012</a:t>
             </a:fld>
             <a:endParaRPr lang="de-DE"/>
           </a:p>
@@ -1963,7 +1964,7 @@
             <a:fld id="{F8681D05-51E3-4B22-B9DA-00A49617C588}" type="datetimeFigureOut">
               <a:rPr lang="de-DE" smtClean="0"/>
               <a:pPr/>
-              <a:t>24.04.2012</a:t>
+              <a:t>01.05.2012</a:t>
             </a:fld>
             <a:endParaRPr lang="de-DE"/>
           </a:p>
@@ -2237,7 +2238,7 @@
             <a:fld id="{F8681D05-51E3-4B22-B9DA-00A49617C588}" type="datetimeFigureOut">
               <a:rPr lang="de-DE" smtClean="0"/>
               <a:pPr/>
-              <a:t>24.04.2012</a:t>
+              <a:t>01.05.2012</a:t>
             </a:fld>
             <a:endParaRPr lang="de-DE"/>
           </a:p>
@@ -2487,7 +2488,7 @@
             <a:fld id="{F8681D05-51E3-4B22-B9DA-00A49617C588}" type="datetimeFigureOut">
               <a:rPr lang="de-DE" smtClean="0"/>
               <a:pPr/>
-              <a:t>24.04.2012</a:t>
+              <a:t>01.05.2012</a:t>
             </a:fld>
             <a:endParaRPr lang="de-DE"/>
           </a:p>
@@ -2697,7 +2698,7 @@
             <a:fld id="{F8681D05-51E3-4B22-B9DA-00A49617C588}" type="datetimeFigureOut">
               <a:rPr lang="de-DE" smtClean="0"/>
               <a:pPr/>
-              <a:t>24.04.2012</a:t>
+              <a:t>01.05.2012</a:t>
             </a:fld>
             <a:endParaRPr lang="de-DE"/>
           </a:p>
@@ -3145,6 +3146,965 @@
       </p:grpSpPr>
       <p:sp>
         <p:nvSpPr>
+          <p:cNvPr id="5" name="Inhaltsplatzhalter 4"/>
+          <p:cNvSpPr>
+            <a:spLocks noGrp="1"/>
+          </p:cNvSpPr>
+          <p:nvPr>
+            <p:ph idx="1"/>
+          </p:nvPr>
+        </p:nvSpPr>
+        <p:spPr>
+          <a:xfrm>
+            <a:off x="457200" y="1600200"/>
+            <a:ext cx="8435280" cy="4525963"/>
+          </a:xfrm>
+        </p:spPr>
+        <p:txBody>
+          <a:bodyPr/>
+          <a:lstStyle/>
+          <a:p>
+            <a:r>
+              <a:rPr lang="de-DE" dirty="0" smtClean="0"/>
+              <a:t>Event </a:t>
+            </a:r>
+            <a:r>
+              <a:rPr lang="de-DE" dirty="0" smtClean="0"/>
+              <a:t>teilnehmen/absagen</a:t>
+            </a:r>
+            <a:endParaRPr lang="de-DE" dirty="0"/>
+          </a:p>
+        </p:txBody>
+      </p:sp>
+      <p:sp>
+        <p:nvSpPr>
+          <p:cNvPr id="4" name="Titel 3"/>
+          <p:cNvSpPr>
+            <a:spLocks noGrp="1"/>
+          </p:cNvSpPr>
+          <p:nvPr>
+            <p:ph type="title"/>
+          </p:nvPr>
+        </p:nvSpPr>
+        <p:spPr/>
+        <p:txBody>
+          <a:bodyPr>
+            <a:normAutofit/>
+          </a:bodyPr>
+          <a:lstStyle/>
+          <a:p>
+            <a:r>
+              <a:rPr lang="de-DE" dirty="0" smtClean="0"/>
+              <a:t>Event</a:t>
+            </a:r>
+            <a:endParaRPr lang="de-DE" dirty="0"/>
+          </a:p>
+        </p:txBody>
+      </p:sp>
+      <p:sp>
+        <p:nvSpPr>
+          <p:cNvPr id="12" name="Rechteck 11"/>
+          <p:cNvSpPr/>
+          <p:nvPr/>
+        </p:nvSpPr>
+        <p:spPr>
+          <a:xfrm>
+            <a:off x="3059832" y="2996952"/>
+            <a:ext cx="1440160" cy="360040"/>
+          </a:xfrm>
+          <a:prstGeom prst="rect">
+            <a:avLst/>
+          </a:prstGeom>
+        </p:spPr>
+        <p:style>
+          <a:lnRef idx="2">
+            <a:schemeClr val="accent1">
+              <a:shade val="50000"/>
+            </a:schemeClr>
+          </a:lnRef>
+          <a:fillRef idx="1">
+            <a:schemeClr val="accent1"/>
+          </a:fillRef>
+          <a:effectRef idx="0">
+            <a:schemeClr val="accent1"/>
+          </a:effectRef>
+          <a:fontRef idx="minor">
+            <a:schemeClr val="lt1"/>
+          </a:fontRef>
+        </p:style>
+        <p:txBody>
+          <a:bodyPr rtlCol="0" anchor="ctr"/>
+          <a:lstStyle/>
+          <a:p>
+            <a:pPr algn="ctr"/>
+            <a:endParaRPr lang="de-DE"/>
+          </a:p>
+        </p:txBody>
+      </p:sp>
+      <p:sp>
+        <p:nvSpPr>
+          <p:cNvPr id="17" name="Rechteck 16"/>
+          <p:cNvSpPr/>
+          <p:nvPr/>
+        </p:nvSpPr>
+        <p:spPr>
+          <a:xfrm>
+            <a:off x="3059832" y="3419708"/>
+            <a:ext cx="1440160" cy="801380"/>
+          </a:xfrm>
+          <a:prstGeom prst="rect">
+            <a:avLst/>
+          </a:prstGeom>
+        </p:spPr>
+        <p:style>
+          <a:lnRef idx="2">
+            <a:schemeClr val="accent1">
+              <a:shade val="50000"/>
+            </a:schemeClr>
+          </a:lnRef>
+          <a:fillRef idx="1">
+            <a:schemeClr val="accent1"/>
+          </a:fillRef>
+          <a:effectRef idx="0">
+            <a:schemeClr val="accent1"/>
+          </a:effectRef>
+          <a:fontRef idx="minor">
+            <a:schemeClr val="lt1"/>
+          </a:fontRef>
+        </p:style>
+        <p:txBody>
+          <a:bodyPr rtlCol="0" anchor="ctr"/>
+          <a:lstStyle/>
+          <a:p>
+            <a:pPr algn="ctr"/>
+            <a:endParaRPr lang="de-DE"/>
+          </a:p>
+        </p:txBody>
+      </p:sp>
+      <p:sp>
+        <p:nvSpPr>
+          <p:cNvPr id="13" name="Textfeld 12"/>
+          <p:cNvSpPr txBox="1"/>
+          <p:nvPr/>
+        </p:nvSpPr>
+        <p:spPr>
+          <a:xfrm>
+            <a:off x="755576" y="2996952"/>
+            <a:ext cx="655051" cy="369332"/>
+          </a:xfrm>
+          <a:prstGeom prst="rect">
+            <a:avLst/>
+          </a:prstGeom>
+          <a:noFill/>
+        </p:spPr>
+        <p:txBody>
+          <a:bodyPr wrap="none" rtlCol="0">
+            <a:spAutoFit/>
+          </a:bodyPr>
+          <a:lstStyle/>
+          <a:p>
+            <a:r>
+              <a:rPr lang="de-DE" dirty="0" smtClean="0"/>
+              <a:t>Titel:</a:t>
+            </a:r>
+            <a:endParaRPr lang="de-DE" dirty="0"/>
+          </a:p>
+        </p:txBody>
+      </p:sp>
+      <p:sp>
+        <p:nvSpPr>
+          <p:cNvPr id="18" name="Textfeld 17"/>
+          <p:cNvSpPr txBox="1"/>
+          <p:nvPr/>
+        </p:nvSpPr>
+        <p:spPr>
+          <a:xfrm>
+            <a:off x="755576" y="3419708"/>
+            <a:ext cx="1516954" cy="369332"/>
+          </a:xfrm>
+          <a:prstGeom prst="rect">
+            <a:avLst/>
+          </a:prstGeom>
+          <a:noFill/>
+        </p:spPr>
+        <p:txBody>
+          <a:bodyPr wrap="none" rtlCol="0">
+            <a:spAutoFit/>
+          </a:bodyPr>
+          <a:lstStyle/>
+          <a:p>
+            <a:r>
+              <a:rPr lang="de-DE" dirty="0" smtClean="0"/>
+              <a:t>Beschreibung:</a:t>
+            </a:r>
+            <a:endParaRPr lang="de-DE" dirty="0"/>
+          </a:p>
+        </p:txBody>
+      </p:sp>
+      <p:sp>
+        <p:nvSpPr>
+          <p:cNvPr id="21" name="Rechteck 20"/>
+          <p:cNvSpPr/>
+          <p:nvPr/>
+        </p:nvSpPr>
+        <p:spPr>
+          <a:xfrm>
+            <a:off x="3059832" y="4283804"/>
+            <a:ext cx="1440160" cy="360040"/>
+          </a:xfrm>
+          <a:prstGeom prst="rect">
+            <a:avLst/>
+          </a:prstGeom>
+        </p:spPr>
+        <p:style>
+          <a:lnRef idx="2">
+            <a:schemeClr val="accent1">
+              <a:shade val="50000"/>
+            </a:schemeClr>
+          </a:lnRef>
+          <a:fillRef idx="1">
+            <a:schemeClr val="accent1"/>
+          </a:fillRef>
+          <a:effectRef idx="0">
+            <a:schemeClr val="accent1"/>
+          </a:effectRef>
+          <a:fontRef idx="minor">
+            <a:schemeClr val="lt1"/>
+          </a:fontRef>
+        </p:style>
+        <p:txBody>
+          <a:bodyPr rtlCol="0" anchor="ctr"/>
+          <a:lstStyle/>
+          <a:p>
+            <a:pPr algn="ctr"/>
+            <a:endParaRPr lang="de-DE"/>
+          </a:p>
+        </p:txBody>
+      </p:sp>
+      <p:sp>
+        <p:nvSpPr>
+          <p:cNvPr id="22" name="Textfeld 21"/>
+          <p:cNvSpPr txBox="1"/>
+          <p:nvPr/>
+        </p:nvSpPr>
+        <p:spPr>
+          <a:xfrm>
+            <a:off x="755576" y="4283804"/>
+            <a:ext cx="1139607" cy="369332"/>
+          </a:xfrm>
+          <a:prstGeom prst="rect">
+            <a:avLst/>
+          </a:prstGeom>
+          <a:noFill/>
+        </p:spPr>
+        <p:txBody>
+          <a:bodyPr wrap="none" rtlCol="0">
+            <a:spAutoFit/>
+          </a:bodyPr>
+          <a:lstStyle/>
+          <a:p>
+            <a:r>
+              <a:rPr lang="de-DE" dirty="0" smtClean="0"/>
+              <a:t>Kategorie:</a:t>
+            </a:r>
+            <a:endParaRPr lang="de-DE" dirty="0"/>
+          </a:p>
+        </p:txBody>
+      </p:sp>
+      <p:sp>
+        <p:nvSpPr>
+          <p:cNvPr id="23" name="Rechteck 22"/>
+          <p:cNvSpPr/>
+          <p:nvPr/>
+        </p:nvSpPr>
+        <p:spPr>
+          <a:xfrm>
+            <a:off x="3059832" y="4715852"/>
+            <a:ext cx="1440160" cy="360040"/>
+          </a:xfrm>
+          <a:prstGeom prst="rect">
+            <a:avLst/>
+          </a:prstGeom>
+        </p:spPr>
+        <p:style>
+          <a:lnRef idx="2">
+            <a:schemeClr val="accent1">
+              <a:shade val="50000"/>
+            </a:schemeClr>
+          </a:lnRef>
+          <a:fillRef idx="1">
+            <a:schemeClr val="accent1"/>
+          </a:fillRef>
+          <a:effectRef idx="0">
+            <a:schemeClr val="accent1"/>
+          </a:effectRef>
+          <a:fontRef idx="minor">
+            <a:schemeClr val="lt1"/>
+          </a:fontRef>
+        </p:style>
+        <p:txBody>
+          <a:bodyPr rtlCol="0" anchor="ctr"/>
+          <a:lstStyle/>
+          <a:p>
+            <a:pPr algn="ctr"/>
+            <a:endParaRPr lang="de-DE"/>
+          </a:p>
+        </p:txBody>
+      </p:sp>
+      <p:sp>
+        <p:nvSpPr>
+          <p:cNvPr id="24" name="Textfeld 23"/>
+          <p:cNvSpPr txBox="1"/>
+          <p:nvPr/>
+        </p:nvSpPr>
+        <p:spPr>
+          <a:xfrm>
+            <a:off x="755576" y="4715852"/>
+            <a:ext cx="1660647" cy="369332"/>
+          </a:xfrm>
+          <a:prstGeom prst="rect">
+            <a:avLst/>
+          </a:prstGeom>
+          <a:noFill/>
+        </p:spPr>
+        <p:txBody>
+          <a:bodyPr wrap="none" rtlCol="0">
+            <a:spAutoFit/>
+          </a:bodyPr>
+          <a:lstStyle/>
+          <a:p>
+            <a:r>
+              <a:rPr lang="de-DE" dirty="0" smtClean="0"/>
+              <a:t>Unterkategorie:</a:t>
+            </a:r>
+            <a:endParaRPr lang="de-DE" dirty="0"/>
+          </a:p>
+        </p:txBody>
+      </p:sp>
+      <p:sp>
+        <p:nvSpPr>
+          <p:cNvPr id="25" name="Rechteck 24"/>
+          <p:cNvSpPr/>
+          <p:nvPr/>
+        </p:nvSpPr>
+        <p:spPr>
+          <a:xfrm>
+            <a:off x="3059832" y="5147900"/>
+            <a:ext cx="1440160" cy="360040"/>
+          </a:xfrm>
+          <a:prstGeom prst="rect">
+            <a:avLst/>
+          </a:prstGeom>
+        </p:spPr>
+        <p:style>
+          <a:lnRef idx="2">
+            <a:schemeClr val="accent1">
+              <a:shade val="50000"/>
+            </a:schemeClr>
+          </a:lnRef>
+          <a:fillRef idx="1">
+            <a:schemeClr val="accent1"/>
+          </a:fillRef>
+          <a:effectRef idx="0">
+            <a:schemeClr val="accent1"/>
+          </a:effectRef>
+          <a:fontRef idx="minor">
+            <a:schemeClr val="lt1"/>
+          </a:fontRef>
+        </p:style>
+        <p:txBody>
+          <a:bodyPr rtlCol="0" anchor="ctr"/>
+          <a:lstStyle/>
+          <a:p>
+            <a:pPr algn="ctr"/>
+            <a:endParaRPr lang="de-DE"/>
+          </a:p>
+        </p:txBody>
+      </p:sp>
+      <p:sp>
+        <p:nvSpPr>
+          <p:cNvPr id="26" name="Textfeld 25"/>
+          <p:cNvSpPr txBox="1"/>
+          <p:nvPr/>
+        </p:nvSpPr>
+        <p:spPr>
+          <a:xfrm>
+            <a:off x="755576" y="5147900"/>
+            <a:ext cx="701026" cy="369332"/>
+          </a:xfrm>
+          <a:prstGeom prst="rect">
+            <a:avLst/>
+          </a:prstGeom>
+          <a:noFill/>
+        </p:spPr>
+        <p:txBody>
+          <a:bodyPr wrap="none" rtlCol="0">
+            <a:spAutoFit/>
+          </a:bodyPr>
+          <a:lstStyle/>
+          <a:p>
+            <a:r>
+              <a:rPr lang="de-DE" dirty="0" smtClean="0"/>
+              <a:t>Preis:</a:t>
+            </a:r>
+            <a:endParaRPr lang="de-DE" dirty="0"/>
+          </a:p>
+        </p:txBody>
+      </p:sp>
+      <p:sp>
+        <p:nvSpPr>
+          <p:cNvPr id="27" name="Rechteck 26"/>
+          <p:cNvSpPr/>
+          <p:nvPr/>
+        </p:nvSpPr>
+        <p:spPr>
+          <a:xfrm>
+            <a:off x="7164288" y="2996952"/>
+            <a:ext cx="1440160" cy="360040"/>
+          </a:xfrm>
+          <a:prstGeom prst="rect">
+            <a:avLst/>
+          </a:prstGeom>
+        </p:spPr>
+        <p:style>
+          <a:lnRef idx="2">
+            <a:schemeClr val="accent1">
+              <a:shade val="50000"/>
+            </a:schemeClr>
+          </a:lnRef>
+          <a:fillRef idx="1">
+            <a:schemeClr val="accent1"/>
+          </a:fillRef>
+          <a:effectRef idx="0">
+            <a:schemeClr val="accent1"/>
+          </a:effectRef>
+          <a:fontRef idx="minor">
+            <a:schemeClr val="lt1"/>
+          </a:fontRef>
+        </p:style>
+        <p:txBody>
+          <a:bodyPr rtlCol="0" anchor="ctr"/>
+          <a:lstStyle/>
+          <a:p>
+            <a:pPr algn="ctr"/>
+            <a:endParaRPr lang="de-DE"/>
+          </a:p>
+        </p:txBody>
+      </p:sp>
+      <p:sp>
+        <p:nvSpPr>
+          <p:cNvPr id="28" name="Textfeld 27"/>
+          <p:cNvSpPr txBox="1"/>
+          <p:nvPr/>
+        </p:nvSpPr>
+        <p:spPr>
+          <a:xfrm>
+            <a:off x="4860032" y="2996952"/>
+            <a:ext cx="1325299" cy="369332"/>
+          </a:xfrm>
+          <a:prstGeom prst="rect">
+            <a:avLst/>
+          </a:prstGeom>
+          <a:noFill/>
+        </p:spPr>
+        <p:txBody>
+          <a:bodyPr wrap="none" rtlCol="0">
+            <a:spAutoFit/>
+          </a:bodyPr>
+          <a:lstStyle/>
+          <a:p>
+            <a:r>
+              <a:rPr lang="de-DE" dirty="0" smtClean="0"/>
+              <a:t>Freie Plätze:</a:t>
+            </a:r>
+            <a:endParaRPr lang="de-DE" dirty="0"/>
+          </a:p>
+        </p:txBody>
+      </p:sp>
+      <p:sp>
+        <p:nvSpPr>
+          <p:cNvPr id="33" name="Rechteck 32"/>
+          <p:cNvSpPr/>
+          <p:nvPr/>
+        </p:nvSpPr>
+        <p:spPr>
+          <a:xfrm>
+            <a:off x="7164288" y="3429000"/>
+            <a:ext cx="1440160" cy="360040"/>
+          </a:xfrm>
+          <a:prstGeom prst="rect">
+            <a:avLst/>
+          </a:prstGeom>
+        </p:spPr>
+        <p:style>
+          <a:lnRef idx="2">
+            <a:schemeClr val="accent1">
+              <a:shade val="50000"/>
+            </a:schemeClr>
+          </a:lnRef>
+          <a:fillRef idx="1">
+            <a:schemeClr val="accent1"/>
+          </a:fillRef>
+          <a:effectRef idx="0">
+            <a:schemeClr val="accent1"/>
+          </a:effectRef>
+          <a:fontRef idx="minor">
+            <a:schemeClr val="lt1"/>
+          </a:fontRef>
+        </p:style>
+        <p:txBody>
+          <a:bodyPr rtlCol="0" anchor="ctr"/>
+          <a:lstStyle/>
+          <a:p>
+            <a:pPr algn="ctr"/>
+            <a:endParaRPr lang="de-DE"/>
+          </a:p>
+        </p:txBody>
+      </p:sp>
+      <p:sp>
+        <p:nvSpPr>
+          <p:cNvPr id="47" name="Rechteck 46"/>
+          <p:cNvSpPr/>
+          <p:nvPr/>
+        </p:nvSpPr>
+        <p:spPr>
+          <a:xfrm>
+            <a:off x="5220072" y="5733256"/>
+            <a:ext cx="3528392" cy="1080120"/>
+          </a:xfrm>
+          <a:prstGeom prst="rect">
+            <a:avLst/>
+          </a:prstGeom>
+          <a:solidFill>
+            <a:schemeClr val="accent3">
+              <a:lumMod val="60000"/>
+              <a:lumOff val="40000"/>
+            </a:schemeClr>
+          </a:solidFill>
+          <a:ln>
+            <a:solidFill>
+              <a:schemeClr val="accent3">
+                <a:lumMod val="75000"/>
+              </a:schemeClr>
+            </a:solidFill>
+          </a:ln>
+        </p:spPr>
+        <p:style>
+          <a:lnRef idx="2">
+            <a:schemeClr val="accent1">
+              <a:shade val="50000"/>
+            </a:schemeClr>
+          </a:lnRef>
+          <a:fillRef idx="1">
+            <a:schemeClr val="accent1"/>
+          </a:fillRef>
+          <a:effectRef idx="0">
+            <a:schemeClr val="accent1"/>
+          </a:effectRef>
+          <a:fontRef idx="minor">
+            <a:schemeClr val="lt1"/>
+          </a:fontRef>
+        </p:style>
+        <p:txBody>
+          <a:bodyPr rtlCol="0" anchor="t" anchorCtr="0"/>
+          <a:lstStyle/>
+          <a:p>
+            <a:pPr algn="ctr"/>
+            <a:r>
+              <a:rPr lang="de-DE" dirty="0" smtClean="0">
+                <a:solidFill>
+                  <a:schemeClr val="tx1"/>
+                </a:solidFill>
+              </a:rPr>
+              <a:t>Teilnehmer</a:t>
+            </a:r>
+            <a:endParaRPr lang="de-DE" dirty="0">
+              <a:solidFill>
+                <a:schemeClr val="tx1"/>
+              </a:solidFill>
+            </a:endParaRPr>
+          </a:p>
+        </p:txBody>
+      </p:sp>
+      <p:sp>
+        <p:nvSpPr>
+          <p:cNvPr id="34" name="Textfeld 33"/>
+          <p:cNvSpPr txBox="1"/>
+          <p:nvPr/>
+        </p:nvSpPr>
+        <p:spPr>
+          <a:xfrm>
+            <a:off x="4860032" y="3429000"/>
+            <a:ext cx="556563" cy="369332"/>
+          </a:xfrm>
+          <a:prstGeom prst="rect">
+            <a:avLst/>
+          </a:prstGeom>
+          <a:noFill/>
+        </p:spPr>
+        <p:txBody>
+          <a:bodyPr wrap="none" rtlCol="0">
+            <a:spAutoFit/>
+          </a:bodyPr>
+          <a:lstStyle/>
+          <a:p>
+            <a:r>
+              <a:rPr lang="de-DE" dirty="0" smtClean="0"/>
+              <a:t>Ort:</a:t>
+            </a:r>
+            <a:endParaRPr lang="de-DE" dirty="0"/>
+          </a:p>
+        </p:txBody>
+      </p:sp>
+      <p:sp>
+        <p:nvSpPr>
+          <p:cNvPr id="35" name="Rechteck 34"/>
+          <p:cNvSpPr/>
+          <p:nvPr/>
+        </p:nvSpPr>
+        <p:spPr>
+          <a:xfrm>
+            <a:off x="7164288" y="3851756"/>
+            <a:ext cx="1440160" cy="360040"/>
+          </a:xfrm>
+          <a:prstGeom prst="rect">
+            <a:avLst/>
+          </a:prstGeom>
+        </p:spPr>
+        <p:style>
+          <a:lnRef idx="2">
+            <a:schemeClr val="accent1">
+              <a:shade val="50000"/>
+            </a:schemeClr>
+          </a:lnRef>
+          <a:fillRef idx="1">
+            <a:schemeClr val="accent1"/>
+          </a:fillRef>
+          <a:effectRef idx="0">
+            <a:schemeClr val="accent1"/>
+          </a:effectRef>
+          <a:fontRef idx="minor">
+            <a:schemeClr val="lt1"/>
+          </a:fontRef>
+        </p:style>
+        <p:txBody>
+          <a:bodyPr rtlCol="0" anchor="ctr"/>
+          <a:lstStyle/>
+          <a:p>
+            <a:pPr algn="ctr"/>
+            <a:endParaRPr lang="de-DE"/>
+          </a:p>
+        </p:txBody>
+      </p:sp>
+      <p:sp>
+        <p:nvSpPr>
+          <p:cNvPr id="36" name="Textfeld 35"/>
+          <p:cNvSpPr txBox="1"/>
+          <p:nvPr/>
+        </p:nvSpPr>
+        <p:spPr>
+          <a:xfrm>
+            <a:off x="4860032" y="3851756"/>
+            <a:ext cx="596382" cy="369332"/>
+          </a:xfrm>
+          <a:prstGeom prst="rect">
+            <a:avLst/>
+          </a:prstGeom>
+          <a:noFill/>
+        </p:spPr>
+        <p:txBody>
+          <a:bodyPr wrap="none" rtlCol="0">
+            <a:spAutoFit/>
+          </a:bodyPr>
+          <a:lstStyle/>
+          <a:p>
+            <a:r>
+              <a:rPr lang="de-DE" dirty="0" smtClean="0"/>
+              <a:t>Zeit:</a:t>
+            </a:r>
+            <a:endParaRPr lang="de-DE" dirty="0"/>
+          </a:p>
+        </p:txBody>
+      </p:sp>
+      <p:sp>
+        <p:nvSpPr>
+          <p:cNvPr id="37" name="Rechteck 36"/>
+          <p:cNvSpPr/>
+          <p:nvPr/>
+        </p:nvSpPr>
+        <p:spPr>
+          <a:xfrm>
+            <a:off x="7164288" y="4283804"/>
+            <a:ext cx="1440160" cy="360040"/>
+          </a:xfrm>
+          <a:prstGeom prst="rect">
+            <a:avLst/>
+          </a:prstGeom>
+        </p:spPr>
+        <p:style>
+          <a:lnRef idx="2">
+            <a:schemeClr val="accent1">
+              <a:shade val="50000"/>
+            </a:schemeClr>
+          </a:lnRef>
+          <a:fillRef idx="1">
+            <a:schemeClr val="accent1"/>
+          </a:fillRef>
+          <a:effectRef idx="0">
+            <a:schemeClr val="accent1"/>
+          </a:effectRef>
+          <a:fontRef idx="minor">
+            <a:schemeClr val="lt1"/>
+          </a:fontRef>
+        </p:style>
+        <p:txBody>
+          <a:bodyPr rtlCol="0" anchor="ctr"/>
+          <a:lstStyle/>
+          <a:p>
+            <a:pPr algn="ctr"/>
+            <a:endParaRPr lang="de-DE"/>
+          </a:p>
+        </p:txBody>
+      </p:sp>
+      <p:sp>
+        <p:nvSpPr>
+          <p:cNvPr id="38" name="Textfeld 37"/>
+          <p:cNvSpPr txBox="1"/>
+          <p:nvPr/>
+        </p:nvSpPr>
+        <p:spPr>
+          <a:xfrm>
+            <a:off x="4860032" y="4283804"/>
+            <a:ext cx="2119555" cy="369332"/>
+          </a:xfrm>
+          <a:prstGeom prst="rect">
+            <a:avLst/>
+          </a:prstGeom>
+          <a:noFill/>
+        </p:spPr>
+        <p:txBody>
+          <a:bodyPr wrap="none" rtlCol="0">
+            <a:spAutoFit/>
+          </a:bodyPr>
+          <a:lstStyle/>
+          <a:p>
+            <a:r>
+              <a:rPr lang="de-DE" dirty="0" smtClean="0"/>
+              <a:t>Event bestätigen bis:</a:t>
+            </a:r>
+            <a:endParaRPr lang="de-DE" dirty="0"/>
+          </a:p>
+        </p:txBody>
+      </p:sp>
+      <p:sp>
+        <p:nvSpPr>
+          <p:cNvPr id="40" name="Rechteck 39"/>
+          <p:cNvSpPr/>
+          <p:nvPr/>
+        </p:nvSpPr>
+        <p:spPr>
+          <a:xfrm>
+            <a:off x="3059832" y="2564904"/>
+            <a:ext cx="1440160" cy="360040"/>
+          </a:xfrm>
+          <a:prstGeom prst="rect">
+            <a:avLst/>
+          </a:prstGeom>
+        </p:spPr>
+        <p:style>
+          <a:lnRef idx="2">
+            <a:schemeClr val="accent1">
+              <a:shade val="50000"/>
+            </a:schemeClr>
+          </a:lnRef>
+          <a:fillRef idx="1">
+            <a:schemeClr val="accent1"/>
+          </a:fillRef>
+          <a:effectRef idx="0">
+            <a:schemeClr val="accent1"/>
+          </a:effectRef>
+          <a:fontRef idx="minor">
+            <a:schemeClr val="lt1"/>
+          </a:fontRef>
+        </p:style>
+        <p:txBody>
+          <a:bodyPr rtlCol="0" anchor="ctr"/>
+          <a:lstStyle/>
+          <a:p>
+            <a:pPr algn="ctr"/>
+            <a:endParaRPr lang="de-DE"/>
+          </a:p>
+        </p:txBody>
+      </p:sp>
+      <p:sp>
+        <p:nvSpPr>
+          <p:cNvPr id="41" name="Textfeld 40"/>
+          <p:cNvSpPr txBox="1"/>
+          <p:nvPr/>
+        </p:nvSpPr>
+        <p:spPr>
+          <a:xfrm>
+            <a:off x="755576" y="2564904"/>
+            <a:ext cx="1341457" cy="369332"/>
+          </a:xfrm>
+          <a:prstGeom prst="rect">
+            <a:avLst/>
+          </a:prstGeom>
+          <a:noFill/>
+        </p:spPr>
+        <p:txBody>
+          <a:bodyPr wrap="none" rtlCol="0">
+            <a:spAutoFit/>
+          </a:bodyPr>
+          <a:lstStyle/>
+          <a:p>
+            <a:r>
+              <a:rPr lang="de-DE" dirty="0" smtClean="0"/>
+              <a:t>Organisator:</a:t>
+            </a:r>
+            <a:endParaRPr lang="de-DE" dirty="0"/>
+          </a:p>
+        </p:txBody>
+      </p:sp>
+      <p:sp>
+        <p:nvSpPr>
+          <p:cNvPr id="44" name="Rechteck 43"/>
+          <p:cNvSpPr/>
+          <p:nvPr/>
+        </p:nvSpPr>
+        <p:spPr>
+          <a:xfrm>
+            <a:off x="5292080" y="6165304"/>
+            <a:ext cx="1656184" cy="576064"/>
+          </a:xfrm>
+          <a:prstGeom prst="rect">
+            <a:avLst/>
+          </a:prstGeom>
+          <a:solidFill>
+            <a:schemeClr val="accent3">
+              <a:lumMod val="75000"/>
+            </a:schemeClr>
+          </a:solidFill>
+          <a:ln>
+            <a:solidFill>
+              <a:schemeClr val="accent3">
+                <a:lumMod val="50000"/>
+              </a:schemeClr>
+            </a:solidFill>
+          </a:ln>
+        </p:spPr>
+        <p:style>
+          <a:lnRef idx="2">
+            <a:schemeClr val="accent1">
+              <a:shade val="50000"/>
+            </a:schemeClr>
+          </a:lnRef>
+          <a:fillRef idx="1">
+            <a:schemeClr val="accent1"/>
+          </a:fillRef>
+          <a:effectRef idx="0">
+            <a:schemeClr val="accent1"/>
+          </a:effectRef>
+          <a:fontRef idx="minor">
+            <a:schemeClr val="lt1"/>
+          </a:fontRef>
+        </p:style>
+        <p:txBody>
+          <a:bodyPr rtlCol="0" anchor="ctr"/>
+          <a:lstStyle/>
+          <a:p>
+            <a:pPr algn="ctr"/>
+            <a:r>
+              <a:rPr lang="de-DE" dirty="0" smtClean="0"/>
+              <a:t>Teilnahme absagen</a:t>
+            </a:r>
+            <a:endParaRPr lang="de-DE" dirty="0"/>
+          </a:p>
+        </p:txBody>
+      </p:sp>
+      <p:sp>
+        <p:nvSpPr>
+          <p:cNvPr id="19" name="Rechteck 18"/>
+          <p:cNvSpPr/>
+          <p:nvPr/>
+        </p:nvSpPr>
+        <p:spPr>
+          <a:xfrm>
+            <a:off x="7020272" y="6165304"/>
+            <a:ext cx="1656184" cy="576064"/>
+          </a:xfrm>
+          <a:prstGeom prst="rect">
+            <a:avLst/>
+          </a:prstGeom>
+          <a:solidFill>
+            <a:schemeClr val="accent3">
+              <a:lumMod val="75000"/>
+            </a:schemeClr>
+          </a:solidFill>
+          <a:ln>
+            <a:solidFill>
+              <a:schemeClr val="accent3">
+                <a:lumMod val="50000"/>
+              </a:schemeClr>
+            </a:solidFill>
+          </a:ln>
+        </p:spPr>
+        <p:style>
+          <a:lnRef idx="2">
+            <a:schemeClr val="accent1">
+              <a:shade val="50000"/>
+            </a:schemeClr>
+          </a:lnRef>
+          <a:fillRef idx="1">
+            <a:schemeClr val="accent1"/>
+          </a:fillRef>
+          <a:effectRef idx="0">
+            <a:schemeClr val="accent1"/>
+          </a:effectRef>
+          <a:fontRef idx="minor">
+            <a:schemeClr val="lt1"/>
+          </a:fontRef>
+        </p:style>
+        <p:txBody>
+          <a:bodyPr rtlCol="0" anchor="ctr"/>
+          <a:lstStyle/>
+          <a:p>
+            <a:pPr algn="ctr"/>
+            <a:r>
+              <a:rPr lang="de-DE" dirty="0" smtClean="0"/>
+              <a:t>An Event Teilnehmen</a:t>
+            </a:r>
+            <a:endParaRPr lang="de-DE" dirty="0"/>
+          </a:p>
+        </p:txBody>
+      </p:sp>
+    </p:spTree>
+  </p:cSld>
+  <p:clrMapOvr>
+    <a:masterClrMapping/>
+  </p:clrMapOvr>
+</p:sld>
+</file>
+
+<file path=ppt/slides/slide11.xml><?xml version="1.0" encoding="utf-8"?>
+<p:sld xmlns:a="http://schemas.openxmlformats.org/drawingml/2006/main" xmlns:r="http://schemas.openxmlformats.org/officeDocument/2006/relationships" xmlns:p="http://schemas.openxmlformats.org/presentationml/2006/main">
+  <p:cSld>
+    <p:spTree>
+      <p:nvGrpSpPr>
+        <p:cNvPr id="1" name=""/>
+        <p:cNvGrpSpPr/>
+        <p:nvPr/>
+      </p:nvGrpSpPr>
+      <p:grpSpPr>
+        <a:xfrm>
+          <a:off x="0" y="0"/>
+          <a:ext cx="0" cy="0"/>
+          <a:chOff x="0" y="0"/>
+          <a:chExt cx="0" cy="0"/>
+        </a:xfrm>
+      </p:grpSpPr>
+      <p:sp>
+        <p:nvSpPr>
           <p:cNvPr id="57" name="Rechteck 56"/>
           <p:cNvSpPr/>
           <p:nvPr/>
@@ -4632,11 +5592,7 @@
             <a:pPr algn="ctr"/>
             <a:r>
               <a:rPr lang="de-DE" dirty="0" smtClean="0"/>
-              <a:t>Benutzer </a:t>
-            </a:r>
-            <a:r>
-              <a:rPr lang="de-DE" dirty="0" smtClean="0"/>
-              <a:t>registrieren/ändern</a:t>
+              <a:t>Benutzer registrieren/ändern</a:t>
             </a:r>
             <a:endParaRPr lang="de-DE" dirty="0"/>
           </a:p>
@@ -6617,7 +7573,11 @@
           <a:p>
             <a:r>
               <a:rPr lang="de-DE" dirty="0" smtClean="0"/>
-              <a:t>Nachrichtenliste</a:t>
+              <a:t>Nachricht </a:t>
+            </a:r>
+            <a:r>
+              <a:rPr lang="de-DE" dirty="0" smtClean="0"/>
+              <a:t>schreiben</a:t>
             </a:r>
             <a:endParaRPr lang="de-DE" dirty="0"/>
           </a:p>
@@ -6632,7 +7592,7 @@
         <p:spPr>
           <a:xfrm>
             <a:off x="4427984" y="2276872"/>
-            <a:ext cx="2376264" cy="360040"/>
+            <a:ext cx="4248472" cy="360040"/>
           </a:xfrm>
           <a:prstGeom prst="rect">
             <a:avLst/>
@@ -6672,7 +7632,7 @@
         <p:spPr>
           <a:xfrm>
             <a:off x="2123728" y="2276872"/>
-            <a:ext cx="1323889" cy="369332"/>
+            <a:ext cx="1264770" cy="369332"/>
           </a:xfrm>
           <a:prstGeom prst="rect">
             <a:avLst/>
@@ -6687,22 +7647,92 @@
           <a:p>
             <a:r>
               <a:rPr lang="de-DE" dirty="0" smtClean="0"/>
-              <a:t>Nachricht 1:</a:t>
-            </a:r>
-            <a:endParaRPr lang="de-DE" dirty="0"/>
-          </a:p>
-        </p:txBody>
-      </p:sp>
-      <p:sp>
-        <p:nvSpPr>
-          <p:cNvPr id="35" name="Rechteck 34"/>
+              <a:t>Empfänger:</a:t>
+            </a:r>
+            <a:endParaRPr lang="de-DE" dirty="0"/>
+          </a:p>
+        </p:txBody>
+      </p:sp>
+      <p:sp>
+        <p:nvSpPr>
+          <p:cNvPr id="31" name="Rechteck 30"/>
           <p:cNvSpPr/>
           <p:nvPr/>
         </p:nvSpPr>
         <p:spPr>
           <a:xfrm>
-            <a:off x="7668344" y="2276872"/>
-            <a:ext cx="1008112" cy="360040"/>
+            <a:off x="4427984" y="3150260"/>
+            <a:ext cx="4248472" cy="864096"/>
+          </a:xfrm>
+          <a:prstGeom prst="rect">
+            <a:avLst/>
+          </a:prstGeom>
+        </p:spPr>
+        <p:style>
+          <a:lnRef idx="2">
+            <a:schemeClr val="accent1">
+              <a:shade val="50000"/>
+            </a:schemeClr>
+          </a:lnRef>
+          <a:fillRef idx="1">
+            <a:schemeClr val="accent1"/>
+          </a:fillRef>
+          <a:effectRef idx="0">
+            <a:schemeClr val="accent1"/>
+          </a:effectRef>
+          <a:fontRef idx="minor">
+            <a:schemeClr val="lt1"/>
+          </a:fontRef>
+        </p:style>
+        <p:txBody>
+          <a:bodyPr rtlCol="0" anchor="ctr"/>
+          <a:lstStyle/>
+          <a:p>
+            <a:pPr algn="ctr"/>
+            <a:endParaRPr lang="de-DE"/>
+          </a:p>
+        </p:txBody>
+      </p:sp>
+      <p:sp>
+        <p:nvSpPr>
+          <p:cNvPr id="32" name="Textfeld 31"/>
+          <p:cNvSpPr txBox="1"/>
+          <p:nvPr/>
+        </p:nvSpPr>
+        <p:spPr>
+          <a:xfrm>
+            <a:off x="2123728" y="3140968"/>
+            <a:ext cx="1750031" cy="369332"/>
+          </a:xfrm>
+          <a:prstGeom prst="rect">
+            <a:avLst/>
+          </a:prstGeom>
+          <a:noFill/>
+        </p:spPr>
+        <p:txBody>
+          <a:bodyPr wrap="none" rtlCol="0">
+            <a:spAutoFit/>
+          </a:bodyPr>
+          <a:lstStyle/>
+          <a:p>
+            <a:r>
+              <a:rPr lang="de-DE" dirty="0" smtClean="0"/>
+              <a:t>Nachrichtentext:</a:t>
+            </a:r>
+            <a:endParaRPr lang="de-DE" dirty="0"/>
+          </a:p>
+        </p:txBody>
+      </p:sp>
+      <p:sp>
+        <p:nvSpPr>
+          <p:cNvPr id="39" name="Rechteck 38"/>
+          <p:cNvSpPr/>
+          <p:nvPr/>
+        </p:nvSpPr>
+        <p:spPr>
+          <a:xfrm>
+            <a:off x="6804248" y="4077072"/>
+            <a:ext cx="1872208" cy="360040"/>
           </a:xfrm>
           <a:prstGeom prst="rect">
             <a:avLst/>
@@ -6743,7 +7773,7 @@
             <a:pPr algn="ctr"/>
             <a:r>
               <a:rPr lang="de-DE" dirty="0" smtClean="0"/>
-              <a:t>Löschen</a:t>
+              <a:t>Abschicken</a:t>
             </a:r>
             <a:endParaRPr lang="de-DE" dirty="0"/>
           </a:p>
@@ -6757,78 +7787,8 @@
         </p:nvSpPr>
         <p:spPr>
           <a:xfrm>
-            <a:off x="4427984" y="2699628"/>
-            <a:ext cx="2376264" cy="360040"/>
-          </a:xfrm>
-          <a:prstGeom prst="rect">
-            <a:avLst/>
-          </a:prstGeom>
-        </p:spPr>
-        <p:style>
-          <a:lnRef idx="2">
-            <a:schemeClr val="accent1">
-              <a:shade val="50000"/>
-            </a:schemeClr>
-          </a:lnRef>
-          <a:fillRef idx="1">
-            <a:schemeClr val="accent1"/>
-          </a:fillRef>
-          <a:effectRef idx="0">
-            <a:schemeClr val="accent1"/>
-          </a:effectRef>
-          <a:fontRef idx="minor">
-            <a:schemeClr val="lt1"/>
-          </a:fontRef>
-        </p:style>
-        <p:txBody>
-          <a:bodyPr rtlCol="0" anchor="ctr"/>
-          <a:lstStyle/>
-          <a:p>
-            <a:pPr algn="ctr"/>
-            <a:endParaRPr lang="de-DE"/>
-          </a:p>
-        </p:txBody>
-      </p:sp>
-      <p:sp>
-        <p:nvSpPr>
-          <p:cNvPr id="15" name="Textfeld 14"/>
-          <p:cNvSpPr txBox="1"/>
-          <p:nvPr/>
-        </p:nvSpPr>
-        <p:spPr>
-          <a:xfrm>
-            <a:off x="2123728" y="2699628"/>
-            <a:ext cx="1323889" cy="369332"/>
-          </a:xfrm>
-          <a:prstGeom prst="rect">
-            <a:avLst/>
-          </a:prstGeom>
-          <a:noFill/>
-        </p:spPr>
-        <p:txBody>
-          <a:bodyPr wrap="none" rtlCol="0">
-            <a:spAutoFit/>
-          </a:bodyPr>
-          <a:lstStyle/>
-          <a:p>
-            <a:r>
-              <a:rPr lang="de-DE" dirty="0" smtClean="0"/>
-              <a:t>Nachricht 2:</a:t>
-            </a:r>
-            <a:endParaRPr lang="de-DE" dirty="0"/>
-          </a:p>
-        </p:txBody>
-      </p:sp>
-      <p:sp>
-        <p:nvSpPr>
-          <p:cNvPr id="16" name="Rechteck 15"/>
-          <p:cNvSpPr/>
-          <p:nvPr/>
-        </p:nvSpPr>
-        <p:spPr>
-          <a:xfrm>
-            <a:off x="7668344" y="2699628"/>
-            <a:ext cx="1008112" cy="360040"/>
+            <a:off x="4427984" y="4077072"/>
+            <a:ext cx="1872208" cy="360040"/>
           </a:xfrm>
           <a:prstGeom prst="rect">
             <a:avLst/>
@@ -6877,14 +7837,14 @@
       </p:sp>
       <p:sp>
         <p:nvSpPr>
-          <p:cNvPr id="17" name="Rechteck 16"/>
+          <p:cNvPr id="15" name="Rechteck 14"/>
           <p:cNvSpPr/>
           <p:nvPr/>
         </p:nvSpPr>
         <p:spPr>
           <a:xfrm>
-            <a:off x="4427984" y="3131676"/>
-            <a:ext cx="2376264" cy="360040"/>
+            <a:off x="4427984" y="2699628"/>
+            <a:ext cx="4248472" cy="360040"/>
           </a:xfrm>
           <a:prstGeom prst="rect">
             <a:avLst/>
@@ -6917,14 +7877,14 @@
       </p:sp>
       <p:sp>
         <p:nvSpPr>
-          <p:cNvPr id="18" name="Textfeld 17"/>
+          <p:cNvPr id="16" name="Textfeld 15"/>
           <p:cNvSpPr txBox="1"/>
           <p:nvPr/>
         </p:nvSpPr>
         <p:spPr>
           <a:xfrm>
-            <a:off x="2123728" y="3131676"/>
-            <a:ext cx="1323889" cy="369332"/>
+            <a:off x="2123728" y="2699628"/>
+            <a:ext cx="1297984" cy="369332"/>
           </a:xfrm>
           <a:prstGeom prst="rect">
             <a:avLst/>
@@ -6939,625 +7899,7 @@
           <a:p>
             <a:r>
               <a:rPr lang="de-DE" dirty="0" smtClean="0"/>
-              <a:t>Nachricht 3:</a:t>
-            </a:r>
-            <a:endParaRPr lang="de-DE" dirty="0"/>
-          </a:p>
-        </p:txBody>
-      </p:sp>
-      <p:sp>
-        <p:nvSpPr>
-          <p:cNvPr id="19" name="Rechteck 18"/>
-          <p:cNvSpPr/>
-          <p:nvPr/>
-        </p:nvSpPr>
-        <p:spPr>
-          <a:xfrm>
-            <a:off x="7668344" y="3131676"/>
-            <a:ext cx="1008112" cy="360040"/>
-          </a:xfrm>
-          <a:prstGeom prst="rect">
-            <a:avLst/>
-          </a:prstGeom>
-          <a:solidFill>
-            <a:schemeClr val="accent3">
-              <a:lumMod val="75000"/>
-            </a:schemeClr>
-          </a:solidFill>
-          <a:ln>
-            <a:solidFill>
-              <a:schemeClr val="accent3">
-                <a:lumMod val="50000"/>
-              </a:schemeClr>
-            </a:solidFill>
-          </a:ln>
-        </p:spPr>
-        <p:style>
-          <a:lnRef idx="2">
-            <a:schemeClr val="accent1">
-              <a:shade val="50000"/>
-            </a:schemeClr>
-          </a:lnRef>
-          <a:fillRef idx="1">
-            <a:schemeClr val="accent1"/>
-          </a:fillRef>
-          <a:effectRef idx="0">
-            <a:schemeClr val="accent1"/>
-          </a:effectRef>
-          <a:fontRef idx="minor">
-            <a:schemeClr val="lt1"/>
-          </a:fontRef>
-        </p:style>
-        <p:txBody>
-          <a:bodyPr rtlCol="0" anchor="ctr"/>
-          <a:lstStyle/>
-          <a:p>
-            <a:pPr algn="ctr"/>
-            <a:r>
-              <a:rPr lang="de-DE" dirty="0" smtClean="0"/>
-              <a:t>Löschen</a:t>
-            </a:r>
-            <a:endParaRPr lang="de-DE" dirty="0"/>
-          </a:p>
-        </p:txBody>
-      </p:sp>
-      <p:sp>
-        <p:nvSpPr>
-          <p:cNvPr id="20" name="Rechteck 19"/>
-          <p:cNvSpPr/>
-          <p:nvPr/>
-        </p:nvSpPr>
-        <p:spPr>
-          <a:xfrm>
-            <a:off x="4427984" y="3563724"/>
-            <a:ext cx="2376264" cy="360040"/>
-          </a:xfrm>
-          <a:prstGeom prst="rect">
-            <a:avLst/>
-          </a:prstGeom>
-        </p:spPr>
-        <p:style>
-          <a:lnRef idx="2">
-            <a:schemeClr val="accent1">
-              <a:shade val="50000"/>
-            </a:schemeClr>
-          </a:lnRef>
-          <a:fillRef idx="1">
-            <a:schemeClr val="accent1"/>
-          </a:fillRef>
-          <a:effectRef idx="0">
-            <a:schemeClr val="accent1"/>
-          </a:effectRef>
-          <a:fontRef idx="minor">
-            <a:schemeClr val="lt1"/>
-          </a:fontRef>
-        </p:style>
-        <p:txBody>
-          <a:bodyPr rtlCol="0" anchor="ctr"/>
-          <a:lstStyle/>
-          <a:p>
-            <a:pPr algn="ctr"/>
-            <a:endParaRPr lang="de-DE"/>
-          </a:p>
-        </p:txBody>
-      </p:sp>
-      <p:sp>
-        <p:nvSpPr>
-          <p:cNvPr id="21" name="Textfeld 20"/>
-          <p:cNvSpPr txBox="1"/>
-          <p:nvPr/>
-        </p:nvSpPr>
-        <p:spPr>
-          <a:xfrm>
-            <a:off x="2123728" y="3563724"/>
-            <a:ext cx="1323889" cy="369332"/>
-          </a:xfrm>
-          <a:prstGeom prst="rect">
-            <a:avLst/>
-          </a:prstGeom>
-          <a:noFill/>
-        </p:spPr>
-        <p:txBody>
-          <a:bodyPr wrap="none" rtlCol="0">
-            <a:spAutoFit/>
-          </a:bodyPr>
-          <a:lstStyle/>
-          <a:p>
-            <a:r>
-              <a:rPr lang="de-DE" dirty="0" smtClean="0"/>
-              <a:t>Nachricht 4:</a:t>
-            </a:r>
-            <a:endParaRPr lang="de-DE" dirty="0"/>
-          </a:p>
-        </p:txBody>
-      </p:sp>
-      <p:sp>
-        <p:nvSpPr>
-          <p:cNvPr id="22" name="Rechteck 21"/>
-          <p:cNvSpPr/>
-          <p:nvPr/>
-        </p:nvSpPr>
-        <p:spPr>
-          <a:xfrm>
-            <a:off x="7668344" y="3563724"/>
-            <a:ext cx="1008112" cy="360040"/>
-          </a:xfrm>
-          <a:prstGeom prst="rect">
-            <a:avLst/>
-          </a:prstGeom>
-          <a:solidFill>
-            <a:schemeClr val="accent3">
-              <a:lumMod val="75000"/>
-            </a:schemeClr>
-          </a:solidFill>
-          <a:ln>
-            <a:solidFill>
-              <a:schemeClr val="accent3">
-                <a:lumMod val="50000"/>
-              </a:schemeClr>
-            </a:solidFill>
-          </a:ln>
-        </p:spPr>
-        <p:style>
-          <a:lnRef idx="2">
-            <a:schemeClr val="accent1">
-              <a:shade val="50000"/>
-            </a:schemeClr>
-          </a:lnRef>
-          <a:fillRef idx="1">
-            <a:schemeClr val="accent1"/>
-          </a:fillRef>
-          <a:effectRef idx="0">
-            <a:schemeClr val="accent1"/>
-          </a:effectRef>
-          <a:fontRef idx="minor">
-            <a:schemeClr val="lt1"/>
-          </a:fontRef>
-        </p:style>
-        <p:txBody>
-          <a:bodyPr rtlCol="0" anchor="ctr"/>
-          <a:lstStyle/>
-          <a:p>
-            <a:pPr algn="ctr"/>
-            <a:r>
-              <a:rPr lang="de-DE" dirty="0" smtClean="0"/>
-              <a:t>Löschen</a:t>
-            </a:r>
-            <a:endParaRPr lang="de-DE" dirty="0"/>
-          </a:p>
-        </p:txBody>
-      </p:sp>
-      <p:sp>
-        <p:nvSpPr>
-          <p:cNvPr id="24" name="Textfeld 23"/>
-          <p:cNvSpPr txBox="1"/>
-          <p:nvPr/>
-        </p:nvSpPr>
-        <p:spPr>
-          <a:xfrm>
-            <a:off x="5280239" y="3995772"/>
-            <a:ext cx="354094" cy="369332"/>
-          </a:xfrm>
-          <a:prstGeom prst="rect">
-            <a:avLst/>
-          </a:prstGeom>
-          <a:noFill/>
-        </p:spPr>
-        <p:txBody>
-          <a:bodyPr wrap="square" rtlCol="0">
-            <a:spAutoFit/>
-          </a:bodyPr>
-          <a:lstStyle/>
-          <a:p>
-            <a:r>
-              <a:rPr lang="de-DE" dirty="0" smtClean="0"/>
-              <a:t>…</a:t>
-            </a:r>
-            <a:endParaRPr lang="de-DE" dirty="0"/>
-          </a:p>
-        </p:txBody>
-      </p:sp>
-      <p:sp>
-        <p:nvSpPr>
-          <p:cNvPr id="26" name="Rechteck 25"/>
-          <p:cNvSpPr/>
-          <p:nvPr/>
-        </p:nvSpPr>
-        <p:spPr>
-          <a:xfrm>
-            <a:off x="4427984" y="4427820"/>
-            <a:ext cx="2376264" cy="360040"/>
-          </a:xfrm>
-          <a:prstGeom prst="rect">
-            <a:avLst/>
-          </a:prstGeom>
-        </p:spPr>
-        <p:style>
-          <a:lnRef idx="2">
-            <a:schemeClr val="accent1">
-              <a:shade val="50000"/>
-            </a:schemeClr>
-          </a:lnRef>
-          <a:fillRef idx="1">
-            <a:schemeClr val="accent1"/>
-          </a:fillRef>
-          <a:effectRef idx="0">
-            <a:schemeClr val="accent1"/>
-          </a:effectRef>
-          <a:fontRef idx="minor">
-            <a:schemeClr val="lt1"/>
-          </a:fontRef>
-        </p:style>
-        <p:txBody>
-          <a:bodyPr rtlCol="0" anchor="ctr"/>
-          <a:lstStyle/>
-          <a:p>
-            <a:pPr algn="ctr"/>
-            <a:endParaRPr lang="de-DE"/>
-          </a:p>
-        </p:txBody>
-      </p:sp>
-      <p:sp>
-        <p:nvSpPr>
-          <p:cNvPr id="27" name="Textfeld 26"/>
-          <p:cNvSpPr txBox="1"/>
-          <p:nvPr/>
-        </p:nvSpPr>
-        <p:spPr>
-          <a:xfrm>
-            <a:off x="2123728" y="4427820"/>
-            <a:ext cx="1323889" cy="369332"/>
-          </a:xfrm>
-          <a:prstGeom prst="rect">
-            <a:avLst/>
-          </a:prstGeom>
-          <a:noFill/>
-        </p:spPr>
-        <p:txBody>
-          <a:bodyPr wrap="none" rtlCol="0">
-            <a:spAutoFit/>
-          </a:bodyPr>
-          <a:lstStyle/>
-          <a:p>
-            <a:r>
-              <a:rPr lang="de-DE" dirty="0" smtClean="0"/>
-              <a:t>Nachricht n:</a:t>
-            </a:r>
-            <a:endParaRPr lang="de-DE" dirty="0"/>
-          </a:p>
-        </p:txBody>
-      </p:sp>
-      <p:sp>
-        <p:nvSpPr>
-          <p:cNvPr id="28" name="Rechteck 27"/>
-          <p:cNvSpPr/>
-          <p:nvPr/>
-        </p:nvSpPr>
-        <p:spPr>
-          <a:xfrm>
-            <a:off x="7668344" y="4427820"/>
-            <a:ext cx="1008112" cy="360040"/>
-          </a:xfrm>
-          <a:prstGeom prst="rect">
-            <a:avLst/>
-          </a:prstGeom>
-          <a:solidFill>
-            <a:schemeClr val="accent3">
-              <a:lumMod val="75000"/>
-            </a:schemeClr>
-          </a:solidFill>
-          <a:ln>
-            <a:solidFill>
-              <a:schemeClr val="accent3">
-                <a:lumMod val="50000"/>
-              </a:schemeClr>
-            </a:solidFill>
-          </a:ln>
-        </p:spPr>
-        <p:style>
-          <a:lnRef idx="2">
-            <a:schemeClr val="accent1">
-              <a:shade val="50000"/>
-            </a:schemeClr>
-          </a:lnRef>
-          <a:fillRef idx="1">
-            <a:schemeClr val="accent1"/>
-          </a:fillRef>
-          <a:effectRef idx="0">
-            <a:schemeClr val="accent1"/>
-          </a:effectRef>
-          <a:fontRef idx="minor">
-            <a:schemeClr val="lt1"/>
-          </a:fontRef>
-        </p:style>
-        <p:txBody>
-          <a:bodyPr rtlCol="0" anchor="ctr"/>
-          <a:lstStyle/>
-          <a:p>
-            <a:pPr algn="ctr"/>
-            <a:r>
-              <a:rPr lang="de-DE" dirty="0" smtClean="0"/>
-              <a:t>Löschen</a:t>
-            </a:r>
-            <a:endParaRPr lang="de-DE" dirty="0"/>
-          </a:p>
-        </p:txBody>
-      </p:sp>
-      <p:sp>
-        <p:nvSpPr>
-          <p:cNvPr id="42" name="Rechteck 41"/>
-          <p:cNvSpPr/>
-          <p:nvPr/>
-        </p:nvSpPr>
-        <p:spPr>
-          <a:xfrm>
-            <a:off x="6876256" y="2276872"/>
-            <a:ext cx="720080" cy="360040"/>
-          </a:xfrm>
-          <a:prstGeom prst="rect">
-            <a:avLst/>
-          </a:prstGeom>
-          <a:solidFill>
-            <a:schemeClr val="accent3">
-              <a:lumMod val="75000"/>
-            </a:schemeClr>
-          </a:solidFill>
-          <a:ln>
-            <a:solidFill>
-              <a:schemeClr val="accent3">
-                <a:lumMod val="50000"/>
-              </a:schemeClr>
-            </a:solidFill>
-          </a:ln>
-        </p:spPr>
-        <p:style>
-          <a:lnRef idx="2">
-            <a:schemeClr val="accent1">
-              <a:shade val="50000"/>
-            </a:schemeClr>
-          </a:lnRef>
-          <a:fillRef idx="1">
-            <a:schemeClr val="accent1"/>
-          </a:fillRef>
-          <a:effectRef idx="0">
-            <a:schemeClr val="accent1"/>
-          </a:effectRef>
-          <a:fontRef idx="minor">
-            <a:schemeClr val="lt1"/>
-          </a:fontRef>
-        </p:style>
-        <p:txBody>
-          <a:bodyPr rtlCol="0" anchor="ctr"/>
-          <a:lstStyle/>
-          <a:p>
-            <a:pPr algn="ctr"/>
-            <a:r>
-              <a:rPr lang="de-DE" dirty="0" smtClean="0"/>
-              <a:t>Lesen</a:t>
-            </a:r>
-            <a:endParaRPr lang="de-DE" dirty="0"/>
-          </a:p>
-        </p:txBody>
-      </p:sp>
-      <p:sp>
-        <p:nvSpPr>
-          <p:cNvPr id="43" name="Rechteck 42"/>
-          <p:cNvSpPr/>
-          <p:nvPr/>
-        </p:nvSpPr>
-        <p:spPr>
-          <a:xfrm>
-            <a:off x="6876256" y="2699628"/>
-            <a:ext cx="720080" cy="360040"/>
-          </a:xfrm>
-          <a:prstGeom prst="rect">
-            <a:avLst/>
-          </a:prstGeom>
-          <a:solidFill>
-            <a:schemeClr val="accent3">
-              <a:lumMod val="75000"/>
-            </a:schemeClr>
-          </a:solidFill>
-          <a:ln>
-            <a:solidFill>
-              <a:schemeClr val="accent3">
-                <a:lumMod val="50000"/>
-              </a:schemeClr>
-            </a:solidFill>
-          </a:ln>
-        </p:spPr>
-        <p:style>
-          <a:lnRef idx="2">
-            <a:schemeClr val="accent1">
-              <a:shade val="50000"/>
-            </a:schemeClr>
-          </a:lnRef>
-          <a:fillRef idx="1">
-            <a:schemeClr val="accent1"/>
-          </a:fillRef>
-          <a:effectRef idx="0">
-            <a:schemeClr val="accent1"/>
-          </a:effectRef>
-          <a:fontRef idx="minor">
-            <a:schemeClr val="lt1"/>
-          </a:fontRef>
-        </p:style>
-        <p:txBody>
-          <a:bodyPr rtlCol="0" anchor="ctr"/>
-          <a:lstStyle/>
-          <a:p>
-            <a:pPr algn="ctr"/>
-            <a:r>
-              <a:rPr lang="de-DE" dirty="0" smtClean="0"/>
-              <a:t>Lesen</a:t>
-            </a:r>
-            <a:endParaRPr lang="de-DE" dirty="0"/>
-          </a:p>
-        </p:txBody>
-      </p:sp>
-      <p:sp>
-        <p:nvSpPr>
-          <p:cNvPr id="44" name="Rechteck 43"/>
-          <p:cNvSpPr/>
-          <p:nvPr/>
-        </p:nvSpPr>
-        <p:spPr>
-          <a:xfrm>
-            <a:off x="6876256" y="3131676"/>
-            <a:ext cx="720080" cy="360040"/>
-          </a:xfrm>
-          <a:prstGeom prst="rect">
-            <a:avLst/>
-          </a:prstGeom>
-          <a:solidFill>
-            <a:schemeClr val="accent3">
-              <a:lumMod val="75000"/>
-            </a:schemeClr>
-          </a:solidFill>
-          <a:ln>
-            <a:solidFill>
-              <a:schemeClr val="accent3">
-                <a:lumMod val="50000"/>
-              </a:schemeClr>
-            </a:solidFill>
-          </a:ln>
-        </p:spPr>
-        <p:style>
-          <a:lnRef idx="2">
-            <a:schemeClr val="accent1">
-              <a:shade val="50000"/>
-            </a:schemeClr>
-          </a:lnRef>
-          <a:fillRef idx="1">
-            <a:schemeClr val="accent1"/>
-          </a:fillRef>
-          <a:effectRef idx="0">
-            <a:schemeClr val="accent1"/>
-          </a:effectRef>
-          <a:fontRef idx="minor">
-            <a:schemeClr val="lt1"/>
-          </a:fontRef>
-        </p:style>
-        <p:txBody>
-          <a:bodyPr rtlCol="0" anchor="ctr"/>
-          <a:lstStyle/>
-          <a:p>
-            <a:pPr algn="ctr"/>
-            <a:r>
-              <a:rPr lang="de-DE" dirty="0" smtClean="0"/>
-              <a:t>Lesen</a:t>
-            </a:r>
-            <a:endParaRPr lang="de-DE" dirty="0"/>
-          </a:p>
-        </p:txBody>
-      </p:sp>
-      <p:sp>
-        <p:nvSpPr>
-          <p:cNvPr id="45" name="Rechteck 44"/>
-          <p:cNvSpPr/>
-          <p:nvPr/>
-        </p:nvSpPr>
-        <p:spPr>
-          <a:xfrm>
-            <a:off x="6876256" y="3563724"/>
-            <a:ext cx="720080" cy="360040"/>
-          </a:xfrm>
-          <a:prstGeom prst="rect">
-            <a:avLst/>
-          </a:prstGeom>
-          <a:solidFill>
-            <a:schemeClr val="accent3">
-              <a:lumMod val="75000"/>
-            </a:schemeClr>
-          </a:solidFill>
-          <a:ln>
-            <a:solidFill>
-              <a:schemeClr val="accent3">
-                <a:lumMod val="50000"/>
-              </a:schemeClr>
-            </a:solidFill>
-          </a:ln>
-        </p:spPr>
-        <p:style>
-          <a:lnRef idx="2">
-            <a:schemeClr val="accent1">
-              <a:shade val="50000"/>
-            </a:schemeClr>
-          </a:lnRef>
-          <a:fillRef idx="1">
-            <a:schemeClr val="accent1"/>
-          </a:fillRef>
-          <a:effectRef idx="0">
-            <a:schemeClr val="accent1"/>
-          </a:effectRef>
-          <a:fontRef idx="minor">
-            <a:schemeClr val="lt1"/>
-          </a:fontRef>
-        </p:style>
-        <p:txBody>
-          <a:bodyPr rtlCol="0" anchor="ctr"/>
-          <a:lstStyle/>
-          <a:p>
-            <a:pPr algn="ctr"/>
-            <a:r>
-              <a:rPr lang="de-DE" dirty="0" smtClean="0"/>
-              <a:t>Lesen</a:t>
-            </a:r>
-            <a:endParaRPr lang="de-DE" dirty="0"/>
-          </a:p>
-        </p:txBody>
-      </p:sp>
-      <p:sp>
-        <p:nvSpPr>
-          <p:cNvPr id="46" name="Rechteck 45"/>
-          <p:cNvSpPr/>
-          <p:nvPr/>
-        </p:nvSpPr>
-        <p:spPr>
-          <a:xfrm>
-            <a:off x="6876256" y="4427820"/>
-            <a:ext cx="720080" cy="360040"/>
-          </a:xfrm>
-          <a:prstGeom prst="rect">
-            <a:avLst/>
-          </a:prstGeom>
-          <a:solidFill>
-            <a:schemeClr val="accent3">
-              <a:lumMod val="75000"/>
-            </a:schemeClr>
-          </a:solidFill>
-          <a:ln>
-            <a:solidFill>
-              <a:schemeClr val="accent3">
-                <a:lumMod val="50000"/>
-              </a:schemeClr>
-            </a:solidFill>
-          </a:ln>
-        </p:spPr>
-        <p:style>
-          <a:lnRef idx="2">
-            <a:schemeClr val="accent1">
-              <a:shade val="50000"/>
-            </a:schemeClr>
-          </a:lnRef>
-          <a:fillRef idx="1">
-            <a:schemeClr val="accent1"/>
-          </a:fillRef>
-          <a:effectRef idx="0">
-            <a:schemeClr val="accent1"/>
-          </a:effectRef>
-          <a:fontRef idx="minor">
-            <a:schemeClr val="lt1"/>
-          </a:fontRef>
-        </p:style>
-        <p:txBody>
-          <a:bodyPr rtlCol="0" anchor="ctr"/>
-          <a:lstStyle/>
-          <a:p>
-            <a:pPr algn="ctr"/>
-            <a:r>
-              <a:rPr lang="de-DE" dirty="0" smtClean="0"/>
-              <a:t>Lesen</a:t>
+              <a:t>Überschrift:</a:t>
             </a:r>
             <a:endParaRPr lang="de-DE" dirty="0"/>
           </a:p>
@@ -7630,7 +7972,7 @@
           <a:p>
             <a:r>
               <a:rPr lang="de-DE" dirty="0" smtClean="0"/>
-              <a:t>Nachricht lesen</a:t>
+              <a:t>Nachrichtenliste</a:t>
             </a:r>
             <a:endParaRPr lang="de-DE" dirty="0"/>
           </a:p>
@@ -7645,7 +7987,7 @@
         <p:spPr>
           <a:xfrm>
             <a:off x="4427984" y="2276872"/>
-            <a:ext cx="4248472" cy="360040"/>
+            <a:ext cx="2376264" cy="360040"/>
           </a:xfrm>
           <a:prstGeom prst="rect">
             <a:avLst/>
@@ -7685,7 +8027,7 @@
         <p:spPr>
           <a:xfrm>
             <a:off x="2123728" y="2276872"/>
-            <a:ext cx="1145314" cy="369332"/>
+            <a:ext cx="1323889" cy="369332"/>
           </a:xfrm>
           <a:prstGeom prst="rect">
             <a:avLst/>
@@ -7700,92 +8042,22 @@
           <a:p>
             <a:r>
               <a:rPr lang="de-DE" dirty="0" smtClean="0"/>
-              <a:t>Absender:</a:t>
-            </a:r>
-            <a:endParaRPr lang="de-DE" dirty="0"/>
-          </a:p>
-        </p:txBody>
-      </p:sp>
-      <p:sp>
-        <p:nvSpPr>
-          <p:cNvPr id="31" name="Rechteck 30"/>
+              <a:t>Nachricht 1:</a:t>
+            </a:r>
+            <a:endParaRPr lang="de-DE" dirty="0"/>
+          </a:p>
+        </p:txBody>
+      </p:sp>
+      <p:sp>
+        <p:nvSpPr>
+          <p:cNvPr id="35" name="Rechteck 34"/>
           <p:cNvSpPr/>
           <p:nvPr/>
         </p:nvSpPr>
         <p:spPr>
           <a:xfrm>
-            <a:off x="4427984" y="3150260"/>
-            <a:ext cx="4248472" cy="864096"/>
-          </a:xfrm>
-          <a:prstGeom prst="rect">
-            <a:avLst/>
-          </a:prstGeom>
-        </p:spPr>
-        <p:style>
-          <a:lnRef idx="2">
-            <a:schemeClr val="accent1">
-              <a:shade val="50000"/>
-            </a:schemeClr>
-          </a:lnRef>
-          <a:fillRef idx="1">
-            <a:schemeClr val="accent1"/>
-          </a:fillRef>
-          <a:effectRef idx="0">
-            <a:schemeClr val="accent1"/>
-          </a:effectRef>
-          <a:fontRef idx="minor">
-            <a:schemeClr val="lt1"/>
-          </a:fontRef>
-        </p:style>
-        <p:txBody>
-          <a:bodyPr rtlCol="0" anchor="ctr"/>
-          <a:lstStyle/>
-          <a:p>
-            <a:pPr algn="ctr"/>
-            <a:endParaRPr lang="de-DE"/>
-          </a:p>
-        </p:txBody>
-      </p:sp>
-      <p:sp>
-        <p:nvSpPr>
-          <p:cNvPr id="32" name="Textfeld 31"/>
-          <p:cNvSpPr txBox="1"/>
-          <p:nvPr/>
-        </p:nvSpPr>
-        <p:spPr>
-          <a:xfrm>
-            <a:off x="2123728" y="3140968"/>
-            <a:ext cx="1750031" cy="369332"/>
-          </a:xfrm>
-          <a:prstGeom prst="rect">
-            <a:avLst/>
-          </a:prstGeom>
-          <a:noFill/>
-        </p:spPr>
-        <p:txBody>
-          <a:bodyPr wrap="none" rtlCol="0">
-            <a:spAutoFit/>
-          </a:bodyPr>
-          <a:lstStyle/>
-          <a:p>
-            <a:r>
-              <a:rPr lang="de-DE" dirty="0" smtClean="0"/>
-              <a:t>Nachrichtentext:</a:t>
-            </a:r>
-            <a:endParaRPr lang="de-DE" dirty="0"/>
-          </a:p>
-        </p:txBody>
-      </p:sp>
-      <p:sp>
-        <p:nvSpPr>
-          <p:cNvPr id="39" name="Rechteck 38"/>
-          <p:cNvSpPr/>
-          <p:nvPr/>
-        </p:nvSpPr>
-        <p:spPr>
-          <a:xfrm>
-            <a:off x="6804248" y="4077072"/>
-            <a:ext cx="1872208" cy="360040"/>
+            <a:off x="7668344" y="2276872"/>
+            <a:ext cx="1008112" cy="360040"/>
           </a:xfrm>
           <a:prstGeom prst="rect">
             <a:avLst/>
@@ -7826,7 +8098,7 @@
             <a:pPr algn="ctr"/>
             <a:r>
               <a:rPr lang="de-DE" dirty="0" smtClean="0"/>
-              <a:t>Antworten</a:t>
+              <a:t>Löschen</a:t>
             </a:r>
             <a:endParaRPr lang="de-DE" dirty="0"/>
           </a:p>
@@ -7840,8 +8112,78 @@
         </p:nvSpPr>
         <p:spPr>
           <a:xfrm>
-            <a:off x="4427984" y="4077072"/>
-            <a:ext cx="1872208" cy="360040"/>
+            <a:off x="4427984" y="2699628"/>
+            <a:ext cx="2376264" cy="360040"/>
+          </a:xfrm>
+          <a:prstGeom prst="rect">
+            <a:avLst/>
+          </a:prstGeom>
+        </p:spPr>
+        <p:style>
+          <a:lnRef idx="2">
+            <a:schemeClr val="accent1">
+              <a:shade val="50000"/>
+            </a:schemeClr>
+          </a:lnRef>
+          <a:fillRef idx="1">
+            <a:schemeClr val="accent1"/>
+          </a:fillRef>
+          <a:effectRef idx="0">
+            <a:schemeClr val="accent1"/>
+          </a:effectRef>
+          <a:fontRef idx="minor">
+            <a:schemeClr val="lt1"/>
+          </a:fontRef>
+        </p:style>
+        <p:txBody>
+          <a:bodyPr rtlCol="0" anchor="ctr"/>
+          <a:lstStyle/>
+          <a:p>
+            <a:pPr algn="ctr"/>
+            <a:endParaRPr lang="de-DE"/>
+          </a:p>
+        </p:txBody>
+      </p:sp>
+      <p:sp>
+        <p:nvSpPr>
+          <p:cNvPr id="15" name="Textfeld 14"/>
+          <p:cNvSpPr txBox="1"/>
+          <p:nvPr/>
+        </p:nvSpPr>
+        <p:spPr>
+          <a:xfrm>
+            <a:off x="2123728" y="2699628"/>
+            <a:ext cx="1323889" cy="369332"/>
+          </a:xfrm>
+          <a:prstGeom prst="rect">
+            <a:avLst/>
+          </a:prstGeom>
+          <a:noFill/>
+        </p:spPr>
+        <p:txBody>
+          <a:bodyPr wrap="none" rtlCol="0">
+            <a:spAutoFit/>
+          </a:bodyPr>
+          <a:lstStyle/>
+          <a:p>
+            <a:r>
+              <a:rPr lang="de-DE" dirty="0" smtClean="0"/>
+              <a:t>Nachricht 2:</a:t>
+            </a:r>
+            <a:endParaRPr lang="de-DE" dirty="0"/>
+          </a:p>
+        </p:txBody>
+      </p:sp>
+      <p:sp>
+        <p:nvSpPr>
+          <p:cNvPr id="16" name="Rechteck 15"/>
+          <p:cNvSpPr/>
+          <p:nvPr/>
+        </p:nvSpPr>
+        <p:spPr>
+          <a:xfrm>
+            <a:off x="7668344" y="2699628"/>
+            <a:ext cx="1008112" cy="360040"/>
           </a:xfrm>
           <a:prstGeom prst="rect">
             <a:avLst/>
@@ -7890,14 +8232,14 @@
       </p:sp>
       <p:sp>
         <p:nvSpPr>
-          <p:cNvPr id="15" name="Rechteck 14"/>
+          <p:cNvPr id="17" name="Rechteck 16"/>
           <p:cNvSpPr/>
           <p:nvPr/>
         </p:nvSpPr>
         <p:spPr>
           <a:xfrm>
-            <a:off x="4427984" y="2699628"/>
-            <a:ext cx="4248472" cy="360040"/>
+            <a:off x="4427984" y="3131676"/>
+            <a:ext cx="2376264" cy="360040"/>
           </a:xfrm>
           <a:prstGeom prst="rect">
             <a:avLst/>
@@ -7930,14 +8272,14 @@
       </p:sp>
       <p:sp>
         <p:nvSpPr>
-          <p:cNvPr id="16" name="Textfeld 15"/>
+          <p:cNvPr id="18" name="Textfeld 17"/>
           <p:cNvSpPr txBox="1"/>
           <p:nvPr/>
         </p:nvSpPr>
         <p:spPr>
           <a:xfrm>
-            <a:off x="2123728" y="2699628"/>
-            <a:ext cx="1297984" cy="369332"/>
+            <a:off x="2123728" y="3131676"/>
+            <a:ext cx="1323889" cy="369332"/>
           </a:xfrm>
           <a:prstGeom prst="rect">
             <a:avLst/>
@@ -7952,7 +8294,625 @@
           <a:p>
             <a:r>
               <a:rPr lang="de-DE" dirty="0" smtClean="0"/>
-              <a:t>Überschrift:</a:t>
+              <a:t>Nachricht 3:</a:t>
+            </a:r>
+            <a:endParaRPr lang="de-DE" dirty="0"/>
+          </a:p>
+        </p:txBody>
+      </p:sp>
+      <p:sp>
+        <p:nvSpPr>
+          <p:cNvPr id="19" name="Rechteck 18"/>
+          <p:cNvSpPr/>
+          <p:nvPr/>
+        </p:nvSpPr>
+        <p:spPr>
+          <a:xfrm>
+            <a:off x="7668344" y="3131676"/>
+            <a:ext cx="1008112" cy="360040"/>
+          </a:xfrm>
+          <a:prstGeom prst="rect">
+            <a:avLst/>
+          </a:prstGeom>
+          <a:solidFill>
+            <a:schemeClr val="accent3">
+              <a:lumMod val="75000"/>
+            </a:schemeClr>
+          </a:solidFill>
+          <a:ln>
+            <a:solidFill>
+              <a:schemeClr val="accent3">
+                <a:lumMod val="50000"/>
+              </a:schemeClr>
+            </a:solidFill>
+          </a:ln>
+        </p:spPr>
+        <p:style>
+          <a:lnRef idx="2">
+            <a:schemeClr val="accent1">
+              <a:shade val="50000"/>
+            </a:schemeClr>
+          </a:lnRef>
+          <a:fillRef idx="1">
+            <a:schemeClr val="accent1"/>
+          </a:fillRef>
+          <a:effectRef idx="0">
+            <a:schemeClr val="accent1"/>
+          </a:effectRef>
+          <a:fontRef idx="minor">
+            <a:schemeClr val="lt1"/>
+          </a:fontRef>
+        </p:style>
+        <p:txBody>
+          <a:bodyPr rtlCol="0" anchor="ctr"/>
+          <a:lstStyle/>
+          <a:p>
+            <a:pPr algn="ctr"/>
+            <a:r>
+              <a:rPr lang="de-DE" dirty="0" smtClean="0"/>
+              <a:t>Löschen</a:t>
+            </a:r>
+            <a:endParaRPr lang="de-DE" dirty="0"/>
+          </a:p>
+        </p:txBody>
+      </p:sp>
+      <p:sp>
+        <p:nvSpPr>
+          <p:cNvPr id="20" name="Rechteck 19"/>
+          <p:cNvSpPr/>
+          <p:nvPr/>
+        </p:nvSpPr>
+        <p:spPr>
+          <a:xfrm>
+            <a:off x="4427984" y="3563724"/>
+            <a:ext cx="2376264" cy="360040"/>
+          </a:xfrm>
+          <a:prstGeom prst="rect">
+            <a:avLst/>
+          </a:prstGeom>
+        </p:spPr>
+        <p:style>
+          <a:lnRef idx="2">
+            <a:schemeClr val="accent1">
+              <a:shade val="50000"/>
+            </a:schemeClr>
+          </a:lnRef>
+          <a:fillRef idx="1">
+            <a:schemeClr val="accent1"/>
+          </a:fillRef>
+          <a:effectRef idx="0">
+            <a:schemeClr val="accent1"/>
+          </a:effectRef>
+          <a:fontRef idx="minor">
+            <a:schemeClr val="lt1"/>
+          </a:fontRef>
+        </p:style>
+        <p:txBody>
+          <a:bodyPr rtlCol="0" anchor="ctr"/>
+          <a:lstStyle/>
+          <a:p>
+            <a:pPr algn="ctr"/>
+            <a:endParaRPr lang="de-DE"/>
+          </a:p>
+        </p:txBody>
+      </p:sp>
+      <p:sp>
+        <p:nvSpPr>
+          <p:cNvPr id="21" name="Textfeld 20"/>
+          <p:cNvSpPr txBox="1"/>
+          <p:nvPr/>
+        </p:nvSpPr>
+        <p:spPr>
+          <a:xfrm>
+            <a:off x="2123728" y="3563724"/>
+            <a:ext cx="1323889" cy="369332"/>
+          </a:xfrm>
+          <a:prstGeom prst="rect">
+            <a:avLst/>
+          </a:prstGeom>
+          <a:noFill/>
+        </p:spPr>
+        <p:txBody>
+          <a:bodyPr wrap="none" rtlCol="0">
+            <a:spAutoFit/>
+          </a:bodyPr>
+          <a:lstStyle/>
+          <a:p>
+            <a:r>
+              <a:rPr lang="de-DE" dirty="0" smtClean="0"/>
+              <a:t>Nachricht 4:</a:t>
+            </a:r>
+            <a:endParaRPr lang="de-DE" dirty="0"/>
+          </a:p>
+        </p:txBody>
+      </p:sp>
+      <p:sp>
+        <p:nvSpPr>
+          <p:cNvPr id="22" name="Rechteck 21"/>
+          <p:cNvSpPr/>
+          <p:nvPr/>
+        </p:nvSpPr>
+        <p:spPr>
+          <a:xfrm>
+            <a:off x="7668344" y="3563724"/>
+            <a:ext cx="1008112" cy="360040"/>
+          </a:xfrm>
+          <a:prstGeom prst="rect">
+            <a:avLst/>
+          </a:prstGeom>
+          <a:solidFill>
+            <a:schemeClr val="accent3">
+              <a:lumMod val="75000"/>
+            </a:schemeClr>
+          </a:solidFill>
+          <a:ln>
+            <a:solidFill>
+              <a:schemeClr val="accent3">
+                <a:lumMod val="50000"/>
+              </a:schemeClr>
+            </a:solidFill>
+          </a:ln>
+        </p:spPr>
+        <p:style>
+          <a:lnRef idx="2">
+            <a:schemeClr val="accent1">
+              <a:shade val="50000"/>
+            </a:schemeClr>
+          </a:lnRef>
+          <a:fillRef idx="1">
+            <a:schemeClr val="accent1"/>
+          </a:fillRef>
+          <a:effectRef idx="0">
+            <a:schemeClr val="accent1"/>
+          </a:effectRef>
+          <a:fontRef idx="minor">
+            <a:schemeClr val="lt1"/>
+          </a:fontRef>
+        </p:style>
+        <p:txBody>
+          <a:bodyPr rtlCol="0" anchor="ctr"/>
+          <a:lstStyle/>
+          <a:p>
+            <a:pPr algn="ctr"/>
+            <a:r>
+              <a:rPr lang="de-DE" dirty="0" smtClean="0"/>
+              <a:t>Löschen</a:t>
+            </a:r>
+            <a:endParaRPr lang="de-DE" dirty="0"/>
+          </a:p>
+        </p:txBody>
+      </p:sp>
+      <p:sp>
+        <p:nvSpPr>
+          <p:cNvPr id="24" name="Textfeld 23"/>
+          <p:cNvSpPr txBox="1"/>
+          <p:nvPr/>
+        </p:nvSpPr>
+        <p:spPr>
+          <a:xfrm>
+            <a:off x="5280239" y="3995772"/>
+            <a:ext cx="354094" cy="369332"/>
+          </a:xfrm>
+          <a:prstGeom prst="rect">
+            <a:avLst/>
+          </a:prstGeom>
+          <a:noFill/>
+        </p:spPr>
+        <p:txBody>
+          <a:bodyPr wrap="square" rtlCol="0">
+            <a:spAutoFit/>
+          </a:bodyPr>
+          <a:lstStyle/>
+          <a:p>
+            <a:r>
+              <a:rPr lang="de-DE" dirty="0" smtClean="0"/>
+              <a:t>…</a:t>
+            </a:r>
+            <a:endParaRPr lang="de-DE" dirty="0"/>
+          </a:p>
+        </p:txBody>
+      </p:sp>
+      <p:sp>
+        <p:nvSpPr>
+          <p:cNvPr id="26" name="Rechteck 25"/>
+          <p:cNvSpPr/>
+          <p:nvPr/>
+        </p:nvSpPr>
+        <p:spPr>
+          <a:xfrm>
+            <a:off x="4427984" y="4427820"/>
+            <a:ext cx="2376264" cy="360040"/>
+          </a:xfrm>
+          <a:prstGeom prst="rect">
+            <a:avLst/>
+          </a:prstGeom>
+        </p:spPr>
+        <p:style>
+          <a:lnRef idx="2">
+            <a:schemeClr val="accent1">
+              <a:shade val="50000"/>
+            </a:schemeClr>
+          </a:lnRef>
+          <a:fillRef idx="1">
+            <a:schemeClr val="accent1"/>
+          </a:fillRef>
+          <a:effectRef idx="0">
+            <a:schemeClr val="accent1"/>
+          </a:effectRef>
+          <a:fontRef idx="minor">
+            <a:schemeClr val="lt1"/>
+          </a:fontRef>
+        </p:style>
+        <p:txBody>
+          <a:bodyPr rtlCol="0" anchor="ctr"/>
+          <a:lstStyle/>
+          <a:p>
+            <a:pPr algn="ctr"/>
+            <a:endParaRPr lang="de-DE"/>
+          </a:p>
+        </p:txBody>
+      </p:sp>
+      <p:sp>
+        <p:nvSpPr>
+          <p:cNvPr id="27" name="Textfeld 26"/>
+          <p:cNvSpPr txBox="1"/>
+          <p:nvPr/>
+        </p:nvSpPr>
+        <p:spPr>
+          <a:xfrm>
+            <a:off x="2123728" y="4427820"/>
+            <a:ext cx="1323889" cy="369332"/>
+          </a:xfrm>
+          <a:prstGeom prst="rect">
+            <a:avLst/>
+          </a:prstGeom>
+          <a:noFill/>
+        </p:spPr>
+        <p:txBody>
+          <a:bodyPr wrap="none" rtlCol="0">
+            <a:spAutoFit/>
+          </a:bodyPr>
+          <a:lstStyle/>
+          <a:p>
+            <a:r>
+              <a:rPr lang="de-DE" dirty="0" smtClean="0"/>
+              <a:t>Nachricht n:</a:t>
+            </a:r>
+            <a:endParaRPr lang="de-DE" dirty="0"/>
+          </a:p>
+        </p:txBody>
+      </p:sp>
+      <p:sp>
+        <p:nvSpPr>
+          <p:cNvPr id="28" name="Rechteck 27"/>
+          <p:cNvSpPr/>
+          <p:nvPr/>
+        </p:nvSpPr>
+        <p:spPr>
+          <a:xfrm>
+            <a:off x="7668344" y="4427820"/>
+            <a:ext cx="1008112" cy="360040"/>
+          </a:xfrm>
+          <a:prstGeom prst="rect">
+            <a:avLst/>
+          </a:prstGeom>
+          <a:solidFill>
+            <a:schemeClr val="accent3">
+              <a:lumMod val="75000"/>
+            </a:schemeClr>
+          </a:solidFill>
+          <a:ln>
+            <a:solidFill>
+              <a:schemeClr val="accent3">
+                <a:lumMod val="50000"/>
+              </a:schemeClr>
+            </a:solidFill>
+          </a:ln>
+        </p:spPr>
+        <p:style>
+          <a:lnRef idx="2">
+            <a:schemeClr val="accent1">
+              <a:shade val="50000"/>
+            </a:schemeClr>
+          </a:lnRef>
+          <a:fillRef idx="1">
+            <a:schemeClr val="accent1"/>
+          </a:fillRef>
+          <a:effectRef idx="0">
+            <a:schemeClr val="accent1"/>
+          </a:effectRef>
+          <a:fontRef idx="minor">
+            <a:schemeClr val="lt1"/>
+          </a:fontRef>
+        </p:style>
+        <p:txBody>
+          <a:bodyPr rtlCol="0" anchor="ctr"/>
+          <a:lstStyle/>
+          <a:p>
+            <a:pPr algn="ctr"/>
+            <a:r>
+              <a:rPr lang="de-DE" dirty="0" smtClean="0"/>
+              <a:t>Löschen</a:t>
+            </a:r>
+            <a:endParaRPr lang="de-DE" dirty="0"/>
+          </a:p>
+        </p:txBody>
+      </p:sp>
+      <p:sp>
+        <p:nvSpPr>
+          <p:cNvPr id="42" name="Rechteck 41"/>
+          <p:cNvSpPr/>
+          <p:nvPr/>
+        </p:nvSpPr>
+        <p:spPr>
+          <a:xfrm>
+            <a:off x="6876256" y="2276872"/>
+            <a:ext cx="720080" cy="360040"/>
+          </a:xfrm>
+          <a:prstGeom prst="rect">
+            <a:avLst/>
+          </a:prstGeom>
+          <a:solidFill>
+            <a:schemeClr val="accent3">
+              <a:lumMod val="75000"/>
+            </a:schemeClr>
+          </a:solidFill>
+          <a:ln>
+            <a:solidFill>
+              <a:schemeClr val="accent3">
+                <a:lumMod val="50000"/>
+              </a:schemeClr>
+            </a:solidFill>
+          </a:ln>
+        </p:spPr>
+        <p:style>
+          <a:lnRef idx="2">
+            <a:schemeClr val="accent1">
+              <a:shade val="50000"/>
+            </a:schemeClr>
+          </a:lnRef>
+          <a:fillRef idx="1">
+            <a:schemeClr val="accent1"/>
+          </a:fillRef>
+          <a:effectRef idx="0">
+            <a:schemeClr val="accent1"/>
+          </a:effectRef>
+          <a:fontRef idx="minor">
+            <a:schemeClr val="lt1"/>
+          </a:fontRef>
+        </p:style>
+        <p:txBody>
+          <a:bodyPr rtlCol="0" anchor="ctr"/>
+          <a:lstStyle/>
+          <a:p>
+            <a:pPr algn="ctr"/>
+            <a:r>
+              <a:rPr lang="de-DE" dirty="0" smtClean="0"/>
+              <a:t>Lesen</a:t>
+            </a:r>
+            <a:endParaRPr lang="de-DE" dirty="0"/>
+          </a:p>
+        </p:txBody>
+      </p:sp>
+      <p:sp>
+        <p:nvSpPr>
+          <p:cNvPr id="43" name="Rechteck 42"/>
+          <p:cNvSpPr/>
+          <p:nvPr/>
+        </p:nvSpPr>
+        <p:spPr>
+          <a:xfrm>
+            <a:off x="6876256" y="2699628"/>
+            <a:ext cx="720080" cy="360040"/>
+          </a:xfrm>
+          <a:prstGeom prst="rect">
+            <a:avLst/>
+          </a:prstGeom>
+          <a:solidFill>
+            <a:schemeClr val="accent3">
+              <a:lumMod val="75000"/>
+            </a:schemeClr>
+          </a:solidFill>
+          <a:ln>
+            <a:solidFill>
+              <a:schemeClr val="accent3">
+                <a:lumMod val="50000"/>
+              </a:schemeClr>
+            </a:solidFill>
+          </a:ln>
+        </p:spPr>
+        <p:style>
+          <a:lnRef idx="2">
+            <a:schemeClr val="accent1">
+              <a:shade val="50000"/>
+            </a:schemeClr>
+          </a:lnRef>
+          <a:fillRef idx="1">
+            <a:schemeClr val="accent1"/>
+          </a:fillRef>
+          <a:effectRef idx="0">
+            <a:schemeClr val="accent1"/>
+          </a:effectRef>
+          <a:fontRef idx="minor">
+            <a:schemeClr val="lt1"/>
+          </a:fontRef>
+        </p:style>
+        <p:txBody>
+          <a:bodyPr rtlCol="0" anchor="ctr"/>
+          <a:lstStyle/>
+          <a:p>
+            <a:pPr algn="ctr"/>
+            <a:r>
+              <a:rPr lang="de-DE" dirty="0" smtClean="0"/>
+              <a:t>Lesen</a:t>
+            </a:r>
+            <a:endParaRPr lang="de-DE" dirty="0"/>
+          </a:p>
+        </p:txBody>
+      </p:sp>
+      <p:sp>
+        <p:nvSpPr>
+          <p:cNvPr id="44" name="Rechteck 43"/>
+          <p:cNvSpPr/>
+          <p:nvPr/>
+        </p:nvSpPr>
+        <p:spPr>
+          <a:xfrm>
+            <a:off x="6876256" y="3131676"/>
+            <a:ext cx="720080" cy="360040"/>
+          </a:xfrm>
+          <a:prstGeom prst="rect">
+            <a:avLst/>
+          </a:prstGeom>
+          <a:solidFill>
+            <a:schemeClr val="accent3">
+              <a:lumMod val="75000"/>
+            </a:schemeClr>
+          </a:solidFill>
+          <a:ln>
+            <a:solidFill>
+              <a:schemeClr val="accent3">
+                <a:lumMod val="50000"/>
+              </a:schemeClr>
+            </a:solidFill>
+          </a:ln>
+        </p:spPr>
+        <p:style>
+          <a:lnRef idx="2">
+            <a:schemeClr val="accent1">
+              <a:shade val="50000"/>
+            </a:schemeClr>
+          </a:lnRef>
+          <a:fillRef idx="1">
+            <a:schemeClr val="accent1"/>
+          </a:fillRef>
+          <a:effectRef idx="0">
+            <a:schemeClr val="accent1"/>
+          </a:effectRef>
+          <a:fontRef idx="minor">
+            <a:schemeClr val="lt1"/>
+          </a:fontRef>
+        </p:style>
+        <p:txBody>
+          <a:bodyPr rtlCol="0" anchor="ctr"/>
+          <a:lstStyle/>
+          <a:p>
+            <a:pPr algn="ctr"/>
+            <a:r>
+              <a:rPr lang="de-DE" dirty="0" smtClean="0"/>
+              <a:t>Lesen</a:t>
+            </a:r>
+            <a:endParaRPr lang="de-DE" dirty="0"/>
+          </a:p>
+        </p:txBody>
+      </p:sp>
+      <p:sp>
+        <p:nvSpPr>
+          <p:cNvPr id="45" name="Rechteck 44"/>
+          <p:cNvSpPr/>
+          <p:nvPr/>
+        </p:nvSpPr>
+        <p:spPr>
+          <a:xfrm>
+            <a:off x="6876256" y="3563724"/>
+            <a:ext cx="720080" cy="360040"/>
+          </a:xfrm>
+          <a:prstGeom prst="rect">
+            <a:avLst/>
+          </a:prstGeom>
+          <a:solidFill>
+            <a:schemeClr val="accent3">
+              <a:lumMod val="75000"/>
+            </a:schemeClr>
+          </a:solidFill>
+          <a:ln>
+            <a:solidFill>
+              <a:schemeClr val="accent3">
+                <a:lumMod val="50000"/>
+              </a:schemeClr>
+            </a:solidFill>
+          </a:ln>
+        </p:spPr>
+        <p:style>
+          <a:lnRef idx="2">
+            <a:schemeClr val="accent1">
+              <a:shade val="50000"/>
+            </a:schemeClr>
+          </a:lnRef>
+          <a:fillRef idx="1">
+            <a:schemeClr val="accent1"/>
+          </a:fillRef>
+          <a:effectRef idx="0">
+            <a:schemeClr val="accent1"/>
+          </a:effectRef>
+          <a:fontRef idx="minor">
+            <a:schemeClr val="lt1"/>
+          </a:fontRef>
+        </p:style>
+        <p:txBody>
+          <a:bodyPr rtlCol="0" anchor="ctr"/>
+          <a:lstStyle/>
+          <a:p>
+            <a:pPr algn="ctr"/>
+            <a:r>
+              <a:rPr lang="de-DE" dirty="0" smtClean="0"/>
+              <a:t>Lesen</a:t>
+            </a:r>
+            <a:endParaRPr lang="de-DE" dirty="0"/>
+          </a:p>
+        </p:txBody>
+      </p:sp>
+      <p:sp>
+        <p:nvSpPr>
+          <p:cNvPr id="46" name="Rechteck 45"/>
+          <p:cNvSpPr/>
+          <p:nvPr/>
+        </p:nvSpPr>
+        <p:spPr>
+          <a:xfrm>
+            <a:off x="6876256" y="4427820"/>
+            <a:ext cx="720080" cy="360040"/>
+          </a:xfrm>
+          <a:prstGeom prst="rect">
+            <a:avLst/>
+          </a:prstGeom>
+          <a:solidFill>
+            <a:schemeClr val="accent3">
+              <a:lumMod val="75000"/>
+            </a:schemeClr>
+          </a:solidFill>
+          <a:ln>
+            <a:solidFill>
+              <a:schemeClr val="accent3">
+                <a:lumMod val="50000"/>
+              </a:schemeClr>
+            </a:solidFill>
+          </a:ln>
+        </p:spPr>
+        <p:style>
+          <a:lnRef idx="2">
+            <a:schemeClr val="accent1">
+              <a:shade val="50000"/>
+            </a:schemeClr>
+          </a:lnRef>
+          <a:fillRef idx="1">
+            <a:schemeClr val="accent1"/>
+          </a:fillRef>
+          <a:effectRef idx="0">
+            <a:schemeClr val="accent1"/>
+          </a:effectRef>
+          <a:fontRef idx="minor">
+            <a:schemeClr val="lt1"/>
+          </a:fontRef>
+        </p:style>
+        <p:txBody>
+          <a:bodyPr rtlCol="0" anchor="ctr"/>
+          <a:lstStyle/>
+          <a:p>
+            <a:pPr algn="ctr"/>
+            <a:r>
+              <a:rPr lang="de-DE" dirty="0" smtClean="0"/>
+              <a:t>Lesen</a:t>
             </a:r>
             <a:endParaRPr lang="de-DE" dirty="0"/>
           </a:p>
@@ -7985,42 +8945,14 @@
       </p:grpSpPr>
       <p:sp>
         <p:nvSpPr>
-          <p:cNvPr id="5" name="Inhaltsplatzhalter 4"/>
-          <p:cNvSpPr>
-            <a:spLocks noGrp="1"/>
-          </p:cNvSpPr>
-          <p:nvPr>
-            <p:ph idx="1"/>
-          </p:nvPr>
-        </p:nvSpPr>
-        <p:spPr>
-          <a:xfrm>
-            <a:off x="457200" y="1600200"/>
-            <a:ext cx="8435280" cy="4525963"/>
-          </a:xfrm>
-        </p:spPr>
-        <p:txBody>
-          <a:bodyPr/>
-          <a:lstStyle/>
-          <a:p>
-            <a:r>
-              <a:rPr lang="de-DE" dirty="0" smtClean="0"/>
-              <a:t>Event anlegen/bestätigen/teilnehmen/absagen</a:t>
-            </a:r>
-            <a:endParaRPr lang="de-DE" dirty="0"/>
-          </a:p>
-        </p:txBody>
-      </p:sp>
-      <p:sp>
-        <p:nvSpPr>
-          <p:cNvPr id="32" name="Rechteck 31"/>
+          <p:cNvPr id="49" name="Rechteck 48"/>
           <p:cNvSpPr/>
           <p:nvPr/>
         </p:nvSpPr>
         <p:spPr>
           <a:xfrm>
-            <a:off x="4716016" y="2132856"/>
-            <a:ext cx="2304256" cy="864096"/>
+            <a:off x="5220072" y="5733256"/>
+            <a:ext cx="3528392" cy="1080120"/>
           </a:xfrm>
           <a:prstGeom prst="rect">
             <a:avLst/>
@@ -8066,7 +8998,7 @@
                   <a:schemeClr val="tx1"/>
                 </a:solidFill>
               </a:rPr>
-              <a:t>Teilnehmer</a:t>
+              <a:t>Organisator</a:t>
             </a:r>
             <a:endParaRPr lang="de-DE" dirty="0">
               <a:solidFill>
@@ -8078,871 +9010,7 @@
       </p:sp>
       <p:sp>
         <p:nvSpPr>
-          <p:cNvPr id="4" name="Titel 3"/>
-          <p:cNvSpPr>
-            <a:spLocks noGrp="1"/>
-          </p:cNvSpPr>
-          <p:nvPr>
-            <p:ph type="title"/>
-          </p:nvPr>
-        </p:nvSpPr>
-        <p:spPr/>
-        <p:txBody>
-          <a:bodyPr>
-            <a:normAutofit/>
-          </a:bodyPr>
-          <a:lstStyle/>
-          <a:p>
-            <a:r>
-              <a:rPr lang="de-DE" dirty="0" smtClean="0"/>
-              <a:t>Event</a:t>
-            </a:r>
-            <a:endParaRPr lang="de-DE" dirty="0"/>
-          </a:p>
-        </p:txBody>
-      </p:sp>
-      <p:sp>
-        <p:nvSpPr>
-          <p:cNvPr id="12" name="Rechteck 11"/>
-          <p:cNvSpPr/>
-          <p:nvPr/>
-        </p:nvSpPr>
-        <p:spPr>
-          <a:xfrm>
-            <a:off x="3059832" y="2996952"/>
-            <a:ext cx="1440160" cy="360040"/>
-          </a:xfrm>
-          <a:prstGeom prst="rect">
-            <a:avLst/>
-          </a:prstGeom>
-        </p:spPr>
-        <p:style>
-          <a:lnRef idx="2">
-            <a:schemeClr val="accent1">
-              <a:shade val="50000"/>
-            </a:schemeClr>
-          </a:lnRef>
-          <a:fillRef idx="1">
-            <a:schemeClr val="accent1"/>
-          </a:fillRef>
-          <a:effectRef idx="0">
-            <a:schemeClr val="accent1"/>
-          </a:effectRef>
-          <a:fontRef idx="minor">
-            <a:schemeClr val="lt1"/>
-          </a:fontRef>
-        </p:style>
-        <p:txBody>
-          <a:bodyPr rtlCol="0" anchor="ctr"/>
-          <a:lstStyle/>
-          <a:p>
-            <a:pPr algn="ctr"/>
-            <a:endParaRPr lang="de-DE"/>
-          </a:p>
-        </p:txBody>
-      </p:sp>
-      <p:sp>
-        <p:nvSpPr>
-          <p:cNvPr id="17" name="Rechteck 16"/>
-          <p:cNvSpPr/>
-          <p:nvPr/>
-        </p:nvSpPr>
-        <p:spPr>
-          <a:xfrm>
-            <a:off x="3059832" y="3419708"/>
-            <a:ext cx="1440160" cy="801380"/>
-          </a:xfrm>
-          <a:prstGeom prst="rect">
-            <a:avLst/>
-          </a:prstGeom>
-        </p:spPr>
-        <p:style>
-          <a:lnRef idx="2">
-            <a:schemeClr val="accent1">
-              <a:shade val="50000"/>
-            </a:schemeClr>
-          </a:lnRef>
-          <a:fillRef idx="1">
-            <a:schemeClr val="accent1"/>
-          </a:fillRef>
-          <a:effectRef idx="0">
-            <a:schemeClr val="accent1"/>
-          </a:effectRef>
-          <a:fontRef idx="minor">
-            <a:schemeClr val="lt1"/>
-          </a:fontRef>
-        </p:style>
-        <p:txBody>
-          <a:bodyPr rtlCol="0" anchor="ctr"/>
-          <a:lstStyle/>
-          <a:p>
-            <a:pPr algn="ctr"/>
-            <a:endParaRPr lang="de-DE"/>
-          </a:p>
-        </p:txBody>
-      </p:sp>
-      <p:sp>
-        <p:nvSpPr>
-          <p:cNvPr id="13" name="Textfeld 12"/>
-          <p:cNvSpPr txBox="1"/>
-          <p:nvPr/>
-        </p:nvSpPr>
-        <p:spPr>
-          <a:xfrm>
-            <a:off x="755576" y="2996952"/>
-            <a:ext cx="655051" cy="369332"/>
-          </a:xfrm>
-          <a:prstGeom prst="rect">
-            <a:avLst/>
-          </a:prstGeom>
-          <a:noFill/>
-        </p:spPr>
-        <p:txBody>
-          <a:bodyPr wrap="none" rtlCol="0">
-            <a:spAutoFit/>
-          </a:bodyPr>
-          <a:lstStyle/>
-          <a:p>
-            <a:r>
-              <a:rPr lang="de-DE" dirty="0" smtClean="0"/>
-              <a:t>Titel:</a:t>
-            </a:r>
-            <a:endParaRPr lang="de-DE" dirty="0"/>
-          </a:p>
-        </p:txBody>
-      </p:sp>
-      <p:sp>
-        <p:nvSpPr>
-          <p:cNvPr id="18" name="Textfeld 17"/>
-          <p:cNvSpPr txBox="1"/>
-          <p:nvPr/>
-        </p:nvSpPr>
-        <p:spPr>
-          <a:xfrm>
-            <a:off x="755576" y="3419708"/>
-            <a:ext cx="1516954" cy="369332"/>
-          </a:xfrm>
-          <a:prstGeom prst="rect">
-            <a:avLst/>
-          </a:prstGeom>
-          <a:noFill/>
-        </p:spPr>
-        <p:txBody>
-          <a:bodyPr wrap="none" rtlCol="0">
-            <a:spAutoFit/>
-          </a:bodyPr>
-          <a:lstStyle/>
-          <a:p>
-            <a:r>
-              <a:rPr lang="de-DE" dirty="0" smtClean="0"/>
-              <a:t>Beschreibung:</a:t>
-            </a:r>
-            <a:endParaRPr lang="de-DE" dirty="0"/>
-          </a:p>
-        </p:txBody>
-      </p:sp>
-      <p:sp>
-        <p:nvSpPr>
-          <p:cNvPr id="21" name="Rechteck 20"/>
-          <p:cNvSpPr/>
-          <p:nvPr/>
-        </p:nvSpPr>
-        <p:spPr>
-          <a:xfrm>
-            <a:off x="3059832" y="4283804"/>
-            <a:ext cx="1440160" cy="360040"/>
-          </a:xfrm>
-          <a:prstGeom prst="rect">
-            <a:avLst/>
-          </a:prstGeom>
-        </p:spPr>
-        <p:style>
-          <a:lnRef idx="2">
-            <a:schemeClr val="accent1">
-              <a:shade val="50000"/>
-            </a:schemeClr>
-          </a:lnRef>
-          <a:fillRef idx="1">
-            <a:schemeClr val="accent1"/>
-          </a:fillRef>
-          <a:effectRef idx="0">
-            <a:schemeClr val="accent1"/>
-          </a:effectRef>
-          <a:fontRef idx="minor">
-            <a:schemeClr val="lt1"/>
-          </a:fontRef>
-        </p:style>
-        <p:txBody>
-          <a:bodyPr rtlCol="0" anchor="ctr"/>
-          <a:lstStyle/>
-          <a:p>
-            <a:pPr algn="ctr"/>
-            <a:endParaRPr lang="de-DE"/>
-          </a:p>
-        </p:txBody>
-      </p:sp>
-      <p:sp>
-        <p:nvSpPr>
-          <p:cNvPr id="22" name="Textfeld 21"/>
-          <p:cNvSpPr txBox="1"/>
-          <p:nvPr/>
-        </p:nvSpPr>
-        <p:spPr>
-          <a:xfrm>
-            <a:off x="755576" y="4283804"/>
-            <a:ext cx="1139607" cy="369332"/>
-          </a:xfrm>
-          <a:prstGeom prst="rect">
-            <a:avLst/>
-          </a:prstGeom>
-          <a:noFill/>
-        </p:spPr>
-        <p:txBody>
-          <a:bodyPr wrap="none" rtlCol="0">
-            <a:spAutoFit/>
-          </a:bodyPr>
-          <a:lstStyle/>
-          <a:p>
-            <a:r>
-              <a:rPr lang="de-DE" dirty="0" smtClean="0"/>
-              <a:t>Kategorie:</a:t>
-            </a:r>
-            <a:endParaRPr lang="de-DE" dirty="0"/>
-          </a:p>
-        </p:txBody>
-      </p:sp>
-      <p:sp>
-        <p:nvSpPr>
-          <p:cNvPr id="23" name="Rechteck 22"/>
-          <p:cNvSpPr/>
-          <p:nvPr/>
-        </p:nvSpPr>
-        <p:spPr>
-          <a:xfrm>
-            <a:off x="3059832" y="4715852"/>
-            <a:ext cx="1440160" cy="360040"/>
-          </a:xfrm>
-          <a:prstGeom prst="rect">
-            <a:avLst/>
-          </a:prstGeom>
-        </p:spPr>
-        <p:style>
-          <a:lnRef idx="2">
-            <a:schemeClr val="accent1">
-              <a:shade val="50000"/>
-            </a:schemeClr>
-          </a:lnRef>
-          <a:fillRef idx="1">
-            <a:schemeClr val="accent1"/>
-          </a:fillRef>
-          <a:effectRef idx="0">
-            <a:schemeClr val="accent1"/>
-          </a:effectRef>
-          <a:fontRef idx="minor">
-            <a:schemeClr val="lt1"/>
-          </a:fontRef>
-        </p:style>
-        <p:txBody>
-          <a:bodyPr rtlCol="0" anchor="ctr"/>
-          <a:lstStyle/>
-          <a:p>
-            <a:pPr algn="ctr"/>
-            <a:endParaRPr lang="de-DE"/>
-          </a:p>
-        </p:txBody>
-      </p:sp>
-      <p:sp>
-        <p:nvSpPr>
-          <p:cNvPr id="24" name="Textfeld 23"/>
-          <p:cNvSpPr txBox="1"/>
-          <p:nvPr/>
-        </p:nvSpPr>
-        <p:spPr>
-          <a:xfrm>
-            <a:off x="755576" y="4715852"/>
-            <a:ext cx="1660647" cy="369332"/>
-          </a:xfrm>
-          <a:prstGeom prst="rect">
-            <a:avLst/>
-          </a:prstGeom>
-          <a:noFill/>
-        </p:spPr>
-        <p:txBody>
-          <a:bodyPr wrap="none" rtlCol="0">
-            <a:spAutoFit/>
-          </a:bodyPr>
-          <a:lstStyle/>
-          <a:p>
-            <a:r>
-              <a:rPr lang="de-DE" dirty="0" smtClean="0"/>
-              <a:t>Unterkategorie:</a:t>
-            </a:r>
-            <a:endParaRPr lang="de-DE" dirty="0"/>
-          </a:p>
-        </p:txBody>
-      </p:sp>
-      <p:sp>
-        <p:nvSpPr>
-          <p:cNvPr id="25" name="Rechteck 24"/>
-          <p:cNvSpPr/>
-          <p:nvPr/>
-        </p:nvSpPr>
-        <p:spPr>
-          <a:xfrm>
-            <a:off x="3059832" y="5147900"/>
-            <a:ext cx="1440160" cy="360040"/>
-          </a:xfrm>
-          <a:prstGeom prst="rect">
-            <a:avLst/>
-          </a:prstGeom>
-        </p:spPr>
-        <p:style>
-          <a:lnRef idx="2">
-            <a:schemeClr val="accent1">
-              <a:shade val="50000"/>
-            </a:schemeClr>
-          </a:lnRef>
-          <a:fillRef idx="1">
-            <a:schemeClr val="accent1"/>
-          </a:fillRef>
-          <a:effectRef idx="0">
-            <a:schemeClr val="accent1"/>
-          </a:effectRef>
-          <a:fontRef idx="minor">
-            <a:schemeClr val="lt1"/>
-          </a:fontRef>
-        </p:style>
-        <p:txBody>
-          <a:bodyPr rtlCol="0" anchor="ctr"/>
-          <a:lstStyle/>
-          <a:p>
-            <a:pPr algn="ctr"/>
-            <a:endParaRPr lang="de-DE"/>
-          </a:p>
-        </p:txBody>
-      </p:sp>
-      <p:sp>
-        <p:nvSpPr>
-          <p:cNvPr id="26" name="Textfeld 25"/>
-          <p:cNvSpPr txBox="1"/>
-          <p:nvPr/>
-        </p:nvSpPr>
-        <p:spPr>
-          <a:xfrm>
-            <a:off x="755576" y="5147900"/>
-            <a:ext cx="701026" cy="369332"/>
-          </a:xfrm>
-          <a:prstGeom prst="rect">
-            <a:avLst/>
-          </a:prstGeom>
-          <a:noFill/>
-        </p:spPr>
-        <p:txBody>
-          <a:bodyPr wrap="none" rtlCol="0">
-            <a:spAutoFit/>
-          </a:bodyPr>
-          <a:lstStyle/>
-          <a:p>
-            <a:r>
-              <a:rPr lang="de-DE" dirty="0" smtClean="0"/>
-              <a:t>Preis:</a:t>
-            </a:r>
-            <a:endParaRPr lang="de-DE" dirty="0"/>
-          </a:p>
-        </p:txBody>
-      </p:sp>
-      <p:sp>
-        <p:nvSpPr>
-          <p:cNvPr id="27" name="Rechteck 26"/>
-          <p:cNvSpPr/>
-          <p:nvPr/>
-        </p:nvSpPr>
-        <p:spPr>
-          <a:xfrm>
-            <a:off x="7164288" y="2996952"/>
-            <a:ext cx="1440160" cy="360040"/>
-          </a:xfrm>
-          <a:prstGeom prst="rect">
-            <a:avLst/>
-          </a:prstGeom>
-        </p:spPr>
-        <p:style>
-          <a:lnRef idx="2">
-            <a:schemeClr val="accent1">
-              <a:shade val="50000"/>
-            </a:schemeClr>
-          </a:lnRef>
-          <a:fillRef idx="1">
-            <a:schemeClr val="accent1"/>
-          </a:fillRef>
-          <a:effectRef idx="0">
-            <a:schemeClr val="accent1"/>
-          </a:effectRef>
-          <a:fontRef idx="minor">
-            <a:schemeClr val="lt1"/>
-          </a:fontRef>
-        </p:style>
-        <p:txBody>
-          <a:bodyPr rtlCol="0" anchor="ctr"/>
-          <a:lstStyle/>
-          <a:p>
-            <a:pPr algn="ctr"/>
-            <a:endParaRPr lang="de-DE"/>
-          </a:p>
-        </p:txBody>
-      </p:sp>
-      <p:sp>
-        <p:nvSpPr>
-          <p:cNvPr id="28" name="Textfeld 27"/>
-          <p:cNvSpPr txBox="1"/>
-          <p:nvPr/>
-        </p:nvSpPr>
-        <p:spPr>
-          <a:xfrm>
-            <a:off x="4860032" y="2996952"/>
-            <a:ext cx="1325299" cy="369332"/>
-          </a:xfrm>
-          <a:prstGeom prst="rect">
-            <a:avLst/>
-          </a:prstGeom>
-          <a:noFill/>
-        </p:spPr>
-        <p:txBody>
-          <a:bodyPr wrap="none" rtlCol="0">
-            <a:spAutoFit/>
-          </a:bodyPr>
-          <a:lstStyle/>
-          <a:p>
-            <a:r>
-              <a:rPr lang="de-DE" dirty="0" smtClean="0"/>
-              <a:t>Freie Plätze:</a:t>
-            </a:r>
-            <a:endParaRPr lang="de-DE" dirty="0"/>
-          </a:p>
-        </p:txBody>
-      </p:sp>
-      <p:sp>
-        <p:nvSpPr>
-          <p:cNvPr id="33" name="Rechteck 32"/>
-          <p:cNvSpPr/>
-          <p:nvPr/>
-        </p:nvSpPr>
-        <p:spPr>
-          <a:xfrm>
-            <a:off x="7164288" y="3429000"/>
-            <a:ext cx="1440160" cy="360040"/>
-          </a:xfrm>
-          <a:prstGeom prst="rect">
-            <a:avLst/>
-          </a:prstGeom>
-        </p:spPr>
-        <p:style>
-          <a:lnRef idx="2">
-            <a:schemeClr val="accent1">
-              <a:shade val="50000"/>
-            </a:schemeClr>
-          </a:lnRef>
-          <a:fillRef idx="1">
-            <a:schemeClr val="accent1"/>
-          </a:fillRef>
-          <a:effectRef idx="0">
-            <a:schemeClr val="accent1"/>
-          </a:effectRef>
-          <a:fontRef idx="minor">
-            <a:schemeClr val="lt1"/>
-          </a:fontRef>
-        </p:style>
-        <p:txBody>
-          <a:bodyPr rtlCol="0" anchor="ctr"/>
-          <a:lstStyle/>
-          <a:p>
-            <a:pPr algn="ctr"/>
-            <a:endParaRPr lang="de-DE"/>
-          </a:p>
-        </p:txBody>
-      </p:sp>
-      <p:sp>
-        <p:nvSpPr>
-          <p:cNvPr id="47" name="Rechteck 46"/>
-          <p:cNvSpPr/>
-          <p:nvPr/>
-        </p:nvSpPr>
-        <p:spPr>
-          <a:xfrm>
-            <a:off x="5220072" y="5733256"/>
-            <a:ext cx="3528392" cy="1080120"/>
-          </a:xfrm>
-          <a:prstGeom prst="rect">
-            <a:avLst/>
-          </a:prstGeom>
-          <a:solidFill>
-            <a:schemeClr val="accent3">
-              <a:lumMod val="60000"/>
-              <a:lumOff val="40000"/>
-            </a:schemeClr>
-          </a:solidFill>
-          <a:ln>
-            <a:solidFill>
-              <a:schemeClr val="accent3">
-                <a:lumMod val="75000"/>
-              </a:schemeClr>
-            </a:solidFill>
-          </a:ln>
-        </p:spPr>
-        <p:style>
-          <a:lnRef idx="2">
-            <a:schemeClr val="accent1">
-              <a:shade val="50000"/>
-            </a:schemeClr>
-          </a:lnRef>
-          <a:fillRef idx="1">
-            <a:schemeClr val="accent1"/>
-          </a:fillRef>
-          <a:effectRef idx="0">
-            <a:schemeClr val="accent1"/>
-          </a:effectRef>
-          <a:fontRef idx="minor">
-            <a:schemeClr val="lt1"/>
-          </a:fontRef>
-        </p:style>
-        <p:txBody>
-          <a:bodyPr rtlCol="0" anchor="t" anchorCtr="0"/>
-          <a:lstStyle/>
-          <a:p>
-            <a:pPr algn="ctr"/>
-            <a:r>
-              <a:rPr lang="de-DE" dirty="0" smtClean="0">
-                <a:solidFill>
-                  <a:schemeClr val="tx1"/>
-                </a:solidFill>
-              </a:rPr>
-              <a:t>Teilnehmer</a:t>
-            </a:r>
-            <a:endParaRPr lang="de-DE" dirty="0">
-              <a:solidFill>
-                <a:schemeClr val="tx1"/>
-              </a:solidFill>
-            </a:endParaRPr>
-          </a:p>
-        </p:txBody>
-      </p:sp>
-      <p:sp>
-        <p:nvSpPr>
-          <p:cNvPr id="34" name="Textfeld 33"/>
-          <p:cNvSpPr txBox="1"/>
-          <p:nvPr/>
-        </p:nvSpPr>
-        <p:spPr>
-          <a:xfrm>
-            <a:off x="4860032" y="3429000"/>
-            <a:ext cx="556563" cy="369332"/>
-          </a:xfrm>
-          <a:prstGeom prst="rect">
-            <a:avLst/>
-          </a:prstGeom>
-          <a:noFill/>
-        </p:spPr>
-        <p:txBody>
-          <a:bodyPr wrap="none" rtlCol="0">
-            <a:spAutoFit/>
-          </a:bodyPr>
-          <a:lstStyle/>
-          <a:p>
-            <a:r>
-              <a:rPr lang="de-DE" dirty="0" smtClean="0"/>
-              <a:t>Ort:</a:t>
-            </a:r>
-            <a:endParaRPr lang="de-DE" dirty="0"/>
-          </a:p>
-        </p:txBody>
-      </p:sp>
-      <p:sp>
-        <p:nvSpPr>
-          <p:cNvPr id="35" name="Rechteck 34"/>
-          <p:cNvSpPr/>
-          <p:nvPr/>
-        </p:nvSpPr>
-        <p:spPr>
-          <a:xfrm>
-            <a:off x="7164288" y="3851756"/>
-            <a:ext cx="1440160" cy="360040"/>
-          </a:xfrm>
-          <a:prstGeom prst="rect">
-            <a:avLst/>
-          </a:prstGeom>
-        </p:spPr>
-        <p:style>
-          <a:lnRef idx="2">
-            <a:schemeClr val="accent1">
-              <a:shade val="50000"/>
-            </a:schemeClr>
-          </a:lnRef>
-          <a:fillRef idx="1">
-            <a:schemeClr val="accent1"/>
-          </a:fillRef>
-          <a:effectRef idx="0">
-            <a:schemeClr val="accent1"/>
-          </a:effectRef>
-          <a:fontRef idx="minor">
-            <a:schemeClr val="lt1"/>
-          </a:fontRef>
-        </p:style>
-        <p:txBody>
-          <a:bodyPr rtlCol="0" anchor="ctr"/>
-          <a:lstStyle/>
-          <a:p>
-            <a:pPr algn="ctr"/>
-            <a:endParaRPr lang="de-DE"/>
-          </a:p>
-        </p:txBody>
-      </p:sp>
-      <p:sp>
-        <p:nvSpPr>
-          <p:cNvPr id="36" name="Textfeld 35"/>
-          <p:cNvSpPr txBox="1"/>
-          <p:nvPr/>
-        </p:nvSpPr>
-        <p:spPr>
-          <a:xfrm>
-            <a:off x="4860032" y="3851756"/>
-            <a:ext cx="596382" cy="369332"/>
-          </a:xfrm>
-          <a:prstGeom prst="rect">
-            <a:avLst/>
-          </a:prstGeom>
-          <a:noFill/>
-        </p:spPr>
-        <p:txBody>
-          <a:bodyPr wrap="none" rtlCol="0">
-            <a:spAutoFit/>
-          </a:bodyPr>
-          <a:lstStyle/>
-          <a:p>
-            <a:r>
-              <a:rPr lang="de-DE" dirty="0" smtClean="0"/>
-              <a:t>Zeit:</a:t>
-            </a:r>
-            <a:endParaRPr lang="de-DE" dirty="0"/>
-          </a:p>
-        </p:txBody>
-      </p:sp>
-      <p:sp>
-        <p:nvSpPr>
-          <p:cNvPr id="37" name="Rechteck 36"/>
-          <p:cNvSpPr/>
-          <p:nvPr/>
-        </p:nvSpPr>
-        <p:spPr>
-          <a:xfrm>
-            <a:off x="7164288" y="4283804"/>
-            <a:ext cx="1440160" cy="360040"/>
-          </a:xfrm>
-          <a:prstGeom prst="rect">
-            <a:avLst/>
-          </a:prstGeom>
-        </p:spPr>
-        <p:style>
-          <a:lnRef idx="2">
-            <a:schemeClr val="accent1">
-              <a:shade val="50000"/>
-            </a:schemeClr>
-          </a:lnRef>
-          <a:fillRef idx="1">
-            <a:schemeClr val="accent1"/>
-          </a:fillRef>
-          <a:effectRef idx="0">
-            <a:schemeClr val="accent1"/>
-          </a:effectRef>
-          <a:fontRef idx="minor">
-            <a:schemeClr val="lt1"/>
-          </a:fontRef>
-        </p:style>
-        <p:txBody>
-          <a:bodyPr rtlCol="0" anchor="ctr"/>
-          <a:lstStyle/>
-          <a:p>
-            <a:pPr algn="ctr"/>
-            <a:endParaRPr lang="de-DE"/>
-          </a:p>
-        </p:txBody>
-      </p:sp>
-      <p:sp>
-        <p:nvSpPr>
-          <p:cNvPr id="38" name="Textfeld 37"/>
-          <p:cNvSpPr txBox="1"/>
-          <p:nvPr/>
-        </p:nvSpPr>
-        <p:spPr>
-          <a:xfrm>
-            <a:off x="4860032" y="4283804"/>
-            <a:ext cx="2119555" cy="369332"/>
-          </a:xfrm>
-          <a:prstGeom prst="rect">
-            <a:avLst/>
-          </a:prstGeom>
-          <a:noFill/>
-        </p:spPr>
-        <p:txBody>
-          <a:bodyPr wrap="none" rtlCol="0">
-            <a:spAutoFit/>
-          </a:bodyPr>
-          <a:lstStyle/>
-          <a:p>
-            <a:r>
-              <a:rPr lang="de-DE" dirty="0" smtClean="0"/>
-              <a:t>Event bestätigen bis:</a:t>
-            </a:r>
-            <a:endParaRPr lang="de-DE" dirty="0"/>
-          </a:p>
-        </p:txBody>
-      </p:sp>
-      <p:sp>
-        <p:nvSpPr>
-          <p:cNvPr id="40" name="Rechteck 39"/>
-          <p:cNvSpPr/>
-          <p:nvPr/>
-        </p:nvSpPr>
-        <p:spPr>
-          <a:xfrm>
-            <a:off x="3059832" y="2564904"/>
-            <a:ext cx="1440160" cy="360040"/>
-          </a:xfrm>
-          <a:prstGeom prst="rect">
-            <a:avLst/>
-          </a:prstGeom>
-        </p:spPr>
-        <p:style>
-          <a:lnRef idx="2">
-            <a:schemeClr val="accent1">
-              <a:shade val="50000"/>
-            </a:schemeClr>
-          </a:lnRef>
-          <a:fillRef idx="1">
-            <a:schemeClr val="accent1"/>
-          </a:fillRef>
-          <a:effectRef idx="0">
-            <a:schemeClr val="accent1"/>
-          </a:effectRef>
-          <a:fontRef idx="minor">
-            <a:schemeClr val="lt1"/>
-          </a:fontRef>
-        </p:style>
-        <p:txBody>
-          <a:bodyPr rtlCol="0" anchor="ctr"/>
-          <a:lstStyle/>
-          <a:p>
-            <a:pPr algn="ctr"/>
-            <a:endParaRPr lang="de-DE"/>
-          </a:p>
-        </p:txBody>
-      </p:sp>
-      <p:sp>
-        <p:nvSpPr>
-          <p:cNvPr id="41" name="Textfeld 40"/>
-          <p:cNvSpPr txBox="1"/>
-          <p:nvPr/>
-        </p:nvSpPr>
-        <p:spPr>
-          <a:xfrm>
-            <a:off x="755576" y="2564904"/>
-            <a:ext cx="1341457" cy="369332"/>
-          </a:xfrm>
-          <a:prstGeom prst="rect">
-            <a:avLst/>
-          </a:prstGeom>
-          <a:noFill/>
-        </p:spPr>
-        <p:txBody>
-          <a:bodyPr wrap="none" rtlCol="0">
-            <a:spAutoFit/>
-          </a:bodyPr>
-          <a:lstStyle/>
-          <a:p>
-            <a:r>
-              <a:rPr lang="de-DE" dirty="0" smtClean="0"/>
-              <a:t>Organisator:</a:t>
-            </a:r>
-            <a:endParaRPr lang="de-DE" dirty="0"/>
-          </a:p>
-        </p:txBody>
-      </p:sp>
-      <p:sp>
-        <p:nvSpPr>
-          <p:cNvPr id="42" name="Rechteck 41"/>
-          <p:cNvSpPr/>
-          <p:nvPr/>
-        </p:nvSpPr>
-        <p:spPr>
-          <a:xfrm>
-            <a:off x="7164288" y="4715852"/>
-            <a:ext cx="1440160" cy="801380"/>
-          </a:xfrm>
-          <a:prstGeom prst="rect">
-            <a:avLst/>
-          </a:prstGeom>
-        </p:spPr>
-        <p:style>
-          <a:lnRef idx="2">
-            <a:schemeClr val="accent1">
-              <a:shade val="50000"/>
-            </a:schemeClr>
-          </a:lnRef>
-          <a:fillRef idx="1">
-            <a:schemeClr val="accent1"/>
-          </a:fillRef>
-          <a:effectRef idx="0">
-            <a:schemeClr val="accent1"/>
-          </a:effectRef>
-          <a:fontRef idx="minor">
-            <a:schemeClr val="lt1"/>
-          </a:fontRef>
-        </p:style>
-        <p:txBody>
-          <a:bodyPr rtlCol="0" anchor="ctr"/>
-          <a:lstStyle/>
-          <a:p>
-            <a:pPr algn="ctr"/>
-            <a:r>
-              <a:rPr lang="de-DE" dirty="0" smtClean="0"/>
-              <a:t>Details siehe nächste Folie</a:t>
-            </a:r>
-            <a:endParaRPr lang="de-DE" dirty="0"/>
-          </a:p>
-        </p:txBody>
-      </p:sp>
-      <p:sp>
-        <p:nvSpPr>
-          <p:cNvPr id="43" name="Textfeld 42"/>
-          <p:cNvSpPr txBox="1"/>
-          <p:nvPr/>
-        </p:nvSpPr>
-        <p:spPr>
-          <a:xfrm>
-            <a:off x="4860032" y="4715852"/>
-            <a:ext cx="2212465" cy="369332"/>
-          </a:xfrm>
-          <a:prstGeom prst="rect">
-            <a:avLst/>
-          </a:prstGeom>
-          <a:noFill/>
-        </p:spPr>
-        <p:txBody>
-          <a:bodyPr wrap="none" rtlCol="0">
-            <a:spAutoFit/>
-          </a:bodyPr>
-          <a:lstStyle/>
-          <a:p>
-            <a:r>
-              <a:rPr lang="de-DE" dirty="0" smtClean="0"/>
-              <a:t>Bisherige Teilnehmer:</a:t>
-            </a:r>
-            <a:endParaRPr lang="de-DE" dirty="0"/>
-          </a:p>
-        </p:txBody>
-      </p:sp>
-      <p:sp>
-        <p:nvSpPr>
-          <p:cNvPr id="44" name="Rechteck 43"/>
+          <p:cNvPr id="50" name="Rechteck 49"/>
           <p:cNvSpPr/>
           <p:nvPr/>
         </p:nvSpPr>
@@ -8990,86 +9058,29 @@
             <a:pPr algn="ctr"/>
             <a:r>
               <a:rPr lang="de-DE" dirty="0" smtClean="0"/>
-              <a:t>Teilnahme absagen</a:t>
-            </a:r>
-            <a:endParaRPr lang="de-DE" dirty="0"/>
-          </a:p>
-        </p:txBody>
-      </p:sp>
-      <p:sp>
-        <p:nvSpPr>
-          <p:cNvPr id="46" name="Rechteck 45"/>
+              <a:t>Event</a:t>
+            </a:r>
+            <a:endParaRPr lang="de-DE" dirty="0" smtClean="0"/>
+          </a:p>
+          <a:p>
+            <a:pPr algn="ctr"/>
+            <a:r>
+              <a:rPr lang="de-DE" dirty="0" smtClean="0"/>
+              <a:t>absagen</a:t>
+            </a:r>
+            <a:endParaRPr lang="de-DE" dirty="0"/>
+          </a:p>
+        </p:txBody>
+      </p:sp>
+      <p:sp>
+        <p:nvSpPr>
+          <p:cNvPr id="51" name="Rechteck 50"/>
           <p:cNvSpPr/>
           <p:nvPr/>
         </p:nvSpPr>
         <p:spPr>
           <a:xfrm>
-            <a:off x="3347864" y="5733256"/>
-            <a:ext cx="1800200" cy="1080120"/>
-          </a:xfrm>
-          <a:prstGeom prst="rect">
-            <a:avLst/>
-          </a:prstGeom>
-          <a:solidFill>
-            <a:schemeClr val="accent3">
-              <a:lumMod val="60000"/>
-              <a:lumOff val="40000"/>
-            </a:schemeClr>
-          </a:solidFill>
-          <a:ln>
-            <a:solidFill>
-              <a:schemeClr val="accent3">
-                <a:lumMod val="75000"/>
-              </a:schemeClr>
-            </a:solidFill>
-          </a:ln>
-        </p:spPr>
-        <p:style>
-          <a:lnRef idx="2">
-            <a:schemeClr val="accent1">
-              <a:shade val="50000"/>
-            </a:schemeClr>
-          </a:lnRef>
-          <a:fillRef idx="1">
-            <a:schemeClr val="accent1"/>
-          </a:fillRef>
-          <a:effectRef idx="0">
-            <a:schemeClr val="accent1"/>
-          </a:effectRef>
-          <a:fontRef idx="minor">
-            <a:schemeClr val="lt1"/>
-          </a:fontRef>
-        </p:style>
-        <p:txBody>
-          <a:bodyPr rtlCol="0" anchor="t" anchorCtr="0"/>
-          <a:lstStyle/>
-          <a:p>
-            <a:pPr algn="ctr"/>
-            <a:r>
-              <a:rPr lang="de-DE" dirty="0" smtClean="0">
-                <a:solidFill>
-                  <a:schemeClr val="tx1"/>
-                </a:solidFill>
-              </a:rPr>
-              <a:t>Organisator</a:t>
-            </a:r>
-            <a:endParaRPr lang="de-DE" dirty="0">
-              <a:solidFill>
-                <a:schemeClr val="tx1"/>
-              </a:solidFill>
-            </a:endParaRPr>
-          </a:p>
-        </p:txBody>
-      </p:sp>
-      <p:sp>
-        <p:nvSpPr>
-          <p:cNvPr id="45" name="Rechteck 44"/>
-          <p:cNvSpPr/>
-          <p:nvPr/>
-        </p:nvSpPr>
-        <p:spPr>
-          <a:xfrm>
-            <a:off x="3419872" y="6165304"/>
+            <a:off x="7020272" y="6165304"/>
             <a:ext cx="1656184" cy="576064"/>
           </a:xfrm>
           <a:prstGeom prst="rect">
@@ -9119,30 +9130,75 @@
       </p:sp>
       <p:sp>
         <p:nvSpPr>
-          <p:cNvPr id="19" name="Rechteck 18"/>
+          <p:cNvPr id="5" name="Inhaltsplatzhalter 4"/>
+          <p:cNvSpPr>
+            <a:spLocks noGrp="1"/>
+          </p:cNvSpPr>
+          <p:nvPr>
+            <p:ph idx="1"/>
+          </p:nvPr>
+        </p:nvSpPr>
+        <p:spPr>
+          <a:xfrm>
+            <a:off x="457200" y="1600200"/>
+            <a:ext cx="8435280" cy="4525963"/>
+          </a:xfrm>
+        </p:spPr>
+        <p:txBody>
+          <a:bodyPr/>
+          <a:lstStyle/>
+          <a:p>
+            <a:r>
+              <a:rPr lang="de-DE" dirty="0" smtClean="0"/>
+              <a:t>Event </a:t>
+            </a:r>
+            <a:r>
+              <a:rPr lang="de-DE" dirty="0" smtClean="0"/>
+              <a:t>anlegen/bestätigen</a:t>
+            </a:r>
+            <a:endParaRPr lang="de-DE" dirty="0"/>
+          </a:p>
+        </p:txBody>
+      </p:sp>
+      <p:sp>
+        <p:nvSpPr>
+          <p:cNvPr id="4" name="Titel 3"/>
+          <p:cNvSpPr>
+            <a:spLocks noGrp="1"/>
+          </p:cNvSpPr>
+          <p:nvPr>
+            <p:ph type="title"/>
+          </p:nvPr>
+        </p:nvSpPr>
+        <p:spPr/>
+        <p:txBody>
+          <a:bodyPr>
+            <a:normAutofit/>
+          </a:bodyPr>
+          <a:lstStyle/>
+          <a:p>
+            <a:r>
+              <a:rPr lang="de-DE" dirty="0" smtClean="0"/>
+              <a:t>Event</a:t>
+            </a:r>
+            <a:endParaRPr lang="de-DE" dirty="0"/>
+          </a:p>
+        </p:txBody>
+      </p:sp>
+      <p:sp>
+        <p:nvSpPr>
+          <p:cNvPr id="12" name="Rechteck 11"/>
           <p:cNvSpPr/>
           <p:nvPr/>
         </p:nvSpPr>
         <p:spPr>
           <a:xfrm>
-            <a:off x="7020272" y="6165304"/>
-            <a:ext cx="1656184" cy="576064"/>
-          </a:xfrm>
-          <a:prstGeom prst="rect">
-            <a:avLst/>
-          </a:prstGeom>
-          <a:solidFill>
-            <a:schemeClr val="accent3">
-              <a:lumMod val="75000"/>
-            </a:schemeClr>
-          </a:solidFill>
-          <a:ln>
-            <a:solidFill>
-              <a:schemeClr val="accent3">
-                <a:lumMod val="50000"/>
-              </a:schemeClr>
-            </a:solidFill>
-          </a:ln>
+            <a:off x="3059832" y="2996952"/>
+            <a:ext cx="1440160" cy="360040"/>
+          </a:xfrm>
+          <a:prstGeom prst="rect">
+            <a:avLst/>
+          </a:prstGeom>
         </p:spPr>
         <p:style>
           <a:lnRef idx="2">
@@ -9165,40 +9221,24 @@
           <a:lstStyle/>
           <a:p>
             <a:pPr algn="ctr"/>
-            <a:r>
-              <a:rPr lang="de-DE" dirty="0" smtClean="0"/>
-              <a:t>An Event Teilnehmen</a:t>
-            </a:r>
-            <a:endParaRPr lang="de-DE" dirty="0"/>
-          </a:p>
-        </p:txBody>
-      </p:sp>
-      <p:sp>
-        <p:nvSpPr>
-          <p:cNvPr id="48" name="Rechteck 47"/>
+            <a:endParaRPr lang="de-DE"/>
+          </a:p>
+        </p:txBody>
+      </p:sp>
+      <p:sp>
+        <p:nvSpPr>
+          <p:cNvPr id="17" name="Rechteck 16"/>
           <p:cNvSpPr/>
           <p:nvPr/>
         </p:nvSpPr>
         <p:spPr>
           <a:xfrm>
-            <a:off x="4860032" y="2564904"/>
-            <a:ext cx="2016224" cy="360040"/>
-          </a:xfrm>
-          <a:prstGeom prst="rect">
-            <a:avLst/>
-          </a:prstGeom>
-          <a:solidFill>
-            <a:schemeClr val="accent3">
-              <a:lumMod val="75000"/>
-            </a:schemeClr>
-          </a:solidFill>
-          <a:ln>
-            <a:solidFill>
-              <a:schemeClr val="accent3">
-                <a:lumMod val="50000"/>
-              </a:schemeClr>
-            </a:solidFill>
-          </a:ln>
+            <a:off x="3059832" y="3419708"/>
+            <a:ext cx="1440160" cy="801380"/>
+          </a:xfrm>
+          <a:prstGeom prst="rect">
+            <a:avLst/>
+          </a:prstGeom>
         </p:spPr>
         <p:style>
           <a:lnRef idx="2">
@@ -9221,9 +9261,625 @@
           <a:lstStyle/>
           <a:p>
             <a:pPr algn="ctr"/>
-            <a:r>
-              <a:rPr lang="de-DE" dirty="0" smtClean="0"/>
-              <a:t>Nachricht senden</a:t>
+            <a:endParaRPr lang="de-DE"/>
+          </a:p>
+        </p:txBody>
+      </p:sp>
+      <p:sp>
+        <p:nvSpPr>
+          <p:cNvPr id="13" name="Textfeld 12"/>
+          <p:cNvSpPr txBox="1"/>
+          <p:nvPr/>
+        </p:nvSpPr>
+        <p:spPr>
+          <a:xfrm>
+            <a:off x="755576" y="2996952"/>
+            <a:ext cx="655051" cy="369332"/>
+          </a:xfrm>
+          <a:prstGeom prst="rect">
+            <a:avLst/>
+          </a:prstGeom>
+          <a:noFill/>
+        </p:spPr>
+        <p:txBody>
+          <a:bodyPr wrap="none" rtlCol="0">
+            <a:spAutoFit/>
+          </a:bodyPr>
+          <a:lstStyle/>
+          <a:p>
+            <a:r>
+              <a:rPr lang="de-DE" dirty="0" smtClean="0"/>
+              <a:t>Titel:</a:t>
+            </a:r>
+            <a:endParaRPr lang="de-DE" dirty="0"/>
+          </a:p>
+        </p:txBody>
+      </p:sp>
+      <p:sp>
+        <p:nvSpPr>
+          <p:cNvPr id="18" name="Textfeld 17"/>
+          <p:cNvSpPr txBox="1"/>
+          <p:nvPr/>
+        </p:nvSpPr>
+        <p:spPr>
+          <a:xfrm>
+            <a:off x="755576" y="3419708"/>
+            <a:ext cx="1516954" cy="369332"/>
+          </a:xfrm>
+          <a:prstGeom prst="rect">
+            <a:avLst/>
+          </a:prstGeom>
+          <a:noFill/>
+        </p:spPr>
+        <p:txBody>
+          <a:bodyPr wrap="none" rtlCol="0">
+            <a:spAutoFit/>
+          </a:bodyPr>
+          <a:lstStyle/>
+          <a:p>
+            <a:r>
+              <a:rPr lang="de-DE" dirty="0" smtClean="0"/>
+              <a:t>Beschreibung:</a:t>
+            </a:r>
+            <a:endParaRPr lang="de-DE" dirty="0"/>
+          </a:p>
+        </p:txBody>
+      </p:sp>
+      <p:sp>
+        <p:nvSpPr>
+          <p:cNvPr id="21" name="Rechteck 20"/>
+          <p:cNvSpPr/>
+          <p:nvPr/>
+        </p:nvSpPr>
+        <p:spPr>
+          <a:xfrm>
+            <a:off x="3059832" y="4283804"/>
+            <a:ext cx="1440160" cy="360040"/>
+          </a:xfrm>
+          <a:prstGeom prst="rect">
+            <a:avLst/>
+          </a:prstGeom>
+        </p:spPr>
+        <p:style>
+          <a:lnRef idx="2">
+            <a:schemeClr val="accent1">
+              <a:shade val="50000"/>
+            </a:schemeClr>
+          </a:lnRef>
+          <a:fillRef idx="1">
+            <a:schemeClr val="accent1"/>
+          </a:fillRef>
+          <a:effectRef idx="0">
+            <a:schemeClr val="accent1"/>
+          </a:effectRef>
+          <a:fontRef idx="minor">
+            <a:schemeClr val="lt1"/>
+          </a:fontRef>
+        </p:style>
+        <p:txBody>
+          <a:bodyPr rtlCol="0" anchor="ctr"/>
+          <a:lstStyle/>
+          <a:p>
+            <a:pPr algn="ctr"/>
+            <a:endParaRPr lang="de-DE"/>
+          </a:p>
+        </p:txBody>
+      </p:sp>
+      <p:sp>
+        <p:nvSpPr>
+          <p:cNvPr id="22" name="Textfeld 21"/>
+          <p:cNvSpPr txBox="1"/>
+          <p:nvPr/>
+        </p:nvSpPr>
+        <p:spPr>
+          <a:xfrm>
+            <a:off x="755576" y="4283804"/>
+            <a:ext cx="1139607" cy="369332"/>
+          </a:xfrm>
+          <a:prstGeom prst="rect">
+            <a:avLst/>
+          </a:prstGeom>
+          <a:noFill/>
+        </p:spPr>
+        <p:txBody>
+          <a:bodyPr wrap="none" rtlCol="0">
+            <a:spAutoFit/>
+          </a:bodyPr>
+          <a:lstStyle/>
+          <a:p>
+            <a:r>
+              <a:rPr lang="de-DE" dirty="0" smtClean="0"/>
+              <a:t>Kategorie:</a:t>
+            </a:r>
+            <a:endParaRPr lang="de-DE" dirty="0"/>
+          </a:p>
+        </p:txBody>
+      </p:sp>
+      <p:sp>
+        <p:nvSpPr>
+          <p:cNvPr id="23" name="Rechteck 22"/>
+          <p:cNvSpPr/>
+          <p:nvPr/>
+        </p:nvSpPr>
+        <p:spPr>
+          <a:xfrm>
+            <a:off x="3059832" y="4715852"/>
+            <a:ext cx="1440160" cy="360040"/>
+          </a:xfrm>
+          <a:prstGeom prst="rect">
+            <a:avLst/>
+          </a:prstGeom>
+        </p:spPr>
+        <p:style>
+          <a:lnRef idx="2">
+            <a:schemeClr val="accent1">
+              <a:shade val="50000"/>
+            </a:schemeClr>
+          </a:lnRef>
+          <a:fillRef idx="1">
+            <a:schemeClr val="accent1"/>
+          </a:fillRef>
+          <a:effectRef idx="0">
+            <a:schemeClr val="accent1"/>
+          </a:effectRef>
+          <a:fontRef idx="minor">
+            <a:schemeClr val="lt1"/>
+          </a:fontRef>
+        </p:style>
+        <p:txBody>
+          <a:bodyPr rtlCol="0" anchor="ctr"/>
+          <a:lstStyle/>
+          <a:p>
+            <a:pPr algn="ctr"/>
+            <a:endParaRPr lang="de-DE"/>
+          </a:p>
+        </p:txBody>
+      </p:sp>
+      <p:sp>
+        <p:nvSpPr>
+          <p:cNvPr id="24" name="Textfeld 23"/>
+          <p:cNvSpPr txBox="1"/>
+          <p:nvPr/>
+        </p:nvSpPr>
+        <p:spPr>
+          <a:xfrm>
+            <a:off x="755576" y="4715852"/>
+            <a:ext cx="1660647" cy="369332"/>
+          </a:xfrm>
+          <a:prstGeom prst="rect">
+            <a:avLst/>
+          </a:prstGeom>
+          <a:noFill/>
+        </p:spPr>
+        <p:txBody>
+          <a:bodyPr wrap="none" rtlCol="0">
+            <a:spAutoFit/>
+          </a:bodyPr>
+          <a:lstStyle/>
+          <a:p>
+            <a:r>
+              <a:rPr lang="de-DE" dirty="0" smtClean="0"/>
+              <a:t>Unterkategorie:</a:t>
+            </a:r>
+            <a:endParaRPr lang="de-DE" dirty="0"/>
+          </a:p>
+        </p:txBody>
+      </p:sp>
+      <p:sp>
+        <p:nvSpPr>
+          <p:cNvPr id="25" name="Rechteck 24"/>
+          <p:cNvSpPr/>
+          <p:nvPr/>
+        </p:nvSpPr>
+        <p:spPr>
+          <a:xfrm>
+            <a:off x="3059832" y="5147900"/>
+            <a:ext cx="1440160" cy="360040"/>
+          </a:xfrm>
+          <a:prstGeom prst="rect">
+            <a:avLst/>
+          </a:prstGeom>
+        </p:spPr>
+        <p:style>
+          <a:lnRef idx="2">
+            <a:schemeClr val="accent1">
+              <a:shade val="50000"/>
+            </a:schemeClr>
+          </a:lnRef>
+          <a:fillRef idx="1">
+            <a:schemeClr val="accent1"/>
+          </a:fillRef>
+          <a:effectRef idx="0">
+            <a:schemeClr val="accent1"/>
+          </a:effectRef>
+          <a:fontRef idx="minor">
+            <a:schemeClr val="lt1"/>
+          </a:fontRef>
+        </p:style>
+        <p:txBody>
+          <a:bodyPr rtlCol="0" anchor="ctr"/>
+          <a:lstStyle/>
+          <a:p>
+            <a:pPr algn="ctr"/>
+            <a:endParaRPr lang="de-DE"/>
+          </a:p>
+        </p:txBody>
+      </p:sp>
+      <p:sp>
+        <p:nvSpPr>
+          <p:cNvPr id="26" name="Textfeld 25"/>
+          <p:cNvSpPr txBox="1"/>
+          <p:nvPr/>
+        </p:nvSpPr>
+        <p:spPr>
+          <a:xfrm>
+            <a:off x="755576" y="5147900"/>
+            <a:ext cx="701026" cy="369332"/>
+          </a:xfrm>
+          <a:prstGeom prst="rect">
+            <a:avLst/>
+          </a:prstGeom>
+          <a:noFill/>
+        </p:spPr>
+        <p:txBody>
+          <a:bodyPr wrap="none" rtlCol="0">
+            <a:spAutoFit/>
+          </a:bodyPr>
+          <a:lstStyle/>
+          <a:p>
+            <a:r>
+              <a:rPr lang="de-DE" dirty="0" smtClean="0"/>
+              <a:t>Preis:</a:t>
+            </a:r>
+            <a:endParaRPr lang="de-DE" dirty="0"/>
+          </a:p>
+        </p:txBody>
+      </p:sp>
+      <p:sp>
+        <p:nvSpPr>
+          <p:cNvPr id="27" name="Rechteck 26"/>
+          <p:cNvSpPr/>
+          <p:nvPr/>
+        </p:nvSpPr>
+        <p:spPr>
+          <a:xfrm>
+            <a:off x="7164288" y="2996952"/>
+            <a:ext cx="1440160" cy="360040"/>
+          </a:xfrm>
+          <a:prstGeom prst="rect">
+            <a:avLst/>
+          </a:prstGeom>
+        </p:spPr>
+        <p:style>
+          <a:lnRef idx="2">
+            <a:schemeClr val="accent1">
+              <a:shade val="50000"/>
+            </a:schemeClr>
+          </a:lnRef>
+          <a:fillRef idx="1">
+            <a:schemeClr val="accent1"/>
+          </a:fillRef>
+          <a:effectRef idx="0">
+            <a:schemeClr val="accent1"/>
+          </a:effectRef>
+          <a:fontRef idx="minor">
+            <a:schemeClr val="lt1"/>
+          </a:fontRef>
+        </p:style>
+        <p:txBody>
+          <a:bodyPr rtlCol="0" anchor="ctr"/>
+          <a:lstStyle/>
+          <a:p>
+            <a:pPr algn="ctr"/>
+            <a:endParaRPr lang="de-DE"/>
+          </a:p>
+        </p:txBody>
+      </p:sp>
+      <p:sp>
+        <p:nvSpPr>
+          <p:cNvPr id="28" name="Textfeld 27"/>
+          <p:cNvSpPr txBox="1"/>
+          <p:nvPr/>
+        </p:nvSpPr>
+        <p:spPr>
+          <a:xfrm>
+            <a:off x="4860032" y="2996952"/>
+            <a:ext cx="1325299" cy="369332"/>
+          </a:xfrm>
+          <a:prstGeom prst="rect">
+            <a:avLst/>
+          </a:prstGeom>
+          <a:noFill/>
+        </p:spPr>
+        <p:txBody>
+          <a:bodyPr wrap="none" rtlCol="0">
+            <a:spAutoFit/>
+          </a:bodyPr>
+          <a:lstStyle/>
+          <a:p>
+            <a:r>
+              <a:rPr lang="de-DE" dirty="0" smtClean="0"/>
+              <a:t>Freie Plätze:</a:t>
+            </a:r>
+            <a:endParaRPr lang="de-DE" dirty="0"/>
+          </a:p>
+        </p:txBody>
+      </p:sp>
+      <p:sp>
+        <p:nvSpPr>
+          <p:cNvPr id="33" name="Rechteck 32"/>
+          <p:cNvSpPr/>
+          <p:nvPr/>
+        </p:nvSpPr>
+        <p:spPr>
+          <a:xfrm>
+            <a:off x="7164288" y="3429000"/>
+            <a:ext cx="1440160" cy="360040"/>
+          </a:xfrm>
+          <a:prstGeom prst="rect">
+            <a:avLst/>
+          </a:prstGeom>
+        </p:spPr>
+        <p:style>
+          <a:lnRef idx="2">
+            <a:schemeClr val="accent1">
+              <a:shade val="50000"/>
+            </a:schemeClr>
+          </a:lnRef>
+          <a:fillRef idx="1">
+            <a:schemeClr val="accent1"/>
+          </a:fillRef>
+          <a:effectRef idx="0">
+            <a:schemeClr val="accent1"/>
+          </a:effectRef>
+          <a:fontRef idx="minor">
+            <a:schemeClr val="lt1"/>
+          </a:fontRef>
+        </p:style>
+        <p:txBody>
+          <a:bodyPr rtlCol="0" anchor="ctr"/>
+          <a:lstStyle/>
+          <a:p>
+            <a:pPr algn="ctr"/>
+            <a:endParaRPr lang="de-DE"/>
+          </a:p>
+        </p:txBody>
+      </p:sp>
+      <p:sp>
+        <p:nvSpPr>
+          <p:cNvPr id="34" name="Textfeld 33"/>
+          <p:cNvSpPr txBox="1"/>
+          <p:nvPr/>
+        </p:nvSpPr>
+        <p:spPr>
+          <a:xfrm>
+            <a:off x="4860032" y="3429000"/>
+            <a:ext cx="556563" cy="369332"/>
+          </a:xfrm>
+          <a:prstGeom prst="rect">
+            <a:avLst/>
+          </a:prstGeom>
+          <a:noFill/>
+        </p:spPr>
+        <p:txBody>
+          <a:bodyPr wrap="none" rtlCol="0">
+            <a:spAutoFit/>
+          </a:bodyPr>
+          <a:lstStyle/>
+          <a:p>
+            <a:r>
+              <a:rPr lang="de-DE" dirty="0" smtClean="0"/>
+              <a:t>Ort:</a:t>
+            </a:r>
+            <a:endParaRPr lang="de-DE" dirty="0"/>
+          </a:p>
+        </p:txBody>
+      </p:sp>
+      <p:sp>
+        <p:nvSpPr>
+          <p:cNvPr id="35" name="Rechteck 34"/>
+          <p:cNvSpPr/>
+          <p:nvPr/>
+        </p:nvSpPr>
+        <p:spPr>
+          <a:xfrm>
+            <a:off x="7164288" y="3851756"/>
+            <a:ext cx="1440160" cy="360040"/>
+          </a:xfrm>
+          <a:prstGeom prst="rect">
+            <a:avLst/>
+          </a:prstGeom>
+        </p:spPr>
+        <p:style>
+          <a:lnRef idx="2">
+            <a:schemeClr val="accent1">
+              <a:shade val="50000"/>
+            </a:schemeClr>
+          </a:lnRef>
+          <a:fillRef idx="1">
+            <a:schemeClr val="accent1"/>
+          </a:fillRef>
+          <a:effectRef idx="0">
+            <a:schemeClr val="accent1"/>
+          </a:effectRef>
+          <a:fontRef idx="minor">
+            <a:schemeClr val="lt1"/>
+          </a:fontRef>
+        </p:style>
+        <p:txBody>
+          <a:bodyPr rtlCol="0" anchor="ctr"/>
+          <a:lstStyle/>
+          <a:p>
+            <a:pPr algn="ctr"/>
+            <a:endParaRPr lang="de-DE"/>
+          </a:p>
+        </p:txBody>
+      </p:sp>
+      <p:sp>
+        <p:nvSpPr>
+          <p:cNvPr id="36" name="Textfeld 35"/>
+          <p:cNvSpPr txBox="1"/>
+          <p:nvPr/>
+        </p:nvSpPr>
+        <p:spPr>
+          <a:xfrm>
+            <a:off x="4860032" y="3851756"/>
+            <a:ext cx="596382" cy="369332"/>
+          </a:xfrm>
+          <a:prstGeom prst="rect">
+            <a:avLst/>
+          </a:prstGeom>
+          <a:noFill/>
+        </p:spPr>
+        <p:txBody>
+          <a:bodyPr wrap="none" rtlCol="0">
+            <a:spAutoFit/>
+          </a:bodyPr>
+          <a:lstStyle/>
+          <a:p>
+            <a:r>
+              <a:rPr lang="de-DE" dirty="0" smtClean="0"/>
+              <a:t>Zeit:</a:t>
+            </a:r>
+            <a:endParaRPr lang="de-DE" dirty="0"/>
+          </a:p>
+        </p:txBody>
+      </p:sp>
+      <p:sp>
+        <p:nvSpPr>
+          <p:cNvPr id="37" name="Rechteck 36"/>
+          <p:cNvSpPr/>
+          <p:nvPr/>
+        </p:nvSpPr>
+        <p:spPr>
+          <a:xfrm>
+            <a:off x="7164288" y="4283804"/>
+            <a:ext cx="1440160" cy="360040"/>
+          </a:xfrm>
+          <a:prstGeom prst="rect">
+            <a:avLst/>
+          </a:prstGeom>
+        </p:spPr>
+        <p:style>
+          <a:lnRef idx="2">
+            <a:schemeClr val="accent1">
+              <a:shade val="50000"/>
+            </a:schemeClr>
+          </a:lnRef>
+          <a:fillRef idx="1">
+            <a:schemeClr val="accent1"/>
+          </a:fillRef>
+          <a:effectRef idx="0">
+            <a:schemeClr val="accent1"/>
+          </a:effectRef>
+          <a:fontRef idx="minor">
+            <a:schemeClr val="lt1"/>
+          </a:fontRef>
+        </p:style>
+        <p:txBody>
+          <a:bodyPr rtlCol="0" anchor="ctr"/>
+          <a:lstStyle/>
+          <a:p>
+            <a:pPr algn="ctr"/>
+            <a:endParaRPr lang="de-DE"/>
+          </a:p>
+        </p:txBody>
+      </p:sp>
+      <p:sp>
+        <p:nvSpPr>
+          <p:cNvPr id="38" name="Textfeld 37"/>
+          <p:cNvSpPr txBox="1"/>
+          <p:nvPr/>
+        </p:nvSpPr>
+        <p:spPr>
+          <a:xfrm>
+            <a:off x="4860032" y="4283804"/>
+            <a:ext cx="2119555" cy="369332"/>
+          </a:xfrm>
+          <a:prstGeom prst="rect">
+            <a:avLst/>
+          </a:prstGeom>
+          <a:noFill/>
+        </p:spPr>
+        <p:txBody>
+          <a:bodyPr wrap="none" rtlCol="0">
+            <a:spAutoFit/>
+          </a:bodyPr>
+          <a:lstStyle/>
+          <a:p>
+            <a:r>
+              <a:rPr lang="de-DE" dirty="0" smtClean="0"/>
+              <a:t>Event bestätigen bis:</a:t>
+            </a:r>
+            <a:endParaRPr lang="de-DE" dirty="0"/>
+          </a:p>
+        </p:txBody>
+      </p:sp>
+      <p:sp>
+        <p:nvSpPr>
+          <p:cNvPr id="40" name="Rechteck 39"/>
+          <p:cNvSpPr/>
+          <p:nvPr/>
+        </p:nvSpPr>
+        <p:spPr>
+          <a:xfrm>
+            <a:off x="3059832" y="2564904"/>
+            <a:ext cx="1440160" cy="360040"/>
+          </a:xfrm>
+          <a:prstGeom prst="rect">
+            <a:avLst/>
+          </a:prstGeom>
+        </p:spPr>
+        <p:style>
+          <a:lnRef idx="2">
+            <a:schemeClr val="accent1">
+              <a:shade val="50000"/>
+            </a:schemeClr>
+          </a:lnRef>
+          <a:fillRef idx="1">
+            <a:schemeClr val="accent1"/>
+          </a:fillRef>
+          <a:effectRef idx="0">
+            <a:schemeClr val="accent1"/>
+          </a:effectRef>
+          <a:fontRef idx="minor">
+            <a:schemeClr val="lt1"/>
+          </a:fontRef>
+        </p:style>
+        <p:txBody>
+          <a:bodyPr rtlCol="0" anchor="ctr"/>
+          <a:lstStyle/>
+          <a:p>
+            <a:pPr algn="ctr"/>
+            <a:endParaRPr lang="de-DE"/>
+          </a:p>
+        </p:txBody>
+      </p:sp>
+      <p:sp>
+        <p:nvSpPr>
+          <p:cNvPr id="41" name="Textfeld 40"/>
+          <p:cNvSpPr txBox="1"/>
+          <p:nvPr/>
+        </p:nvSpPr>
+        <p:spPr>
+          <a:xfrm>
+            <a:off x="755576" y="2564904"/>
+            <a:ext cx="1341457" cy="369332"/>
+          </a:xfrm>
+          <a:prstGeom prst="rect">
+            <a:avLst/>
+          </a:prstGeom>
+          <a:noFill/>
+        </p:spPr>
+        <p:txBody>
+          <a:bodyPr wrap="none" rtlCol="0">
+            <a:spAutoFit/>
+          </a:bodyPr>
+          <a:lstStyle/>
+          <a:p>
+            <a:r>
+              <a:rPr lang="de-DE" dirty="0" smtClean="0"/>
+              <a:t>Organisator:</a:t>
             </a:r>
             <a:endParaRPr lang="de-DE" dirty="0"/>
           </a:p>
